--- a/ppt/PythonMath02-Python.pptx
+++ b/ppt/PythonMath02-Python.pptx
@@ -5,10 +5,10 @@
     <p:sldMasterId id="2147483653" r:id="rId1"/>
   </p:sldMasterIdLst>
   <p:notesMasterIdLst>
-    <p:notesMasterId r:id="rId34"/>
+    <p:notesMasterId r:id="rId33"/>
   </p:notesMasterIdLst>
   <p:handoutMasterIdLst>
-    <p:handoutMasterId r:id="rId35"/>
+    <p:handoutMasterId r:id="rId34"/>
   </p:handoutMasterIdLst>
   <p:sldIdLst>
     <p:sldId id="264" r:id="rId2"/>
@@ -39,10 +39,9 @@
     <p:sldId id="300" r:id="rId27"/>
     <p:sldId id="301" r:id="rId28"/>
     <p:sldId id="302" r:id="rId29"/>
-    <p:sldId id="303" r:id="rId30"/>
-    <p:sldId id="304" r:id="rId31"/>
-    <p:sldId id="305" r:id="rId32"/>
-    <p:sldId id="309" r:id="rId33"/>
+    <p:sldId id="304" r:id="rId30"/>
+    <p:sldId id="305" r:id="rId31"/>
+    <p:sldId id="309" r:id="rId32"/>
   </p:sldIdLst>
   <p:sldSz cx="9144000" cy="6858000" type="screen4x3"/>
   <p:notesSz cx="6648450" cy="9782175"/>
@@ -9044,6 +9043,13 @@
   <p:clrMapOvr>
     <a:masterClrMapping/>
   </p:clrMapOvr>
+  <p:timing>
+    <p:tnLst>
+      <p:par>
+        <p:cTn id="1" dur="indefinite" restart="never" nodeType="tmRoot"/>
+      </p:par>
+    </p:tnLst>
+  </p:timing>
 </p:sld>
 </file>
 
@@ -9337,6 +9343,13 @@
   <p:clrMapOvr>
     <a:masterClrMapping/>
   </p:clrMapOvr>
+  <p:timing>
+    <p:tnLst>
+      <p:par>
+        <p:cTn id="1" dur="indefinite" restart="never" nodeType="tmRoot"/>
+      </p:par>
+    </p:tnLst>
+  </p:timing>
 </p:sld>
 </file>
 
@@ -15094,8 +15107,8 @@
           <a:lstStyle/>
           <a:p>
             <a:r>
-              <a:rPr lang="fr-FR" dirty="0" smtClean="0"/>
-              <a:t>Remarques</a:t>
+              <a:rPr lang="fr-FR" dirty="0" err="1" smtClean="0"/>
+              <a:t>Tuples</a:t>
             </a:r>
             <a:endParaRPr lang="fr-FR" dirty="0"/>
           </a:p>
@@ -15116,302 +15129,127 @@
           <a:bodyPr/>
           <a:lstStyle/>
           <a:p>
-            <a:pPr eaLnBrk="1" hangingPunct="1">
-              <a:spcBef>
-                <a:spcPts val="500"/>
-              </a:spcBef>
-              <a:spcAft>
-                <a:spcPts val="500"/>
-              </a:spcAft>
-            </a:pPr>
+            <a:r>
+              <a:rPr lang="fr-FR" dirty="0" smtClean="0"/>
+              <a:t>Est une collection de valeurs non modifiable</a:t>
+            </a:r>
+          </a:p>
+          <a:p>
+            <a:r>
+              <a:rPr lang="en-GB" altLang="fr-FR" dirty="0" smtClean="0"/>
+              <a:t>Des </a:t>
+            </a:r>
+            <a:r>
+              <a:rPr lang="en-GB" altLang="fr-FR" dirty="0" err="1"/>
+              <a:t>valeurs</a:t>
+            </a:r>
             <a:r>
               <a:rPr lang="en-GB" altLang="fr-FR" dirty="0"/>
-              <a:t>Les </a:t>
+              <a:t> (entre </a:t>
             </a:r>
             <a:r>
               <a:rPr lang="en-GB" altLang="fr-FR" dirty="0" err="1"/>
-              <a:t>opérateurs</a:t>
+              <a:t>parenthèses</a:t>
             </a:r>
             <a:r>
               <a:rPr lang="en-GB" altLang="fr-FR" dirty="0"/>
-              <a:t> de </a:t>
+              <a:t>) </a:t>
             </a:r>
             <a:r>
               <a:rPr lang="en-GB" altLang="fr-FR" dirty="0" err="1"/>
-              <a:t>comparaison</a:t>
+              <a:t>séparées</a:t>
             </a:r>
             <a:r>
               <a:rPr lang="en-GB" altLang="fr-FR" dirty="0"/>
-              <a:t> </a:t>
-            </a:r>
-            <a:r>
-              <a:rPr lang="en-GB" altLang="fr-FR" b="1" dirty="0"/>
-              <a:t>in</a:t>
+              <a:t> par des </a:t>
+            </a:r>
+            <a:r>
+              <a:rPr lang="en-GB" altLang="fr-FR" dirty="0" smtClean="0"/>
+              <a:t>virgules</a:t>
+            </a:r>
+          </a:p>
+          <a:p>
+            <a:pPr lvl="1"/>
+            <a:r>
+              <a:rPr lang="en-GB" altLang="fr-FR" dirty="0" smtClean="0"/>
+              <a:t>&gt;&gt;&gt;</a:t>
             </a:r>
             <a:r>
               <a:rPr lang="en-GB" altLang="fr-FR" dirty="0"/>
-              <a:t> et </a:t>
-            </a:r>
-            <a:r>
-              <a:rPr lang="en-GB" altLang="fr-FR" b="1" dirty="0"/>
-              <a:t>not in</a:t>
-            </a:r>
+              <a:t>tuple=(0,1.4,’world</a:t>
+            </a:r>
+            <a:r>
+              <a:rPr lang="en-GB" altLang="fr-FR" dirty="0" smtClean="0"/>
+              <a:t>’)</a:t>
+            </a:r>
+          </a:p>
+          <a:p>
+            <a:r>
+              <a:rPr lang="en-GB" altLang="fr-FR" dirty="0" err="1" smtClean="0"/>
+              <a:t>Très</a:t>
+            </a:r>
+            <a:r>
+              <a:rPr lang="en-GB" altLang="fr-FR" dirty="0" smtClean="0"/>
+              <a:t> utile pour les retours de </a:t>
+            </a:r>
+            <a:r>
+              <a:rPr lang="en-GB" altLang="fr-FR" dirty="0" err="1" smtClean="0"/>
+              <a:t>fonctions</a:t>
+            </a:r>
+            <a:endParaRPr lang="en-GB" altLang="fr-FR" dirty="0" smtClean="0"/>
+          </a:p>
+          <a:p>
+            <a:pPr lvl="1"/>
+            <a:r>
+              <a:rPr lang="en-GB" altLang="fr-FR" dirty="0" err="1" smtClean="0"/>
+              <a:t>Egalement</a:t>
+            </a:r>
+            <a:r>
+              <a:rPr lang="en-GB" altLang="fr-FR" dirty="0" smtClean="0"/>
+              <a:t> pour les </a:t>
+            </a:r>
+            <a:r>
+              <a:rPr lang="en-GB" altLang="fr-FR" dirty="0" err="1" smtClean="0"/>
+              <a:t>appels</a:t>
+            </a:r>
+            <a:r>
+              <a:rPr lang="en-GB" altLang="fr-FR" dirty="0" smtClean="0"/>
+              <a:t> pour assurer de la non modification des </a:t>
+            </a:r>
+            <a:r>
+              <a:rPr lang="en-GB" altLang="fr-FR" dirty="0" err="1" smtClean="0"/>
+              <a:t>valeurs</a:t>
+            </a:r>
+            <a:endParaRPr lang="en-GB" altLang="fr-FR" dirty="0" smtClean="0"/>
+          </a:p>
+          <a:p>
+            <a:r>
+              <a:rPr lang="en-GB" altLang="fr-FR" dirty="0" err="1" smtClean="0"/>
+              <a:t>Rapide</a:t>
+            </a:r>
+            <a:endParaRPr lang="en-GB" altLang="fr-FR" dirty="0" smtClean="0"/>
+          </a:p>
+          <a:p>
             <a:r>
               <a:rPr lang="en-GB" altLang="fr-FR" dirty="0"/>
-              <a:t> </a:t>
-            </a:r>
-            <a:r>
-              <a:rPr lang="en-GB" altLang="fr-FR" dirty="0" err="1"/>
-              <a:t>vérifient</a:t>
-            </a:r>
-            <a:r>
-              <a:rPr lang="en-GB" altLang="fr-FR" dirty="0"/>
-              <a:t> </a:t>
-            </a:r>
-            <a:r>
-              <a:rPr lang="en-GB" altLang="fr-FR" dirty="0" err="1"/>
-              <a:t>si</a:t>
-            </a:r>
-            <a:r>
-              <a:rPr lang="en-GB" altLang="fr-FR" dirty="0"/>
-              <a:t> </a:t>
-            </a:r>
-            <a:r>
-              <a:rPr lang="en-GB" altLang="fr-FR" dirty="0" err="1"/>
-              <a:t>une</a:t>
-            </a:r>
-            <a:r>
-              <a:rPr lang="en-GB" altLang="fr-FR" dirty="0"/>
-              <a:t> </a:t>
-            </a:r>
-            <a:r>
-              <a:rPr lang="en-GB" altLang="fr-FR" dirty="0" err="1"/>
-              <a:t>valeur</a:t>
-            </a:r>
-            <a:r>
-              <a:rPr lang="en-GB" altLang="fr-FR" dirty="0"/>
-              <a:t> </a:t>
-            </a:r>
-            <a:r>
-              <a:rPr lang="en-GB" altLang="fr-FR" dirty="0" err="1"/>
-              <a:t>apparaît</a:t>
-            </a:r>
-            <a:r>
-              <a:rPr lang="en-GB" altLang="fr-FR" dirty="0"/>
-              <a:t> (</a:t>
-            </a:r>
-            <a:r>
-              <a:rPr lang="en-GB" altLang="fr-FR" dirty="0" err="1"/>
-              <a:t>ou</a:t>
-            </a:r>
-            <a:r>
-              <a:rPr lang="en-GB" altLang="fr-FR" dirty="0"/>
-              <a:t> non) </a:t>
-            </a:r>
-            <a:r>
-              <a:rPr lang="en-GB" altLang="fr-FR" dirty="0" err="1"/>
-              <a:t>dans</a:t>
-            </a:r>
-            <a:r>
-              <a:rPr lang="en-GB" altLang="fr-FR" dirty="0"/>
-              <a:t> </a:t>
-            </a:r>
-            <a:r>
-              <a:rPr lang="en-GB" altLang="fr-FR" dirty="0" err="1"/>
-              <a:t>une</a:t>
-            </a:r>
-            <a:r>
-              <a:rPr lang="en-GB" altLang="fr-FR" dirty="0"/>
-              <a:t> </a:t>
-            </a:r>
-            <a:r>
-              <a:rPr lang="en-GB" altLang="fr-FR" dirty="0" err="1"/>
-              <a:t>séquence</a:t>
-            </a:r>
-            <a:r>
-              <a:rPr lang="en-GB" altLang="fr-FR" dirty="0"/>
-              <a:t>. </a:t>
-            </a:r>
-          </a:p>
-          <a:p>
-            <a:pPr eaLnBrk="1" hangingPunct="1">
-              <a:spcBef>
-                <a:spcPts val="500"/>
-              </a:spcBef>
-              <a:spcAft>
-                <a:spcPts val="500"/>
-              </a:spcAft>
-            </a:pPr>
-            <a:r>
-              <a:rPr lang="en-GB" altLang="fr-FR" dirty="0"/>
-              <a:t>Les </a:t>
-            </a:r>
-            <a:r>
-              <a:rPr lang="en-GB" altLang="fr-FR" dirty="0" err="1"/>
-              <a:t>opérateurs</a:t>
-            </a:r>
-            <a:r>
-              <a:rPr lang="en-GB" altLang="fr-FR" dirty="0"/>
-              <a:t> </a:t>
-            </a:r>
-            <a:r>
-              <a:rPr lang="en-GB" altLang="fr-FR" b="1" dirty="0"/>
-              <a:t>is</a:t>
-            </a:r>
-            <a:r>
-              <a:rPr lang="en-GB" altLang="fr-FR" dirty="0"/>
-              <a:t> et </a:t>
-            </a:r>
-            <a:r>
-              <a:rPr lang="en-GB" altLang="fr-FR" b="1" dirty="0"/>
-              <a:t>is not</a:t>
-            </a:r>
-            <a:r>
-              <a:rPr lang="en-GB" altLang="fr-FR" dirty="0"/>
-              <a:t> </a:t>
-            </a:r>
-            <a:r>
-              <a:rPr lang="en-GB" altLang="fr-FR" dirty="0" err="1"/>
-              <a:t>vérifient</a:t>
-            </a:r>
-            <a:r>
-              <a:rPr lang="en-GB" altLang="fr-FR" dirty="0"/>
-              <a:t> </a:t>
-            </a:r>
-            <a:r>
-              <a:rPr lang="en-GB" altLang="fr-FR" dirty="0" err="1"/>
-              <a:t>si</a:t>
-            </a:r>
-            <a:r>
-              <a:rPr lang="en-GB" altLang="fr-FR" dirty="0"/>
-              <a:t> </a:t>
-            </a:r>
-            <a:r>
-              <a:rPr lang="en-GB" altLang="fr-FR" dirty="0" err="1"/>
-              <a:t>deux</a:t>
-            </a:r>
-            <a:r>
-              <a:rPr lang="en-GB" altLang="fr-FR" dirty="0"/>
-              <a:t> </a:t>
-            </a:r>
-            <a:r>
-              <a:rPr lang="en-GB" altLang="fr-FR" dirty="0" err="1"/>
-              <a:t>objets</a:t>
-            </a:r>
-            <a:r>
-              <a:rPr lang="en-GB" altLang="fr-FR" dirty="0"/>
-              <a:t> </a:t>
-            </a:r>
-            <a:r>
-              <a:rPr lang="en-GB" altLang="fr-FR" dirty="0" err="1"/>
-              <a:t>sont</a:t>
-            </a:r>
-            <a:r>
-              <a:rPr lang="en-GB" altLang="fr-FR" dirty="0"/>
-              <a:t> </a:t>
-            </a:r>
-            <a:r>
-              <a:rPr lang="en-GB" altLang="fr-FR" dirty="0" err="1"/>
-              <a:t>réellement</a:t>
-            </a:r>
-            <a:r>
-              <a:rPr lang="en-GB" altLang="fr-FR" dirty="0"/>
-              <a:t> le </a:t>
-            </a:r>
-            <a:r>
-              <a:rPr lang="en-GB" altLang="fr-FR" dirty="0" err="1"/>
-              <a:t>même</a:t>
-            </a:r>
-            <a:r>
-              <a:rPr lang="en-GB" altLang="fr-FR" dirty="0"/>
-              <a:t> </a:t>
+              <a:t>t</a:t>
             </a:r>
             <a:r>
               <a:rPr lang="en-GB" altLang="fr-FR" dirty="0" smtClean="0"/>
-              <a:t>objet</a:t>
-            </a:r>
-          </a:p>
-          <a:p>
-            <a:pPr lvl="1" eaLnBrk="1" hangingPunct="1">
-              <a:spcBef>
-                <a:spcPts val="500"/>
-              </a:spcBef>
-              <a:spcAft>
-                <a:spcPts val="500"/>
-              </a:spcAft>
-            </a:pPr>
+              <a:t>uple()</a:t>
+            </a:r>
+          </a:p>
+          <a:p>
+            <a:pPr lvl="1"/>
             <a:r>
               <a:rPr lang="en-GB" altLang="fr-FR" dirty="0" err="1" smtClean="0"/>
-              <a:t>ceci</a:t>
+              <a:t>Convertit</a:t>
             </a:r>
             <a:r>
               <a:rPr lang="en-GB" altLang="fr-FR" dirty="0" smtClean="0"/>
               <a:t> </a:t>
             </a:r>
             <a:r>
-              <a:rPr lang="en-GB" altLang="fr-FR" dirty="0"/>
-              <a:t>se </a:t>
-            </a:r>
-            <a:r>
-              <a:rPr lang="en-GB" altLang="fr-FR" dirty="0" err="1"/>
-              <a:t>justifie</a:t>
-            </a:r>
-            <a:r>
-              <a:rPr lang="en-GB" altLang="fr-FR" dirty="0"/>
-              <a:t> </a:t>
-            </a:r>
-            <a:r>
-              <a:rPr lang="en-GB" altLang="fr-FR" dirty="0" err="1"/>
-              <a:t>seulement</a:t>
-            </a:r>
-            <a:r>
-              <a:rPr lang="en-GB" altLang="fr-FR" dirty="0"/>
-              <a:t> pour les </a:t>
-            </a:r>
-            <a:r>
-              <a:rPr lang="en-GB" altLang="fr-FR" dirty="0" err="1"/>
-              <a:t>objets</a:t>
-            </a:r>
-            <a:r>
-              <a:rPr lang="en-GB" altLang="fr-FR" dirty="0"/>
-              <a:t> </a:t>
-            </a:r>
-            <a:r>
-              <a:rPr lang="en-GB" altLang="fr-FR" dirty="0" err="1"/>
-              <a:t>modifiables</a:t>
-            </a:r>
-            <a:r>
-              <a:rPr lang="en-GB" altLang="fr-FR" dirty="0"/>
-              <a:t> </a:t>
-            </a:r>
-            <a:r>
-              <a:rPr lang="en-GB" altLang="fr-FR" dirty="0" err="1"/>
-              <a:t>comme</a:t>
-            </a:r>
-            <a:r>
-              <a:rPr lang="en-GB" altLang="fr-FR" dirty="0"/>
-              <a:t> les </a:t>
-            </a:r>
-            <a:r>
-              <a:rPr lang="en-GB" altLang="fr-FR" dirty="0" err="1" smtClean="0"/>
-              <a:t>listes</a:t>
-            </a:r>
-            <a:endParaRPr lang="en-GB" altLang="fr-FR" dirty="0" smtClean="0"/>
-          </a:p>
-          <a:p>
-            <a:pPr eaLnBrk="1" hangingPunct="1">
-              <a:spcBef>
-                <a:spcPts val="500"/>
-              </a:spcBef>
-              <a:spcAft>
-                <a:spcPts val="500"/>
-              </a:spcAft>
-            </a:pPr>
-            <a:r>
-              <a:rPr lang="en-GB" altLang="fr-FR" dirty="0" smtClean="0"/>
-              <a:t>Pour cloner </a:t>
-            </a:r>
-            <a:r>
               <a:rPr lang="en-GB" altLang="fr-FR" dirty="0" err="1" smtClean="0"/>
               <a:t>une</a:t>
             </a:r>
@@ -15424,50 +15262,28 @@
               <a:t>liste</a:t>
             </a:r>
             <a:r>
-              <a:rPr lang="en-GB" altLang="fr-FR" dirty="0"/>
-              <a:t> </a:t>
-            </a:r>
-            <a:r>
-              <a:rPr lang="en-GB" altLang="fr-FR" dirty="0" smtClean="0"/>
-              <a:t>utiliser la </a:t>
-            </a:r>
-            <a:r>
-              <a:rPr lang="en-GB" altLang="fr-FR" dirty="0" err="1" smtClean="0"/>
-              <a:t>fonction</a:t>
-            </a:r>
-            <a:r>
-              <a:rPr lang="en-GB" altLang="fr-FR" dirty="0" smtClean="0"/>
-              <a:t> list()</a:t>
-            </a:r>
-          </a:p>
-          <a:p>
-            <a:pPr lvl="1" eaLnBrk="1" hangingPunct="1">
-              <a:spcBef>
-                <a:spcPts val="500"/>
-              </a:spcBef>
-              <a:spcAft>
-                <a:spcPts val="500"/>
-              </a:spcAft>
-            </a:pPr>
-            <a:r>
-              <a:rPr lang="en-GB" altLang="fr-FR" dirty="0" err="1" smtClean="0"/>
-              <a:t>Transforme</a:t>
-            </a:r>
-            <a:r>
               <a:rPr lang="en-GB" altLang="fr-FR" dirty="0" smtClean="0"/>
               <a:t> </a:t>
             </a:r>
             <a:r>
               <a:rPr lang="en-GB" altLang="fr-FR" dirty="0" err="1" smtClean="0"/>
-              <a:t>une</a:t>
+              <a:t>en</a:t>
             </a:r>
             <a:r>
               <a:rPr lang="en-GB" altLang="fr-FR" dirty="0" smtClean="0"/>
-              <a:t> collection de </a:t>
+              <a:t> tuple </a:t>
             </a:r>
             <a:r>
               <a:rPr lang="en-GB" altLang="fr-FR" dirty="0" err="1" smtClean="0"/>
-              <a:t>valeurs</a:t>
+              <a:t>en</a:t>
+            </a:r>
+            <a:r>
+              <a:rPr lang="en-GB" altLang="fr-FR" dirty="0" smtClean="0"/>
+              <a:t> la </a:t>
+            </a:r>
+            <a:r>
+              <a:rPr lang="en-GB" altLang="fr-FR" dirty="0" err="1" smtClean="0"/>
+              <a:t>clonant</a:t>
             </a:r>
             <a:r>
               <a:rPr lang="en-GB" altLang="fr-FR" dirty="0" smtClean="0"/>
@@ -15475,35 +15291,25 @@
             </a:r>
             <a:r>
               <a:rPr lang="en-GB" altLang="fr-FR" dirty="0" err="1" smtClean="0"/>
-              <a:t>en</a:t>
+              <a:t>ou</a:t>
             </a:r>
             <a:r>
               <a:rPr lang="en-GB" altLang="fr-FR" dirty="0" smtClean="0"/>
-              <a:t> </a:t>
-            </a:r>
-            <a:r>
-              <a:rPr lang="en-GB" altLang="fr-FR" dirty="0" err="1" smtClean="0"/>
-              <a:t>liste</a:t>
-            </a:r>
-            <a:endParaRPr lang="en-GB" altLang="fr-FR" dirty="0" smtClean="0"/>
-          </a:p>
-          <a:p>
-            <a:pPr lvl="1" eaLnBrk="1" hangingPunct="1">
-              <a:spcBef>
-                <a:spcPts val="500"/>
-              </a:spcBef>
-              <a:spcAft>
-                <a:spcPts val="500"/>
-              </a:spcAft>
-            </a:pPr>
-            <a:endParaRPr lang="en-GB" altLang="fr-FR" dirty="0" smtClean="0"/>
+              <a:t> clone le tuple</a:t>
+            </a:r>
+          </a:p>
+          <a:p>
+            <a:endParaRPr lang="en-GB" altLang="fr-FR" dirty="0"/>
+          </a:p>
+          <a:p>
+            <a:endParaRPr lang="fr-FR" dirty="0"/>
           </a:p>
         </p:txBody>
       </p:sp>
     </p:spTree>
     <p:extLst>
       <p:ext uri="{BB962C8B-B14F-4D97-AF65-F5344CB8AC3E}">
-        <p14:creationId xmlns:p14="http://schemas.microsoft.com/office/powerpoint/2010/main" val="1067054444"/>
+        <p14:creationId xmlns:p14="http://schemas.microsoft.com/office/powerpoint/2010/main" val="3413999632"/>
       </p:ext>
     </p:extLst>
   </p:cSld>
@@ -15640,262 +15446,6 @@
 </file>
 
 <file path=ppt/slides/slide30.xml><?xml version="1.0" encoding="utf-8"?>
-<p:sld xmlns:a="http://schemas.openxmlformats.org/drawingml/2006/main" xmlns:r="http://schemas.openxmlformats.org/officeDocument/2006/relationships" xmlns:p="http://schemas.openxmlformats.org/presentationml/2006/main">
-  <p:cSld>
-    <p:spTree>
-      <p:nvGrpSpPr>
-        <p:cNvPr id="1" name=""/>
-        <p:cNvGrpSpPr/>
-        <p:nvPr/>
-      </p:nvGrpSpPr>
-      <p:grpSpPr>
-        <a:xfrm>
-          <a:off x="0" y="0"/>
-          <a:ext cx="0" cy="0"/>
-          <a:chOff x="0" y="0"/>
-          <a:chExt cx="0" cy="0"/>
-        </a:xfrm>
-      </p:grpSpPr>
-      <p:sp>
-        <p:nvSpPr>
-          <p:cNvPr id="2" name="Titre 1"/>
-          <p:cNvSpPr>
-            <a:spLocks noGrp="1"/>
-          </p:cNvSpPr>
-          <p:nvPr>
-            <p:ph type="title"/>
-          </p:nvPr>
-        </p:nvSpPr>
-        <p:spPr/>
-        <p:txBody>
-          <a:bodyPr/>
-          <a:lstStyle/>
-          <a:p>
-            <a:r>
-              <a:rPr lang="fr-FR" dirty="0" err="1" smtClean="0"/>
-              <a:t>Tuples</a:t>
-            </a:r>
-            <a:endParaRPr lang="fr-FR" dirty="0"/>
-          </a:p>
-        </p:txBody>
-      </p:sp>
-      <p:sp>
-        <p:nvSpPr>
-          <p:cNvPr id="3" name="Espace réservé du contenu 2"/>
-          <p:cNvSpPr>
-            <a:spLocks noGrp="1"/>
-          </p:cNvSpPr>
-          <p:nvPr>
-            <p:ph idx="1"/>
-          </p:nvPr>
-        </p:nvSpPr>
-        <p:spPr/>
-        <p:txBody>
-          <a:bodyPr/>
-          <a:lstStyle/>
-          <a:p>
-            <a:r>
-              <a:rPr lang="fr-FR" dirty="0" smtClean="0"/>
-              <a:t>Est une collection de valeurs non modifiable</a:t>
-            </a:r>
-          </a:p>
-          <a:p>
-            <a:r>
-              <a:rPr lang="en-GB" altLang="fr-FR" dirty="0" smtClean="0"/>
-              <a:t>Des </a:t>
-            </a:r>
-            <a:r>
-              <a:rPr lang="en-GB" altLang="fr-FR" dirty="0" err="1"/>
-              <a:t>valeurs</a:t>
-            </a:r>
-            <a:r>
-              <a:rPr lang="en-GB" altLang="fr-FR" dirty="0"/>
-              <a:t> (entre </a:t>
-            </a:r>
-            <a:r>
-              <a:rPr lang="en-GB" altLang="fr-FR" dirty="0" err="1"/>
-              <a:t>parenthèses</a:t>
-            </a:r>
-            <a:r>
-              <a:rPr lang="en-GB" altLang="fr-FR" dirty="0"/>
-              <a:t>) </a:t>
-            </a:r>
-            <a:r>
-              <a:rPr lang="en-GB" altLang="fr-FR" dirty="0" err="1"/>
-              <a:t>séparées</a:t>
-            </a:r>
-            <a:r>
-              <a:rPr lang="en-GB" altLang="fr-FR" dirty="0"/>
-              <a:t> par des </a:t>
-            </a:r>
-            <a:r>
-              <a:rPr lang="en-GB" altLang="fr-FR" dirty="0" smtClean="0"/>
-              <a:t>virgules</a:t>
-            </a:r>
-          </a:p>
-          <a:p>
-            <a:pPr lvl="1"/>
-            <a:r>
-              <a:rPr lang="en-GB" altLang="fr-FR" dirty="0" smtClean="0"/>
-              <a:t>&gt;&gt;&gt;</a:t>
-            </a:r>
-            <a:r>
-              <a:rPr lang="en-GB" altLang="fr-FR" dirty="0"/>
-              <a:t>tuple=(0,1.4,’world</a:t>
-            </a:r>
-            <a:r>
-              <a:rPr lang="en-GB" altLang="fr-FR" dirty="0" smtClean="0"/>
-              <a:t>’)</a:t>
-            </a:r>
-          </a:p>
-          <a:p>
-            <a:r>
-              <a:rPr lang="en-GB" altLang="fr-FR" dirty="0" err="1" smtClean="0"/>
-              <a:t>Très</a:t>
-            </a:r>
-            <a:r>
-              <a:rPr lang="en-GB" altLang="fr-FR" dirty="0" smtClean="0"/>
-              <a:t> utile pour les retours de </a:t>
-            </a:r>
-            <a:r>
-              <a:rPr lang="en-GB" altLang="fr-FR" dirty="0" err="1" smtClean="0"/>
-              <a:t>fonctions</a:t>
-            </a:r>
-            <a:endParaRPr lang="en-GB" altLang="fr-FR" dirty="0" smtClean="0"/>
-          </a:p>
-          <a:p>
-            <a:pPr lvl="1"/>
-            <a:r>
-              <a:rPr lang="en-GB" altLang="fr-FR" dirty="0" err="1" smtClean="0"/>
-              <a:t>Egalement</a:t>
-            </a:r>
-            <a:r>
-              <a:rPr lang="en-GB" altLang="fr-FR" dirty="0" smtClean="0"/>
-              <a:t> pour les </a:t>
-            </a:r>
-            <a:r>
-              <a:rPr lang="en-GB" altLang="fr-FR" dirty="0" err="1" smtClean="0"/>
-              <a:t>appels</a:t>
-            </a:r>
-            <a:r>
-              <a:rPr lang="en-GB" altLang="fr-FR" dirty="0" smtClean="0"/>
-              <a:t> pour assurer de la non modification des </a:t>
-            </a:r>
-            <a:r>
-              <a:rPr lang="en-GB" altLang="fr-FR" dirty="0" err="1" smtClean="0"/>
-              <a:t>valeurs</a:t>
-            </a:r>
-            <a:endParaRPr lang="en-GB" altLang="fr-FR" dirty="0" smtClean="0"/>
-          </a:p>
-          <a:p>
-            <a:r>
-              <a:rPr lang="en-GB" altLang="fr-FR" dirty="0" err="1" smtClean="0"/>
-              <a:t>Rapide</a:t>
-            </a:r>
-            <a:endParaRPr lang="en-GB" altLang="fr-FR" dirty="0" smtClean="0"/>
-          </a:p>
-          <a:p>
-            <a:r>
-              <a:rPr lang="en-GB" altLang="fr-FR" dirty="0"/>
-              <a:t>t</a:t>
-            </a:r>
-            <a:r>
-              <a:rPr lang="en-GB" altLang="fr-FR" smtClean="0"/>
-              <a:t>uple</a:t>
-            </a:r>
-            <a:r>
-              <a:rPr lang="en-GB" altLang="fr-FR" dirty="0" smtClean="0"/>
-              <a:t>()</a:t>
-            </a:r>
-          </a:p>
-          <a:p>
-            <a:pPr lvl="1"/>
-            <a:r>
-              <a:rPr lang="en-GB" altLang="fr-FR" dirty="0" err="1" smtClean="0"/>
-              <a:t>Convertit</a:t>
-            </a:r>
-            <a:r>
-              <a:rPr lang="en-GB" altLang="fr-FR" dirty="0" smtClean="0"/>
-              <a:t> </a:t>
-            </a:r>
-            <a:r>
-              <a:rPr lang="en-GB" altLang="fr-FR" dirty="0" err="1" smtClean="0"/>
-              <a:t>une</a:t>
-            </a:r>
-            <a:r>
-              <a:rPr lang="en-GB" altLang="fr-FR" dirty="0" smtClean="0"/>
-              <a:t> </a:t>
-            </a:r>
-            <a:r>
-              <a:rPr lang="en-GB" altLang="fr-FR" dirty="0" err="1" smtClean="0"/>
-              <a:t>liste</a:t>
-            </a:r>
-            <a:r>
-              <a:rPr lang="en-GB" altLang="fr-FR" dirty="0" smtClean="0"/>
-              <a:t> </a:t>
-            </a:r>
-            <a:r>
-              <a:rPr lang="en-GB" altLang="fr-FR" dirty="0" err="1" smtClean="0"/>
-              <a:t>en</a:t>
-            </a:r>
-            <a:r>
-              <a:rPr lang="en-GB" altLang="fr-FR" dirty="0" smtClean="0"/>
-              <a:t> tuple </a:t>
-            </a:r>
-            <a:r>
-              <a:rPr lang="en-GB" altLang="fr-FR" dirty="0" err="1" smtClean="0"/>
-              <a:t>en</a:t>
-            </a:r>
-            <a:r>
-              <a:rPr lang="en-GB" altLang="fr-FR" dirty="0" smtClean="0"/>
-              <a:t> la </a:t>
-            </a:r>
-            <a:r>
-              <a:rPr lang="en-GB" altLang="fr-FR" dirty="0" err="1" smtClean="0"/>
-              <a:t>clonant</a:t>
-            </a:r>
-            <a:r>
-              <a:rPr lang="en-GB" altLang="fr-FR" dirty="0" smtClean="0"/>
-              <a:t> </a:t>
-            </a:r>
-            <a:r>
-              <a:rPr lang="en-GB" altLang="fr-FR" dirty="0" err="1" smtClean="0"/>
-              <a:t>ou</a:t>
-            </a:r>
-            <a:r>
-              <a:rPr lang="en-GB" altLang="fr-FR" dirty="0" smtClean="0"/>
-              <a:t> clone le tuple</a:t>
-            </a:r>
-          </a:p>
-          <a:p>
-            <a:endParaRPr lang="en-GB" altLang="fr-FR" dirty="0"/>
-          </a:p>
-          <a:p>
-            <a:endParaRPr lang="fr-FR" dirty="0"/>
-          </a:p>
-        </p:txBody>
-      </p:sp>
-    </p:spTree>
-    <p:extLst>
-      <p:ext uri="{BB962C8B-B14F-4D97-AF65-F5344CB8AC3E}">
-        <p14:creationId xmlns:p14="http://schemas.microsoft.com/office/powerpoint/2010/main" val="3413999632"/>
-      </p:ext>
-    </p:extLst>
-  </p:cSld>
-  <p:clrMapOvr>
-    <a:masterClrMapping/>
-  </p:clrMapOvr>
-  <p:timing>
-    <p:tnLst>
-      <p:par>
-        <p:cTn id="1" dur="indefinite" restart="never" nodeType="tmRoot"/>
-      </p:par>
-    </p:tnLst>
-  </p:timing>
-</p:sld>
-</file>
-
-<file path=ppt/slides/slide31.xml><?xml version="1.0" encoding="utf-8"?>
 <p:sld xmlns:a="http://schemas.openxmlformats.org/drawingml/2006/main" xmlns:r="http://schemas.openxmlformats.org/officeDocument/2006/relationships" xmlns:p="http://schemas.openxmlformats.org/presentationml/2006/main">
   <p:cSld>
     <p:spTree>
@@ -16094,7 +15644,7 @@
 </p:sld>
 </file>
 
-<file path=ppt/slides/slide32.xml><?xml version="1.0" encoding="utf-8"?>
+<file path=ppt/slides/slide31.xml><?xml version="1.0" encoding="utf-8"?>
 <p:sld xmlns:a="http://schemas.openxmlformats.org/drawingml/2006/main" xmlns:r="http://schemas.openxmlformats.org/officeDocument/2006/relationships" xmlns:p="http://schemas.openxmlformats.org/presentationml/2006/main">
   <p:cSld>
     <p:spTree>
@@ -16362,6 +15912,13 @@
   <p:clrMapOvr>
     <a:masterClrMapping/>
   </p:clrMapOvr>
+  <p:timing>
+    <p:tnLst>
+      <p:par>
+        <p:cTn id="1" dur="indefinite" restart="never" nodeType="tmRoot"/>
+      </p:par>
+    </p:tnLst>
+  </p:timing>
 </p:sld>
 </file>
 

--- a/ppt/PythonMath02-Python.pptx
+++ b/ppt/PythonMath02-Python.pptx
@@ -5,43 +5,39 @@
     <p:sldMasterId id="2147483653" r:id="rId1"/>
   </p:sldMasterIdLst>
   <p:notesMasterIdLst>
-    <p:notesMasterId r:id="rId33"/>
+    <p:notesMasterId r:id="rId29"/>
   </p:notesMasterIdLst>
   <p:handoutMasterIdLst>
-    <p:handoutMasterId r:id="rId34"/>
+    <p:handoutMasterId r:id="rId30"/>
   </p:handoutMasterIdLst>
   <p:sldIdLst>
     <p:sldId id="264" r:id="rId2"/>
     <p:sldId id="266" r:id="rId3"/>
     <p:sldId id="267" r:id="rId4"/>
-    <p:sldId id="269" r:id="rId5"/>
-    <p:sldId id="272" r:id="rId6"/>
-    <p:sldId id="273" r:id="rId7"/>
-    <p:sldId id="274" r:id="rId8"/>
-    <p:sldId id="276" r:id="rId9"/>
-    <p:sldId id="277" r:id="rId10"/>
-    <p:sldId id="279" r:id="rId11"/>
-    <p:sldId id="280" r:id="rId12"/>
-    <p:sldId id="281" r:id="rId13"/>
-    <p:sldId id="282" r:id="rId14"/>
-    <p:sldId id="283" r:id="rId15"/>
-    <p:sldId id="286" r:id="rId16"/>
-    <p:sldId id="287" r:id="rId17"/>
-    <p:sldId id="290" r:id="rId18"/>
-    <p:sldId id="291" r:id="rId19"/>
-    <p:sldId id="292" r:id="rId20"/>
-    <p:sldId id="294" r:id="rId21"/>
-    <p:sldId id="295" r:id="rId22"/>
-    <p:sldId id="296" r:id="rId23"/>
-    <p:sldId id="297" r:id="rId24"/>
-    <p:sldId id="298" r:id="rId25"/>
-    <p:sldId id="299" r:id="rId26"/>
-    <p:sldId id="300" r:id="rId27"/>
-    <p:sldId id="301" r:id="rId28"/>
-    <p:sldId id="302" r:id="rId29"/>
-    <p:sldId id="304" r:id="rId30"/>
-    <p:sldId id="305" r:id="rId31"/>
-    <p:sldId id="309" r:id="rId32"/>
+    <p:sldId id="272" r:id="rId5"/>
+    <p:sldId id="273" r:id="rId6"/>
+    <p:sldId id="274" r:id="rId7"/>
+    <p:sldId id="276" r:id="rId8"/>
+    <p:sldId id="277" r:id="rId9"/>
+    <p:sldId id="279" r:id="rId10"/>
+    <p:sldId id="280" r:id="rId11"/>
+    <p:sldId id="281" r:id="rId12"/>
+    <p:sldId id="283" r:id="rId13"/>
+    <p:sldId id="290" r:id="rId14"/>
+    <p:sldId id="291" r:id="rId15"/>
+    <p:sldId id="292" r:id="rId16"/>
+    <p:sldId id="294" r:id="rId17"/>
+    <p:sldId id="295" r:id="rId18"/>
+    <p:sldId id="296" r:id="rId19"/>
+    <p:sldId id="297" r:id="rId20"/>
+    <p:sldId id="298" r:id="rId21"/>
+    <p:sldId id="299" r:id="rId22"/>
+    <p:sldId id="300" r:id="rId23"/>
+    <p:sldId id="301" r:id="rId24"/>
+    <p:sldId id="302" r:id="rId25"/>
+    <p:sldId id="304" r:id="rId26"/>
+    <p:sldId id="305" r:id="rId27"/>
+    <p:sldId id="309" r:id="rId28"/>
   </p:sldIdLst>
   <p:sldSz cx="9144000" cy="6858000" type="screen4x3"/>
   <p:notesSz cx="6648450" cy="9782175"/>
@@ -634,35 +630,35 @@
           <a:p>
             <a:pPr lvl="0"/>
             <a:r>
-              <a:rPr lang="fr-FR" noProof="0" smtClean="0"/>
+              <a:rPr lang="fr-FR" noProof="0"/>
               <a:t>Cliquez pour modifier les styles du texte du masque</a:t>
             </a:r>
           </a:p>
           <a:p>
             <a:pPr lvl="1"/>
             <a:r>
-              <a:rPr lang="fr-FR" noProof="0" smtClean="0"/>
+              <a:rPr lang="fr-FR" noProof="0"/>
               <a:t>Deuxième niveau</a:t>
             </a:r>
           </a:p>
           <a:p>
             <a:pPr lvl="2"/>
             <a:r>
-              <a:rPr lang="fr-FR" noProof="0" smtClean="0"/>
+              <a:rPr lang="fr-FR" noProof="0"/>
               <a:t>Troisième niveau</a:t>
             </a:r>
           </a:p>
           <a:p>
             <a:pPr lvl="3"/>
             <a:r>
-              <a:rPr lang="fr-FR" noProof="0" smtClean="0"/>
+              <a:rPr lang="fr-FR" noProof="0"/>
               <a:t>Quatrième niveau</a:t>
             </a:r>
           </a:p>
           <a:p>
             <a:pPr lvl="4"/>
             <a:r>
-              <a:rPr lang="fr-FR" noProof="0" smtClean="0"/>
+              <a:rPr lang="fr-FR" noProof="0"/>
               <a:t>Cinquième niveau</a:t>
             </a:r>
           </a:p>
@@ -950,10 +946,9 @@
           <a:lstStyle/>
           <a:p>
             <a:r>
-              <a:rPr lang="fr-FR" smtClean="0"/>
+              <a:rPr lang="fr-FR"/>
               <a:t>Cliquez pour modifier le style du titre</a:t>
             </a:r>
-            <a:endParaRPr lang="fr-FR"/>
           </a:p>
         </p:txBody>
       </p:sp>
@@ -1015,10 +1010,9 @@
           </a:lstStyle>
           <a:p>
             <a:r>
-              <a:rPr lang="fr-FR" smtClean="0"/>
+              <a:rPr lang="fr-FR"/>
               <a:t>Cliquez pour modifier le style des sous-titres du masque</a:t>
             </a:r>
-            <a:endParaRPr lang="fr-FR"/>
           </a:p>
         </p:txBody>
       </p:sp>
@@ -1073,10 +1067,9 @@
           <a:lstStyle/>
           <a:p>
             <a:r>
-              <a:rPr lang="fr-FR" smtClean="0"/>
+              <a:rPr lang="fr-FR"/>
               <a:t>Cliquez pour modifier le style du titre</a:t>
             </a:r>
-            <a:endParaRPr lang="fr-FR"/>
           </a:p>
         </p:txBody>
       </p:sp>
@@ -1102,38 +1095,37 @@
           <a:p>
             <a:pPr lvl="0"/>
             <a:r>
-              <a:rPr lang="fr-FR" smtClean="0"/>
+              <a:rPr lang="fr-FR"/>
               <a:t>Cliquez pour modifier les styles du texte du masque</a:t>
             </a:r>
           </a:p>
           <a:p>
             <a:pPr lvl="1"/>
             <a:r>
-              <a:rPr lang="fr-FR" smtClean="0"/>
+              <a:rPr lang="fr-FR"/>
               <a:t>Deuxième niveau</a:t>
             </a:r>
           </a:p>
           <a:p>
             <a:pPr lvl="2"/>
             <a:r>
-              <a:rPr lang="fr-FR" smtClean="0"/>
+              <a:rPr lang="fr-FR"/>
               <a:t>Troisième niveau</a:t>
             </a:r>
           </a:p>
           <a:p>
             <a:pPr lvl="3"/>
             <a:r>
-              <a:rPr lang="fr-FR" smtClean="0"/>
+              <a:rPr lang="fr-FR"/>
               <a:t>Quatrième niveau</a:t>
             </a:r>
           </a:p>
           <a:p>
             <a:pPr lvl="4"/>
             <a:r>
-              <a:rPr lang="fr-FR" smtClean="0"/>
+              <a:rPr lang="fr-FR"/>
               <a:t>Cinquième niveau</a:t>
             </a:r>
-            <a:endParaRPr lang="fr-FR"/>
           </a:p>
         </p:txBody>
       </p:sp>
@@ -1192,10 +1184,9 @@
           </a:lstStyle>
           <a:p>
             <a:r>
-              <a:rPr lang="fr-FR" dirty="0" smtClean="0"/>
+              <a:rPr lang="fr-FR" dirty="0"/>
               <a:t>Cliquez pour modifier le style du titre</a:t>
             </a:r>
-            <a:endParaRPr lang="fr-FR" dirty="0"/>
           </a:p>
         </p:txBody>
       </p:sp>
@@ -1221,38 +1212,37 @@
           <a:p>
             <a:pPr lvl="0"/>
             <a:r>
-              <a:rPr lang="fr-FR" dirty="0" smtClean="0"/>
+              <a:rPr lang="fr-FR" dirty="0"/>
               <a:t>Cliquez pour modifier les styles du texte du masque</a:t>
             </a:r>
           </a:p>
           <a:p>
             <a:pPr lvl="1"/>
             <a:r>
-              <a:rPr lang="fr-FR" dirty="0" smtClean="0"/>
+              <a:rPr lang="fr-FR" dirty="0"/>
               <a:t>Deuxième niveau</a:t>
             </a:r>
           </a:p>
           <a:p>
             <a:pPr lvl="2"/>
             <a:r>
-              <a:rPr lang="fr-FR" dirty="0" smtClean="0"/>
+              <a:rPr lang="fr-FR" dirty="0"/>
               <a:t>Troisième niveau</a:t>
             </a:r>
           </a:p>
           <a:p>
             <a:pPr lvl="3"/>
             <a:r>
-              <a:rPr lang="fr-FR" dirty="0" smtClean="0"/>
+              <a:rPr lang="fr-FR" dirty="0"/>
               <a:t>Quatrième niveau</a:t>
             </a:r>
           </a:p>
           <a:p>
             <a:pPr lvl="4"/>
             <a:r>
-              <a:rPr lang="fr-FR" dirty="0" smtClean="0"/>
+              <a:rPr lang="fr-FR" dirty="0"/>
               <a:t>Cinquième niveau</a:t>
             </a:r>
-            <a:endParaRPr lang="fr-FR" dirty="0"/>
           </a:p>
         </p:txBody>
       </p:sp>
@@ -1302,10 +1292,9 @@
           <a:lstStyle/>
           <a:p>
             <a:r>
-              <a:rPr lang="fr-FR" smtClean="0"/>
+              <a:rPr lang="fr-FR"/>
               <a:t>Cliquez pour modifier le style du titre</a:t>
             </a:r>
-            <a:endParaRPr lang="fr-FR"/>
           </a:p>
         </p:txBody>
       </p:sp>
@@ -1359,38 +1348,37 @@
           <a:p>
             <a:pPr lvl="0"/>
             <a:r>
-              <a:rPr lang="fr-FR" smtClean="0"/>
+              <a:rPr lang="fr-FR"/>
               <a:t>Cliquez pour modifier les styles du texte du masque</a:t>
             </a:r>
           </a:p>
           <a:p>
             <a:pPr lvl="1"/>
             <a:r>
-              <a:rPr lang="fr-FR" smtClean="0"/>
+              <a:rPr lang="fr-FR"/>
               <a:t>Deuxième niveau</a:t>
             </a:r>
           </a:p>
           <a:p>
             <a:pPr lvl="2"/>
             <a:r>
-              <a:rPr lang="fr-FR" smtClean="0"/>
+              <a:rPr lang="fr-FR"/>
               <a:t>Troisième niveau</a:t>
             </a:r>
           </a:p>
           <a:p>
             <a:pPr lvl="3"/>
             <a:r>
-              <a:rPr lang="fr-FR" smtClean="0"/>
+              <a:rPr lang="fr-FR"/>
               <a:t>Quatrième niveau</a:t>
             </a:r>
           </a:p>
           <a:p>
             <a:pPr lvl="4"/>
             <a:r>
-              <a:rPr lang="fr-FR" smtClean="0"/>
+              <a:rPr lang="fr-FR"/>
               <a:t>Cinquième niveau</a:t>
             </a:r>
-            <a:endParaRPr lang="fr-FR"/>
           </a:p>
         </p:txBody>
       </p:sp>
@@ -1444,38 +1432,37 @@
           <a:p>
             <a:pPr lvl="0"/>
             <a:r>
-              <a:rPr lang="fr-FR" smtClean="0"/>
+              <a:rPr lang="fr-FR"/>
               <a:t>Cliquez pour modifier les styles du texte du masque</a:t>
             </a:r>
           </a:p>
           <a:p>
             <a:pPr lvl="1"/>
             <a:r>
-              <a:rPr lang="fr-FR" smtClean="0"/>
+              <a:rPr lang="fr-FR"/>
               <a:t>Deuxième niveau</a:t>
             </a:r>
           </a:p>
           <a:p>
             <a:pPr lvl="2"/>
             <a:r>
-              <a:rPr lang="fr-FR" smtClean="0"/>
+              <a:rPr lang="fr-FR"/>
               <a:t>Troisième niveau</a:t>
             </a:r>
           </a:p>
           <a:p>
             <a:pPr lvl="3"/>
             <a:r>
-              <a:rPr lang="fr-FR" smtClean="0"/>
+              <a:rPr lang="fr-FR"/>
               <a:t>Quatrième niveau</a:t>
             </a:r>
           </a:p>
           <a:p>
             <a:pPr lvl="4"/>
             <a:r>
-              <a:rPr lang="fr-FR" smtClean="0"/>
+              <a:rPr lang="fr-FR"/>
               <a:t>Cinquième niveau</a:t>
             </a:r>
-            <a:endParaRPr lang="fr-FR"/>
           </a:p>
         </p:txBody>
       </p:sp>
@@ -1534,10 +1521,9 @@
           </a:lstStyle>
           <a:p>
             <a:r>
-              <a:rPr lang="fr-FR" smtClean="0"/>
+              <a:rPr lang="fr-FR"/>
               <a:t>Cliquez pour modifier le style du titre</a:t>
             </a:r>
-            <a:endParaRPr lang="fr-FR"/>
           </a:p>
         </p:txBody>
       </p:sp>
@@ -1600,7 +1586,7 @@
           <a:p>
             <a:pPr lvl="0"/>
             <a:r>
-              <a:rPr lang="fr-FR" smtClean="0"/>
+              <a:rPr lang="fr-FR"/>
               <a:t>Cliquez pour modifier les styles du texte du masque</a:t>
             </a:r>
           </a:p>
@@ -1656,38 +1642,37 @@
           <a:p>
             <a:pPr lvl="0"/>
             <a:r>
-              <a:rPr lang="fr-FR" smtClean="0"/>
+              <a:rPr lang="fr-FR"/>
               <a:t>Cliquez pour modifier les styles du texte du masque</a:t>
             </a:r>
           </a:p>
           <a:p>
             <a:pPr lvl="1"/>
             <a:r>
-              <a:rPr lang="fr-FR" smtClean="0"/>
+              <a:rPr lang="fr-FR"/>
               <a:t>Deuxième niveau</a:t>
             </a:r>
           </a:p>
           <a:p>
             <a:pPr lvl="2"/>
             <a:r>
-              <a:rPr lang="fr-FR" smtClean="0"/>
+              <a:rPr lang="fr-FR"/>
               <a:t>Troisième niveau</a:t>
             </a:r>
           </a:p>
           <a:p>
             <a:pPr lvl="3"/>
             <a:r>
-              <a:rPr lang="fr-FR" smtClean="0"/>
+              <a:rPr lang="fr-FR"/>
               <a:t>Quatrième niveau</a:t>
             </a:r>
           </a:p>
           <a:p>
             <a:pPr lvl="4"/>
             <a:r>
-              <a:rPr lang="fr-FR" smtClean="0"/>
+              <a:rPr lang="fr-FR"/>
               <a:t>Cinquième niveau</a:t>
             </a:r>
-            <a:endParaRPr lang="fr-FR"/>
           </a:p>
         </p:txBody>
       </p:sp>
@@ -1750,7 +1735,7 @@
           <a:p>
             <a:pPr lvl="0"/>
             <a:r>
-              <a:rPr lang="fr-FR" smtClean="0"/>
+              <a:rPr lang="fr-FR"/>
               <a:t>Cliquez pour modifier les styles du texte du masque</a:t>
             </a:r>
           </a:p>
@@ -1806,38 +1791,37 @@
           <a:p>
             <a:pPr lvl="0"/>
             <a:r>
-              <a:rPr lang="fr-FR" smtClean="0"/>
+              <a:rPr lang="fr-FR"/>
               <a:t>Cliquez pour modifier les styles du texte du masque</a:t>
             </a:r>
           </a:p>
           <a:p>
             <a:pPr lvl="1"/>
             <a:r>
-              <a:rPr lang="fr-FR" smtClean="0"/>
+              <a:rPr lang="fr-FR"/>
               <a:t>Deuxième niveau</a:t>
             </a:r>
           </a:p>
           <a:p>
             <a:pPr lvl="2"/>
             <a:r>
-              <a:rPr lang="fr-FR" smtClean="0"/>
+              <a:rPr lang="fr-FR"/>
               <a:t>Troisième niveau</a:t>
             </a:r>
           </a:p>
           <a:p>
             <a:pPr lvl="3"/>
             <a:r>
-              <a:rPr lang="fr-FR" smtClean="0"/>
+              <a:rPr lang="fr-FR"/>
               <a:t>Quatrième niveau</a:t>
             </a:r>
           </a:p>
           <a:p>
             <a:pPr lvl="4"/>
             <a:r>
-              <a:rPr lang="fr-FR" smtClean="0"/>
+              <a:rPr lang="fr-FR"/>
               <a:t>Cinquième niveau</a:t>
             </a:r>
-            <a:endParaRPr lang="fr-FR"/>
           </a:p>
         </p:txBody>
       </p:sp>
@@ -1887,10 +1871,9 @@
           <a:lstStyle/>
           <a:p>
             <a:r>
-              <a:rPr lang="fr-FR" smtClean="0"/>
+              <a:rPr lang="fr-FR"/>
               <a:t>Cliquez pour modifier le style du titre</a:t>
             </a:r>
-            <a:endParaRPr lang="fr-FR"/>
           </a:p>
         </p:txBody>
       </p:sp>
@@ -1979,10 +1962,9 @@
           </a:lstStyle>
           <a:p>
             <a:r>
-              <a:rPr lang="fr-FR" smtClean="0"/>
+              <a:rPr lang="fr-FR"/>
               <a:t>Cliquez pour modifier le style du titre</a:t>
             </a:r>
-            <a:endParaRPr lang="fr-FR"/>
           </a:p>
         </p:txBody>
       </p:sp>
@@ -2036,38 +2018,37 @@
           <a:p>
             <a:pPr lvl="0"/>
             <a:r>
-              <a:rPr lang="fr-FR" smtClean="0"/>
+              <a:rPr lang="fr-FR"/>
               <a:t>Cliquez pour modifier les styles du texte du masque</a:t>
             </a:r>
           </a:p>
           <a:p>
             <a:pPr lvl="1"/>
             <a:r>
-              <a:rPr lang="fr-FR" smtClean="0"/>
+              <a:rPr lang="fr-FR"/>
               <a:t>Deuxième niveau</a:t>
             </a:r>
           </a:p>
           <a:p>
             <a:pPr lvl="2"/>
             <a:r>
-              <a:rPr lang="fr-FR" smtClean="0"/>
+              <a:rPr lang="fr-FR"/>
               <a:t>Troisième niveau</a:t>
             </a:r>
           </a:p>
           <a:p>
             <a:pPr lvl="3"/>
             <a:r>
-              <a:rPr lang="fr-FR" smtClean="0"/>
+              <a:rPr lang="fr-FR"/>
               <a:t>Quatrième niveau</a:t>
             </a:r>
           </a:p>
           <a:p>
             <a:pPr lvl="4"/>
             <a:r>
-              <a:rPr lang="fr-FR" smtClean="0"/>
+              <a:rPr lang="fr-FR"/>
               <a:t>Cinquième niveau</a:t>
             </a:r>
-            <a:endParaRPr lang="fr-FR"/>
           </a:p>
         </p:txBody>
       </p:sp>
@@ -2130,7 +2111,7 @@
           <a:p>
             <a:pPr lvl="0"/>
             <a:r>
-              <a:rPr lang="fr-FR" smtClean="0"/>
+              <a:rPr lang="fr-FR"/>
               <a:t>Cliquez pour modifier les styles du texte du masque</a:t>
             </a:r>
           </a:p>
@@ -2191,10 +2172,9 @@
           </a:lstStyle>
           <a:p>
             <a:r>
-              <a:rPr lang="fr-FR" smtClean="0"/>
+              <a:rPr lang="fr-FR"/>
               <a:t>Cliquez pour modifier le style du titre</a:t>
             </a:r>
-            <a:endParaRPr lang="fr-FR"/>
           </a:p>
         </p:txBody>
       </p:sp>
@@ -2256,7 +2236,7 @@
           </a:lstStyle>
           <a:p>
             <a:pPr lvl="0"/>
-            <a:endParaRPr lang="fr-FR" noProof="0" smtClean="0"/>
+            <a:endParaRPr lang="fr-FR" noProof="0"/>
           </a:p>
         </p:txBody>
       </p:sp>
@@ -2319,7 +2299,7 @@
           <a:p>
             <a:pPr lvl="0"/>
             <a:r>
-              <a:rPr lang="fr-FR" smtClean="0"/>
+              <a:rPr lang="fr-FR"/>
               <a:t>Cliquez pour modifier les styles du texte du masque</a:t>
             </a:r>
           </a:p>
@@ -2371,10 +2351,9 @@
           <a:lstStyle/>
           <a:p>
             <a:r>
-              <a:rPr lang="fr-FR" smtClean="0"/>
+              <a:rPr lang="fr-FR"/>
               <a:t>Cliquez pour modifier le style du titre</a:t>
             </a:r>
-            <a:endParaRPr lang="fr-FR"/>
           </a:p>
         </p:txBody>
       </p:sp>
@@ -2395,38 +2374,37 @@
           <a:p>
             <a:pPr lvl="0"/>
             <a:r>
-              <a:rPr lang="fr-FR" smtClean="0"/>
+              <a:rPr lang="fr-FR"/>
               <a:t>Cliquez pour modifier les styles du texte du masque</a:t>
             </a:r>
           </a:p>
           <a:p>
             <a:pPr lvl="1"/>
             <a:r>
-              <a:rPr lang="fr-FR" smtClean="0"/>
+              <a:rPr lang="fr-FR"/>
               <a:t>Deuxième niveau</a:t>
             </a:r>
           </a:p>
           <a:p>
             <a:pPr lvl="2"/>
             <a:r>
-              <a:rPr lang="fr-FR" smtClean="0"/>
+              <a:rPr lang="fr-FR"/>
               <a:t>Troisième niveau</a:t>
             </a:r>
           </a:p>
           <a:p>
             <a:pPr lvl="3"/>
             <a:r>
-              <a:rPr lang="fr-FR" smtClean="0"/>
+              <a:rPr lang="fr-FR"/>
               <a:t>Quatrième niveau</a:t>
             </a:r>
           </a:p>
           <a:p>
             <a:pPr lvl="4"/>
             <a:r>
-              <a:rPr lang="fr-FR" smtClean="0"/>
+              <a:rPr lang="fr-FR"/>
               <a:t>Cinquième niveau</a:t>
             </a:r>
-            <a:endParaRPr lang="fr-FR"/>
           </a:p>
         </p:txBody>
       </p:sp>
@@ -2607,7 +2585,7 @@
             <a:pPr eaLnBrk="1" hangingPunct="1">
               <a:defRPr/>
             </a:pPr>
-            <a:endParaRPr lang="fr-FR" altLang="fr-FR" smtClean="0"/>
+            <a:endParaRPr lang="fr-FR" altLang="fr-FR"/>
           </a:p>
         </p:txBody>
       </p:sp>
@@ -2761,7 +2739,7 @@
               <a:defRPr/>
             </a:pPr>
             <a:r>
-              <a:rPr lang="fr-FR" sz="1200" dirty="0" smtClean="0"/>
+              <a:rPr lang="fr-FR" sz="1200" dirty="0"/>
               <a:t>Page </a:t>
             </a:r>
             <a:fld id="{E218E9B1-FD08-4C80-902E-210BA2967D0D}" type="slidenum">
@@ -2774,7 +2752,7 @@
               </a:pPr>
               <a:t>‹N°›</a:t>
             </a:fld>
-            <a:endParaRPr lang="fr-FR" dirty="0" smtClean="0">
+            <a:endParaRPr lang="fr-FR" dirty="0">
               <a:latin typeface="Times New Roman" pitchFamily="18" charset="0"/>
             </a:endParaRPr>
           </a:p>
@@ -2930,10 +2908,10 @@
               <a:defRPr/>
             </a:pPr>
             <a:r>
-              <a:rPr lang="fr-FR" sz="1600" dirty="0" smtClean="0"/>
+              <a:rPr lang="fr-FR" sz="1600" dirty="0"/>
               <a:t>Python</a:t>
             </a:r>
-            <a:endParaRPr lang="fr-FR" dirty="0" smtClean="0">
+            <a:endParaRPr lang="fr-FR" dirty="0">
               <a:latin typeface="Times New Roman" pitchFamily="18" charset="0"/>
             </a:endParaRPr>
           </a:p>
@@ -2991,7 +2969,7 @@
           <a:p>
             <a:pPr lvl="0"/>
             <a:r>
-              <a:rPr lang="fr-FR" altLang="fr-FR" smtClean="0"/>
+              <a:rPr lang="fr-FR" altLang="fr-FR"/>
               <a:t>Cliquez pour modifier le style du titre du masque</a:t>
             </a:r>
           </a:p>
@@ -3049,35 +3027,35 @@
           <a:p>
             <a:pPr lvl="0"/>
             <a:r>
-              <a:rPr lang="fr-FR" altLang="fr-FR" smtClean="0"/>
+              <a:rPr lang="fr-FR" altLang="fr-FR"/>
               <a:t>Cliquez pour modifier les styles du texte du masque</a:t>
             </a:r>
           </a:p>
           <a:p>
             <a:pPr lvl="1"/>
             <a:r>
-              <a:rPr lang="fr-FR" altLang="fr-FR" smtClean="0"/>
+              <a:rPr lang="fr-FR" altLang="fr-FR"/>
               <a:t>Deuxième niveau</a:t>
             </a:r>
           </a:p>
           <a:p>
             <a:pPr lvl="2"/>
             <a:r>
-              <a:rPr lang="fr-FR" altLang="fr-FR" smtClean="0"/>
+              <a:rPr lang="fr-FR" altLang="fr-FR"/>
               <a:t>Troisième niveau</a:t>
             </a:r>
           </a:p>
           <a:p>
             <a:pPr lvl="3"/>
             <a:r>
-              <a:rPr lang="fr-FR" altLang="fr-FR" smtClean="0"/>
+              <a:rPr lang="fr-FR" altLang="fr-FR"/>
               <a:t>Quatrième niveau</a:t>
             </a:r>
           </a:p>
           <a:p>
             <a:pPr lvl="4"/>
             <a:r>
-              <a:rPr lang="fr-FR" altLang="fr-FR" smtClean="0"/>
+              <a:rPr lang="fr-FR" altLang="fr-FR"/>
               <a:t>Cinquième niveau</a:t>
             </a:r>
           </a:p>
@@ -3233,10 +3211,10 @@
               <a:defRPr/>
             </a:pPr>
             <a:r>
-              <a:rPr lang="fr-FR" sz="1200" smtClean="0"/>
+              <a:rPr lang="fr-FR" sz="1200"/>
               <a:t>© Cyril Vincent Conseil</a:t>
             </a:r>
-            <a:endParaRPr lang="fr-FR" smtClean="0">
+            <a:endParaRPr lang="fr-FR">
               <a:latin typeface="Times New Roman" pitchFamily="18" charset="0"/>
             </a:endParaRPr>
           </a:p>
@@ -3718,19 +3696,14 @@
           <a:p>
             <a:pPr eaLnBrk="1" hangingPunct="1"/>
             <a:r>
-              <a:rPr lang="fr-FR" altLang="fr-FR" dirty="0" smtClean="0"/>
-              <a:t>Chapitre </a:t>
-            </a:r>
-            <a:r>
               <a:rPr lang="fr-FR" altLang="fr-FR" dirty="0"/>
-              <a:t>2</a:t>
-            </a:r>
-            <a:endParaRPr lang="fr-FR" altLang="fr-FR" dirty="0" smtClean="0"/>
+              <a:t>Chapitre 2</a:t>
+            </a:r>
           </a:p>
           <a:p>
             <a:pPr eaLnBrk="1" hangingPunct="1"/>
             <a:r>
-              <a:rPr lang="fr-FR" altLang="fr-FR" dirty="0" smtClean="0"/>
+              <a:rPr lang="fr-FR" altLang="fr-FR" dirty="0"/>
               <a:t>Rappels Python</a:t>
             </a:r>
           </a:p>
@@ -3784,17 +3757,16 @@
           <a:p>
             <a:pPr algn="ctr"/>
             <a:r>
-              <a:rPr lang="fr-FR" sz="3600" dirty="0" smtClean="0"/>
+              <a:rPr lang="fr-FR" sz="3600" dirty="0"/>
               <a:t>Python</a:t>
             </a:r>
           </a:p>
           <a:p>
             <a:pPr algn="ctr"/>
             <a:r>
-              <a:rPr lang="fr-FR" sz="3600" dirty="0" smtClean="0"/>
+              <a:rPr lang="fr-FR" sz="3600" dirty="0"/>
               <a:t>pour le calcul scientifique</a:t>
             </a:r>
-            <a:endParaRPr lang="fr-FR" sz="3600" dirty="0"/>
           </a:p>
         </p:txBody>
       </p:sp>
@@ -3803,13 +3775,6 @@
   <p:clrMapOvr>
     <a:masterClrMapping/>
   </p:clrMapOvr>
-  <p:timing>
-    <p:tnLst>
-      <p:par>
-        <p:cTn id="1" dur="indefinite" restart="never" nodeType="tmRoot"/>
-      </p:par>
-    </p:tnLst>
-  </p:timing>
 </p:sld>
 </file>
 
@@ -3846,8 +3811,8 @@
           <a:lstStyle/>
           <a:p>
             <a:r>
-              <a:rPr lang="fr-FR" dirty="0" smtClean="0"/>
-              <a:t>as</a:t>
+              <a:rPr lang="fr-FR" dirty="0" err="1"/>
+              <a:t>from</a:t>
             </a:r>
             <a:endParaRPr lang="fr-FR" dirty="0"/>
           </a:p>
@@ -3869,129 +3834,6 @@
           <a:lstStyle/>
           <a:p>
             <a:r>
-              <a:rPr lang="fr-FR" dirty="0" smtClean="0"/>
-              <a:t>On différentie le module physique (math) par son </a:t>
-            </a:r>
-            <a:r>
-              <a:rPr lang="fr-FR" dirty="0" err="1" smtClean="0"/>
-              <a:t>namespace</a:t>
-            </a:r>
-            <a:r>
-              <a:rPr lang="fr-FR" dirty="0" smtClean="0"/>
-              <a:t> (</a:t>
-            </a:r>
-            <a:r>
-              <a:rPr lang="fr-FR" dirty="0" err="1" smtClean="0"/>
-              <a:t>mathematique</a:t>
-            </a:r>
-            <a:r>
-              <a:rPr lang="fr-FR" dirty="0" smtClean="0"/>
-              <a:t>) qui contient les variables et fonctions</a:t>
-            </a:r>
-            <a:endParaRPr lang="fr-FR" dirty="0"/>
-          </a:p>
-        </p:txBody>
-      </p:sp>
-      <p:pic>
-        <p:nvPicPr>
-          <p:cNvPr id="4" name="Image 3"/>
-          <p:cNvPicPr>
-            <a:picLocks noChangeAspect="1"/>
-          </p:cNvPicPr>
-          <p:nvPr/>
-        </p:nvPicPr>
-        <p:blipFill>
-          <a:blip r:embed="rId2"/>
-          <a:stretch>
-            <a:fillRect/>
-          </a:stretch>
-        </p:blipFill>
-        <p:spPr>
-          <a:xfrm>
-            <a:off x="2483768" y="3861048"/>
-            <a:ext cx="3174038" cy="426144"/>
-          </a:xfrm>
-          <a:prstGeom prst="rect">
-            <a:avLst/>
-          </a:prstGeom>
-        </p:spPr>
-      </p:pic>
-    </p:spTree>
-    <p:extLst>
-      <p:ext uri="{BB962C8B-B14F-4D97-AF65-F5344CB8AC3E}">
-        <p14:creationId xmlns:p14="http://schemas.microsoft.com/office/powerpoint/2010/main" val="845808488"/>
-      </p:ext>
-    </p:extLst>
-  </p:cSld>
-  <p:clrMapOvr>
-    <a:masterClrMapping/>
-  </p:clrMapOvr>
-  <p:timing>
-    <p:tnLst>
-      <p:par>
-        <p:cTn id="1" dur="indefinite" restart="never" nodeType="tmRoot"/>
-      </p:par>
-    </p:tnLst>
-  </p:timing>
-</p:sld>
-</file>
-
-<file path=ppt/slides/slide11.xml><?xml version="1.0" encoding="utf-8"?>
-<p:sld xmlns:a="http://schemas.openxmlformats.org/drawingml/2006/main" xmlns:r="http://schemas.openxmlformats.org/officeDocument/2006/relationships" xmlns:p="http://schemas.openxmlformats.org/presentationml/2006/main">
-  <p:cSld>
-    <p:spTree>
-      <p:nvGrpSpPr>
-        <p:cNvPr id="1" name=""/>
-        <p:cNvGrpSpPr/>
-        <p:nvPr/>
-      </p:nvGrpSpPr>
-      <p:grpSpPr>
-        <a:xfrm>
-          <a:off x="0" y="0"/>
-          <a:ext cx="0" cy="0"/>
-          <a:chOff x="0" y="0"/>
-          <a:chExt cx="0" cy="0"/>
-        </a:xfrm>
-      </p:grpSpPr>
-      <p:sp>
-        <p:nvSpPr>
-          <p:cNvPr id="2" name="Titre 1"/>
-          <p:cNvSpPr>
-            <a:spLocks noGrp="1"/>
-          </p:cNvSpPr>
-          <p:nvPr>
-            <p:ph type="title"/>
-          </p:nvPr>
-        </p:nvSpPr>
-        <p:spPr/>
-        <p:txBody>
-          <a:bodyPr/>
-          <a:lstStyle/>
-          <a:p>
-            <a:r>
-              <a:rPr lang="fr-FR" dirty="0" err="1" smtClean="0"/>
-              <a:t>from</a:t>
-            </a:r>
-            <a:endParaRPr lang="fr-FR" dirty="0"/>
-          </a:p>
-        </p:txBody>
-      </p:sp>
-      <p:sp>
-        <p:nvSpPr>
-          <p:cNvPr id="3" name="Espace réservé du contenu 2"/>
-          <p:cNvSpPr>
-            <a:spLocks noGrp="1"/>
-          </p:cNvSpPr>
-          <p:nvPr>
-            <p:ph idx="1"/>
-          </p:nvPr>
-        </p:nvSpPr>
-        <p:spPr/>
-        <p:txBody>
-          <a:bodyPr/>
-          <a:lstStyle/>
-          <a:p>
-            <a:r>
               <a:rPr lang="en-GB" altLang="fr-FR" b="1" dirty="0"/>
               <a:t>"from"</a:t>
             </a:r>
@@ -4013,11 +3855,7 @@
             </a:r>
             <a:r>
               <a:rPr lang="en-GB" altLang="fr-FR" dirty="0"/>
-              <a:t> "from &lt;module&gt; import &lt;nom</a:t>
-            </a:r>
-            <a:r>
-              <a:rPr lang="en-GB" altLang="fr-FR" dirty="0" smtClean="0"/>
-              <a:t>&gt;“</a:t>
+              <a:t> "from &lt;module&gt; import &lt;nom&gt;“</a:t>
             </a:r>
           </a:p>
           <a:p>
@@ -4059,13 +3897,239 @@
   <p:clrMapOvr>
     <a:masterClrMapping/>
   </p:clrMapOvr>
-  <p:timing>
-    <p:tnLst>
-      <p:par>
-        <p:cTn id="1" dur="indefinite" restart="never" nodeType="tmRoot"/>
-      </p:par>
-    </p:tnLst>
-  </p:timing>
+</p:sld>
+</file>
+
+<file path=ppt/slides/slide11.xml><?xml version="1.0" encoding="utf-8"?>
+<p:sld xmlns:a="http://schemas.openxmlformats.org/drawingml/2006/main" xmlns:r="http://schemas.openxmlformats.org/officeDocument/2006/relationships" xmlns:p="http://schemas.openxmlformats.org/presentationml/2006/main">
+  <p:cSld>
+    <p:spTree>
+      <p:nvGrpSpPr>
+        <p:cNvPr id="1" name=""/>
+        <p:cNvGrpSpPr/>
+        <p:nvPr/>
+      </p:nvGrpSpPr>
+      <p:grpSpPr>
+        <a:xfrm>
+          <a:off x="0" y="0"/>
+          <a:ext cx="0" cy="0"/>
+          <a:chOff x="0" y="0"/>
+          <a:chExt cx="0" cy="0"/>
+        </a:xfrm>
+      </p:grpSpPr>
+      <p:sp>
+        <p:nvSpPr>
+          <p:cNvPr id="2" name="Titre 1"/>
+          <p:cNvSpPr>
+            <a:spLocks noGrp="1"/>
+          </p:cNvSpPr>
+          <p:nvPr>
+            <p:ph type="title"/>
+          </p:nvPr>
+        </p:nvSpPr>
+        <p:spPr/>
+        <p:txBody>
+          <a:bodyPr/>
+          <a:lstStyle/>
+          <a:p>
+            <a:r>
+              <a:rPr lang="fr-FR" dirty="0" err="1"/>
+              <a:t>from</a:t>
+            </a:r>
+            <a:r>
+              <a:rPr lang="fr-FR" dirty="0"/>
+              <a:t> import</a:t>
+            </a:r>
+          </a:p>
+        </p:txBody>
+      </p:sp>
+      <p:sp>
+        <p:nvSpPr>
+          <p:cNvPr id="3" name="Espace réservé du contenu 2"/>
+          <p:cNvSpPr>
+            <a:spLocks noGrp="1"/>
+          </p:cNvSpPr>
+          <p:nvPr>
+            <p:ph idx="1"/>
+          </p:nvPr>
+        </p:nvSpPr>
+        <p:spPr/>
+        <p:txBody>
+          <a:bodyPr/>
+          <a:lstStyle/>
+          <a:p>
+            <a:r>
+              <a:rPr lang="en-GB" altLang="fr-FR" dirty="0"/>
+              <a:t>From import </a:t>
+            </a:r>
+            <a:r>
+              <a:rPr lang="en-GB" altLang="fr-FR" dirty="0" err="1"/>
+              <a:t>n’utilise</a:t>
+            </a:r>
+            <a:r>
+              <a:rPr lang="en-GB" altLang="fr-FR" dirty="0"/>
+              <a:t> pas de namespace</a:t>
+            </a:r>
+          </a:p>
+          <a:p>
+            <a:r>
+              <a:rPr lang="en-GB" altLang="fr-FR" dirty="0" err="1"/>
+              <a:t>Dans</a:t>
+            </a:r>
+            <a:r>
+              <a:rPr lang="en-GB" altLang="fr-FR" dirty="0"/>
+              <a:t> "from &lt;module&gt; import &lt;nom&gt;“ </a:t>
+            </a:r>
+            <a:r>
+              <a:rPr lang="en-GB" altLang="fr-FR" dirty="0" err="1"/>
+              <a:t>seulement</a:t>
+            </a:r>
+            <a:r>
+              <a:rPr lang="en-GB" altLang="fr-FR" dirty="0"/>
+              <a:t> </a:t>
+            </a:r>
+            <a:r>
+              <a:rPr lang="en-GB" altLang="fr-FR" dirty="0" err="1"/>
+              <a:t>l'objet</a:t>
+            </a:r>
+            <a:r>
+              <a:rPr lang="en-GB" altLang="fr-FR" dirty="0"/>
+              <a:t> &lt;nom&gt; du module &lt;module&gt; sera </a:t>
+            </a:r>
+            <a:r>
+              <a:rPr lang="en-GB" altLang="fr-FR" dirty="0" err="1"/>
+              <a:t>importé</a:t>
+            </a:r>
+            <a:r>
+              <a:rPr lang="en-GB" altLang="fr-FR" dirty="0"/>
+              <a:t>, le code </a:t>
+            </a:r>
+            <a:r>
+              <a:rPr lang="en-GB" altLang="fr-FR" dirty="0" err="1"/>
+              <a:t>restant</a:t>
+            </a:r>
+            <a:r>
+              <a:rPr lang="en-GB" altLang="fr-FR" dirty="0"/>
+              <a:t> du module sera </a:t>
+            </a:r>
+            <a:r>
+              <a:rPr lang="en-GB" altLang="fr-FR" dirty="0" err="1"/>
+              <a:t>aussi</a:t>
+            </a:r>
+            <a:r>
+              <a:rPr lang="en-GB" altLang="fr-FR" dirty="0"/>
+              <a:t> execute</a:t>
+            </a:r>
+          </a:p>
+          <a:p>
+            <a:pPr lvl="1"/>
+            <a:r>
+              <a:rPr lang="en-GB" altLang="fr-FR" dirty="0" err="1"/>
+              <a:t>mais</a:t>
+            </a:r>
+            <a:r>
+              <a:rPr lang="en-GB" altLang="fr-FR" dirty="0"/>
+              <a:t> les </a:t>
+            </a:r>
+            <a:r>
+              <a:rPr lang="en-GB" altLang="fr-FR" dirty="0" err="1"/>
+              <a:t>objets</a:t>
+            </a:r>
+            <a:r>
+              <a:rPr lang="en-GB" altLang="fr-FR" dirty="0"/>
+              <a:t> ne </a:t>
+            </a:r>
+            <a:r>
+              <a:rPr lang="en-GB" altLang="fr-FR" dirty="0" err="1"/>
+              <a:t>seront</a:t>
+            </a:r>
+            <a:r>
+              <a:rPr lang="en-GB" altLang="fr-FR" dirty="0"/>
+              <a:t> </a:t>
+            </a:r>
+            <a:r>
+              <a:rPr lang="en-GB" altLang="fr-FR" b="1" dirty="0"/>
+              <a:t>pas </a:t>
+            </a:r>
+            <a:r>
+              <a:rPr lang="en-GB" altLang="fr-FR" b="1" dirty="0" err="1"/>
+              <a:t>mémorisés</a:t>
+            </a:r>
+            <a:r>
+              <a:rPr lang="en-GB" altLang="fr-FR" dirty="0"/>
+              <a:t> et les </a:t>
+            </a:r>
+            <a:r>
+              <a:rPr lang="en-GB" altLang="fr-FR" dirty="0" err="1"/>
+              <a:t>éventuelles</a:t>
+            </a:r>
+            <a:r>
+              <a:rPr lang="en-GB" altLang="fr-FR" dirty="0"/>
+              <a:t> variables ne </a:t>
+            </a:r>
+            <a:r>
+              <a:rPr lang="en-GB" altLang="fr-FR" dirty="0" err="1"/>
+              <a:t>seront</a:t>
+            </a:r>
+            <a:r>
+              <a:rPr lang="en-GB" altLang="fr-FR" dirty="0"/>
+              <a:t> </a:t>
+            </a:r>
+            <a:r>
+              <a:rPr lang="en-GB" altLang="fr-FR" b="1" dirty="0"/>
+              <a:t>pas </a:t>
+            </a:r>
+            <a:r>
+              <a:rPr lang="en-GB" altLang="fr-FR" b="1" dirty="0" err="1"/>
+              <a:t>affectées</a:t>
+            </a:r>
+            <a:endParaRPr lang="en-GB" altLang="fr-FR" b="1" dirty="0"/>
+          </a:p>
+          <a:p>
+            <a:r>
+              <a:rPr lang="en-GB" altLang="fr-FR" dirty="0"/>
+              <a:t>Pour utiliser </a:t>
+            </a:r>
+            <a:r>
+              <a:rPr lang="en-GB" altLang="fr-FR" dirty="0" err="1"/>
+              <a:t>ensuite</a:t>
+            </a:r>
+            <a:r>
+              <a:rPr lang="en-GB" altLang="fr-FR" dirty="0"/>
+              <a:t> nom, nous </a:t>
+            </a:r>
+            <a:r>
+              <a:rPr lang="en-GB" altLang="fr-FR" dirty="0" err="1"/>
+              <a:t>écrirons</a:t>
+            </a:r>
+            <a:r>
+              <a:rPr lang="en-GB" altLang="fr-FR" dirty="0"/>
+              <a:t> </a:t>
+            </a:r>
+            <a:r>
+              <a:rPr lang="en-GB" altLang="fr-FR" dirty="0" err="1"/>
+              <a:t>juste</a:t>
+            </a:r>
+            <a:r>
+              <a:rPr lang="en-GB" altLang="fr-FR" dirty="0"/>
+              <a:t> “&lt;nom&gt;”. </a:t>
+            </a:r>
+          </a:p>
+          <a:p>
+            <a:endParaRPr lang="fr-FR" dirty="0"/>
+          </a:p>
+        </p:txBody>
+      </p:sp>
+    </p:spTree>
+    <p:extLst>
+      <p:ext uri="{BB962C8B-B14F-4D97-AF65-F5344CB8AC3E}">
+        <p14:creationId xmlns:p14="http://schemas.microsoft.com/office/powerpoint/2010/main" val="2524857097"/>
+      </p:ext>
+    </p:extLst>
+  </p:cSld>
+  <p:clrMapOvr>
+    <a:masterClrMapping/>
+  </p:clrMapOvr>
 </p:sld>
 </file>
 
@@ -4102,14 +4166,13 @@
           <a:lstStyle/>
           <a:p>
             <a:r>
-              <a:rPr lang="fr-FR" dirty="0" err="1" smtClean="0"/>
-              <a:t>from</a:t>
-            </a:r>
-            <a:r>
-              <a:rPr lang="fr-FR" dirty="0" smtClean="0"/>
-              <a:t> import</a:t>
-            </a:r>
-            <a:endParaRPr lang="fr-FR" dirty="0"/>
+              <a:rPr lang="fr-FR" dirty="0" err="1"/>
+              <a:t>From</a:t>
+            </a:r>
+            <a:r>
+              <a:rPr lang="fr-FR" dirty="0"/>
+              <a:t> vs import</a:t>
+            </a:r>
           </a:p>
         </p:txBody>
       </p:sp>
@@ -4128,181 +4191,33 @@
           <a:bodyPr/>
           <a:lstStyle/>
           <a:p>
-            <a:r>
-              <a:rPr lang="en-GB" altLang="fr-FR" dirty="0" smtClean="0"/>
-              <a:t>From import </a:t>
-            </a:r>
-            <a:r>
-              <a:rPr lang="en-GB" altLang="fr-FR" dirty="0" err="1" smtClean="0"/>
-              <a:t>n’utilise</a:t>
-            </a:r>
-            <a:r>
-              <a:rPr lang="en-GB" altLang="fr-FR" dirty="0" smtClean="0"/>
-              <a:t> pas de namespace</a:t>
-            </a:r>
-          </a:p>
-          <a:p>
-            <a:r>
-              <a:rPr lang="en-GB" altLang="fr-FR" dirty="0" err="1" smtClean="0"/>
-              <a:t>Dans</a:t>
-            </a:r>
-            <a:r>
-              <a:rPr lang="en-GB" altLang="fr-FR" dirty="0" smtClean="0"/>
-              <a:t> "from </a:t>
-            </a:r>
-            <a:r>
-              <a:rPr lang="en-GB" altLang="fr-FR" dirty="0"/>
-              <a:t>&lt;module&gt; import &lt;nom</a:t>
-            </a:r>
-            <a:r>
-              <a:rPr lang="en-GB" altLang="fr-FR" dirty="0" smtClean="0"/>
-              <a:t>&gt;“ </a:t>
-            </a:r>
-            <a:r>
-              <a:rPr lang="en-GB" altLang="fr-FR" dirty="0" err="1" smtClean="0"/>
-              <a:t>seulement</a:t>
-            </a:r>
-            <a:r>
-              <a:rPr lang="en-GB" altLang="fr-FR" dirty="0" smtClean="0"/>
-              <a:t> </a:t>
-            </a:r>
-            <a:r>
-              <a:rPr lang="en-GB" altLang="fr-FR" dirty="0" err="1"/>
-              <a:t>l'objet</a:t>
-            </a:r>
-            <a:r>
-              <a:rPr lang="en-GB" altLang="fr-FR" dirty="0"/>
-              <a:t> &lt;nom&gt; du module &lt;module&gt; sera </a:t>
-            </a:r>
-            <a:r>
-              <a:rPr lang="en-GB" altLang="fr-FR" dirty="0" err="1"/>
-              <a:t>importé</a:t>
-            </a:r>
-            <a:r>
-              <a:rPr lang="en-GB" altLang="fr-FR" dirty="0"/>
-              <a:t>, le code </a:t>
-            </a:r>
-            <a:r>
-              <a:rPr lang="en-GB" altLang="fr-FR" dirty="0" err="1"/>
-              <a:t>restant</a:t>
-            </a:r>
-            <a:r>
-              <a:rPr lang="en-GB" altLang="fr-FR" dirty="0"/>
-              <a:t> du module sera </a:t>
-            </a:r>
-            <a:r>
-              <a:rPr lang="en-GB" altLang="fr-FR" dirty="0" err="1"/>
-              <a:t>aussi</a:t>
-            </a:r>
-            <a:r>
-              <a:rPr lang="en-GB" altLang="fr-FR" dirty="0"/>
-              <a:t> </a:t>
-            </a:r>
-            <a:r>
-              <a:rPr lang="en-GB" altLang="fr-FR" dirty="0" smtClean="0"/>
-              <a:t>execute</a:t>
-            </a:r>
-          </a:p>
-          <a:p>
-            <a:pPr lvl="1"/>
-            <a:r>
-              <a:rPr lang="en-GB" altLang="fr-FR" dirty="0" err="1" smtClean="0"/>
-              <a:t>mais</a:t>
-            </a:r>
-            <a:r>
-              <a:rPr lang="en-GB" altLang="fr-FR" dirty="0" smtClean="0"/>
-              <a:t> </a:t>
-            </a:r>
-            <a:r>
-              <a:rPr lang="en-GB" altLang="fr-FR" dirty="0"/>
-              <a:t>les </a:t>
-            </a:r>
-            <a:r>
-              <a:rPr lang="en-GB" altLang="fr-FR" dirty="0" err="1"/>
-              <a:t>objets</a:t>
-            </a:r>
-            <a:r>
-              <a:rPr lang="en-GB" altLang="fr-FR" dirty="0"/>
-              <a:t> ne </a:t>
-            </a:r>
-            <a:r>
-              <a:rPr lang="en-GB" altLang="fr-FR" dirty="0" err="1"/>
-              <a:t>seront</a:t>
-            </a:r>
-            <a:r>
-              <a:rPr lang="en-GB" altLang="fr-FR" dirty="0"/>
-              <a:t> </a:t>
-            </a:r>
-            <a:r>
-              <a:rPr lang="en-GB" altLang="fr-FR" b="1" dirty="0"/>
-              <a:t>pas </a:t>
-            </a:r>
-            <a:r>
-              <a:rPr lang="en-GB" altLang="fr-FR" b="1" dirty="0" err="1"/>
-              <a:t>mémorisés</a:t>
-            </a:r>
-            <a:r>
-              <a:rPr lang="en-GB" altLang="fr-FR" dirty="0"/>
-              <a:t> et les </a:t>
-            </a:r>
-            <a:r>
-              <a:rPr lang="en-GB" altLang="fr-FR" dirty="0" err="1"/>
-              <a:t>éventuelles</a:t>
-            </a:r>
-            <a:r>
-              <a:rPr lang="en-GB" altLang="fr-FR" dirty="0"/>
-              <a:t> </a:t>
-            </a:r>
-            <a:r>
-              <a:rPr lang="en-GB" altLang="fr-FR" dirty="0" smtClean="0"/>
-              <a:t>variables ne </a:t>
-            </a:r>
-            <a:r>
-              <a:rPr lang="en-GB" altLang="fr-FR" dirty="0" err="1"/>
-              <a:t>seront</a:t>
-            </a:r>
-            <a:r>
-              <a:rPr lang="en-GB" altLang="fr-FR" dirty="0"/>
-              <a:t> </a:t>
-            </a:r>
-            <a:r>
-              <a:rPr lang="en-GB" altLang="fr-FR" b="1" dirty="0"/>
-              <a:t>pas </a:t>
-            </a:r>
-            <a:r>
-              <a:rPr lang="en-GB" altLang="fr-FR" b="1" dirty="0" err="1" smtClean="0"/>
-              <a:t>affectées</a:t>
-            </a:r>
-            <a:endParaRPr lang="en-GB" altLang="fr-FR" b="1" dirty="0" smtClean="0"/>
-          </a:p>
-          <a:p>
-            <a:r>
-              <a:rPr lang="en-GB" altLang="fr-FR" dirty="0"/>
-              <a:t>Pour utiliser </a:t>
-            </a:r>
-            <a:r>
-              <a:rPr lang="en-GB" altLang="fr-FR" dirty="0" err="1"/>
-              <a:t>ensuite</a:t>
-            </a:r>
-            <a:r>
-              <a:rPr lang="en-GB" altLang="fr-FR" dirty="0"/>
-              <a:t> nom, nous </a:t>
-            </a:r>
-            <a:r>
-              <a:rPr lang="en-GB" altLang="fr-FR" dirty="0" err="1"/>
-              <a:t>écrirons</a:t>
-            </a:r>
-            <a:r>
-              <a:rPr lang="en-GB" altLang="fr-FR" dirty="0"/>
-              <a:t> </a:t>
-            </a:r>
-            <a:r>
-              <a:rPr lang="en-GB" altLang="fr-FR" dirty="0" err="1"/>
-              <a:t>juste</a:t>
-            </a:r>
-            <a:r>
-              <a:rPr lang="en-GB" altLang="fr-FR" dirty="0"/>
-              <a:t> “&lt;nom&gt;”. </a:t>
+            <a:pPr eaLnBrk="1" hangingPunct="1"/>
+            <a:r>
+              <a:rPr lang="fr-BE" altLang="fr-FR" dirty="0"/>
+              <a:t>La grande différence entre "import &lt;module&gt;" et "</a:t>
+            </a:r>
+            <a:r>
+              <a:rPr lang="fr-BE" altLang="fr-FR" dirty="0" err="1"/>
+              <a:t>from</a:t>
+            </a:r>
+            <a:r>
+              <a:rPr lang="fr-BE" altLang="fr-FR" dirty="0"/>
+              <a:t> &lt;module&gt; import *" est que les noms ne sont pas mémorisés sur le même niveau</a:t>
+            </a:r>
+          </a:p>
+          <a:p>
+            <a:pPr lvl="1" eaLnBrk="1" hangingPunct="1"/>
+            <a:r>
+              <a:rPr lang="fr-BE" altLang="fr-FR" dirty="0"/>
+              <a:t>Le premier sera mémorisé sous le nom du module, tandis qu'avec "</a:t>
+            </a:r>
+            <a:r>
+              <a:rPr lang="fr-BE" altLang="fr-FR" dirty="0" err="1"/>
+              <a:t>from</a:t>
+            </a:r>
+            <a:r>
+              <a:rPr lang="fr-BE" altLang="fr-FR" dirty="0"/>
+              <a:t>" la valeur est directement visible dans la racine</a:t>
             </a:r>
           </a:p>
           <a:p>
@@ -4313,20 +4228,13 @@
     </p:spTree>
     <p:extLst>
       <p:ext uri="{BB962C8B-B14F-4D97-AF65-F5344CB8AC3E}">
-        <p14:creationId xmlns:p14="http://schemas.microsoft.com/office/powerpoint/2010/main" val="2524857097"/>
+        <p14:creationId xmlns:p14="http://schemas.microsoft.com/office/powerpoint/2010/main" val="2903029953"/>
       </p:ext>
     </p:extLst>
   </p:cSld>
   <p:clrMapOvr>
     <a:masterClrMapping/>
   </p:clrMapOvr>
-  <p:timing>
-    <p:tnLst>
-      <p:par>
-        <p:cTn id="1" dur="indefinite" restart="never" nodeType="tmRoot"/>
-      </p:par>
-    </p:tnLst>
-  </p:timing>
 </p:sld>
 </file>
 
@@ -4363,18 +4271,9 @@
           <a:lstStyle/>
           <a:p>
             <a:r>
-              <a:rPr lang="fr-FR" dirty="0" err="1"/>
-              <a:t>f</a:t>
-            </a:r>
-            <a:r>
-              <a:rPr lang="fr-FR" dirty="0" err="1" smtClean="0"/>
-              <a:t>rom</a:t>
-            </a:r>
-            <a:r>
-              <a:rPr lang="fr-FR" dirty="0" smtClean="0"/>
-              <a:t> import *</a:t>
-            </a:r>
-            <a:endParaRPr lang="fr-FR" dirty="0"/>
+              <a:rPr lang="fr-FR" dirty="0"/>
+              <a:t>Les listes</a:t>
+            </a:r>
           </a:p>
         </p:txBody>
       </p:sp>
@@ -4393,24 +4292,18 @@
           <a:bodyPr/>
           <a:lstStyle/>
           <a:p>
+            <a:pPr eaLnBrk="1" hangingPunct="1">
+              <a:lnSpc>
+                <a:spcPct val="90000"/>
+              </a:lnSpc>
+            </a:pPr>
             <a:r>
               <a:rPr lang="en-GB" altLang="fr-FR" dirty="0"/>
-              <a:t>from &lt;module&gt; import *</a:t>
-            </a:r>
-            <a:endParaRPr lang="en-GB" altLang="fr-FR" dirty="0" smtClean="0"/>
-          </a:p>
-          <a:p>
-            <a:r>
-              <a:rPr lang="en-GB" altLang="fr-FR" dirty="0" smtClean="0"/>
-              <a:t>Si </a:t>
-            </a:r>
-            <a:r>
-              <a:rPr lang="en-GB" altLang="fr-FR" dirty="0"/>
-              <a:t>&lt;nom&gt; </a:t>
+              <a:t>Il </a:t>
             </a:r>
             <a:r>
               <a:rPr lang="en-GB" altLang="fr-FR" dirty="0" err="1"/>
-              <a:t>est</a:t>
+              <a:t>s’agit</a:t>
             </a:r>
             <a:r>
               <a:rPr lang="en-GB" altLang="fr-FR" dirty="0"/>
@@ -4418,15 +4311,27 @@
             </a:r>
             <a:r>
               <a:rPr lang="en-GB" altLang="fr-FR" dirty="0" err="1"/>
-              <a:t>remplacé</a:t>
+              <a:t>d’une</a:t>
             </a:r>
             <a:r>
               <a:rPr lang="en-GB" altLang="fr-FR" dirty="0"/>
-              <a:t> par *,                                  on </a:t>
+              <a:t> collection </a:t>
             </a:r>
             <a:r>
               <a:rPr lang="en-GB" altLang="fr-FR" dirty="0" err="1"/>
-              <a:t>obtient</a:t>
+              <a:t>d’objets</a:t>
+            </a:r>
+            <a:endParaRPr lang="en-GB" altLang="fr-FR" dirty="0"/>
+          </a:p>
+          <a:p>
+            <a:pPr lvl="1" eaLnBrk="1" hangingPunct="1">
+              <a:lnSpc>
+                <a:spcPct val="90000"/>
+              </a:lnSpc>
+            </a:pPr>
+            <a:r>
+              <a:rPr lang="en-GB" altLang="fr-FR" dirty="0" err="1"/>
+              <a:t>une</a:t>
             </a:r>
             <a:r>
               <a:rPr lang="en-GB" altLang="fr-FR" dirty="0"/>
@@ -4434,7 +4339,23 @@
             </a:r>
             <a:r>
               <a:rPr lang="en-GB" altLang="fr-FR" dirty="0" err="1"/>
-              <a:t>alors</a:t>
+              <a:t>liste</a:t>
+            </a:r>
+            <a:r>
+              <a:rPr lang="en-GB" altLang="fr-FR" dirty="0"/>
+              <a:t> de </a:t>
+            </a:r>
+            <a:r>
+              <a:rPr lang="en-GB" altLang="fr-FR" dirty="0" err="1"/>
+              <a:t>valeurs</a:t>
+            </a:r>
+            <a:r>
+              <a:rPr lang="en-GB" altLang="fr-FR" dirty="0"/>
+              <a:t> (</a:t>
+            </a:r>
+            <a:r>
+              <a:rPr lang="en-GB" altLang="fr-FR" dirty="0" err="1"/>
+              <a:t>ou</a:t>
             </a:r>
             <a:r>
               <a:rPr lang="en-GB" altLang="fr-FR" dirty="0"/>
@@ -4442,7 +4363,216 @@
             </a:r>
             <a:r>
               <a:rPr lang="en-GB" altLang="fr-FR" dirty="0" err="1"/>
+              <a:t>éléments</a:t>
+            </a:r>
+            <a:r>
+              <a:rPr lang="en-GB" altLang="fr-FR" dirty="0"/>
+              <a:t>) entre crochets </a:t>
+            </a:r>
+            <a:r>
+              <a:rPr lang="en-GB" altLang="fr-FR" dirty="0" err="1"/>
+              <a:t>séparés</a:t>
+            </a:r>
+            <a:r>
+              <a:rPr lang="en-GB" altLang="fr-FR" dirty="0"/>
+              <a:t> par des virgules.</a:t>
+            </a:r>
+          </a:p>
+          <a:p>
+            <a:pPr lvl="1" eaLnBrk="1" hangingPunct="1">
+              <a:lnSpc>
+                <a:spcPct val="90000"/>
+              </a:lnSpc>
+            </a:pPr>
+            <a:r>
+              <a:rPr lang="en-GB" altLang="fr-FR" dirty="0"/>
+              <a:t>Les </a:t>
+            </a:r>
+            <a:r>
+              <a:rPr lang="en-GB" altLang="fr-FR" dirty="0" err="1"/>
+              <a:t>éléments</a:t>
+            </a:r>
+            <a:r>
+              <a:rPr lang="en-GB" altLang="fr-FR" dirty="0"/>
+              <a:t> de la </a:t>
+            </a:r>
+            <a:r>
+              <a:rPr lang="en-GB" altLang="fr-FR" dirty="0" err="1"/>
+              <a:t>liste</a:t>
+            </a:r>
+            <a:r>
+              <a:rPr lang="en-GB" altLang="fr-FR" dirty="0"/>
+              <a:t> </a:t>
+            </a:r>
+            <a:r>
+              <a:rPr lang="en-GB" altLang="fr-FR" dirty="0" err="1"/>
+              <a:t>n’ont</a:t>
+            </a:r>
+            <a:r>
+              <a:rPr lang="en-GB" altLang="fr-FR" dirty="0"/>
+              <a:t> pas </a:t>
+            </a:r>
+            <a:r>
+              <a:rPr lang="en-GB" altLang="fr-FR" dirty="0" err="1"/>
+              <a:t>nécessairement</a:t>
+            </a:r>
+            <a:r>
+              <a:rPr lang="en-GB" altLang="fr-FR" dirty="0"/>
+              <a:t> le </a:t>
+            </a:r>
+            <a:r>
+              <a:rPr lang="en-GB" altLang="fr-FR" dirty="0" err="1"/>
+              <a:t>même</a:t>
+            </a:r>
+            <a:r>
+              <a:rPr lang="en-GB" altLang="fr-FR" dirty="0"/>
+              <a:t> type</a:t>
+            </a:r>
+          </a:p>
+          <a:p>
+            <a:pPr lvl="1" eaLnBrk="1" hangingPunct="1">
+              <a:lnSpc>
+                <a:spcPct val="90000"/>
+              </a:lnSpc>
+            </a:pPr>
+            <a:r>
+              <a:rPr lang="en-GB" altLang="fr-FR" dirty="0" err="1"/>
+              <a:t>Voici</a:t>
+            </a:r>
+            <a:r>
+              <a:rPr lang="en-GB" altLang="fr-FR" dirty="0"/>
+              <a:t> </a:t>
+            </a:r>
+            <a:r>
+              <a:rPr lang="en-GB" altLang="fr-FR" dirty="0" err="1"/>
               <a:t>une</a:t>
+            </a:r>
+            <a:r>
+              <a:rPr lang="en-GB" altLang="fr-FR" dirty="0"/>
+              <a:t> </a:t>
+            </a:r>
+            <a:r>
+              <a:rPr lang="en-GB" altLang="fr-FR" dirty="0" err="1"/>
+              <a:t>liste</a:t>
+            </a:r>
+            <a:r>
+              <a:rPr lang="en-GB" altLang="fr-FR" dirty="0"/>
+              <a:t> de 4 </a:t>
+            </a:r>
+            <a:r>
+              <a:rPr lang="en-GB" altLang="fr-FR" dirty="0" err="1"/>
+              <a:t>éléments</a:t>
+            </a:r>
+            <a:endParaRPr lang="en-GB" altLang="fr-FR" dirty="0"/>
+          </a:p>
+          <a:p>
+            <a:pPr lvl="1" eaLnBrk="1" hangingPunct="1">
+              <a:lnSpc>
+                <a:spcPct val="90000"/>
+              </a:lnSpc>
+            </a:pPr>
+            <a:r>
+              <a:rPr lang="en-GB" altLang="fr-FR" dirty="0"/>
+              <a:t>&gt;&gt;&gt;a = [‘spam’, ‘eggs’,100,1234]				  </a:t>
+            </a:r>
+          </a:p>
+          <a:p>
+            <a:pPr eaLnBrk="1" hangingPunct="1">
+              <a:lnSpc>
+                <a:spcPct val="90000"/>
+              </a:lnSpc>
+            </a:pPr>
+            <a:r>
+              <a:rPr lang="en-GB" altLang="fr-FR" dirty="0" err="1"/>
+              <a:t>Comme</a:t>
+            </a:r>
+            <a:r>
+              <a:rPr lang="en-GB" altLang="fr-FR" dirty="0"/>
+              <a:t> les indices des </a:t>
+            </a:r>
+            <a:r>
+              <a:rPr lang="en-GB" altLang="fr-FR" dirty="0" err="1"/>
+              <a:t>chaînes</a:t>
+            </a:r>
+            <a:r>
+              <a:rPr lang="en-GB" altLang="fr-FR" dirty="0"/>
+              <a:t>, les indices des </a:t>
+            </a:r>
+            <a:r>
+              <a:rPr lang="en-GB" altLang="fr-FR" dirty="0" err="1"/>
+              <a:t>listes</a:t>
+            </a:r>
+            <a:r>
+              <a:rPr lang="en-GB" altLang="fr-FR" dirty="0"/>
+              <a:t> </a:t>
+            </a:r>
+            <a:r>
+              <a:rPr lang="en-GB" altLang="fr-FR" dirty="0" err="1"/>
+              <a:t>commencent</a:t>
+            </a:r>
+            <a:r>
+              <a:rPr lang="en-GB" altLang="fr-FR" dirty="0"/>
+              <a:t> à 0, et les </a:t>
+            </a:r>
+            <a:r>
+              <a:rPr lang="en-GB" altLang="fr-FR" dirty="0" err="1"/>
+              <a:t>listes</a:t>
+            </a:r>
+            <a:r>
+              <a:rPr lang="en-GB" altLang="fr-FR" dirty="0"/>
+              <a:t> </a:t>
+            </a:r>
+            <a:r>
+              <a:rPr lang="en-GB" altLang="fr-FR" dirty="0" err="1"/>
+              <a:t>peuvent</a:t>
+            </a:r>
+            <a:r>
+              <a:rPr lang="en-GB" altLang="fr-FR" dirty="0"/>
+              <a:t> </a:t>
+            </a:r>
+            <a:r>
+              <a:rPr lang="en-GB" altLang="fr-FR" dirty="0" err="1"/>
+              <a:t>étre</a:t>
+            </a:r>
+            <a:r>
+              <a:rPr lang="en-GB" altLang="fr-FR" dirty="0"/>
+              <a:t> </a:t>
+            </a:r>
+            <a:r>
+              <a:rPr lang="en-GB" altLang="fr-FR" dirty="0" err="1"/>
+              <a:t>découpées</a:t>
+            </a:r>
+            <a:r>
+              <a:rPr lang="en-GB" altLang="fr-FR" dirty="0"/>
+              <a:t>, </a:t>
+            </a:r>
+            <a:r>
+              <a:rPr lang="en-GB" altLang="fr-FR" dirty="0" err="1"/>
+              <a:t>concaténées</a:t>
+            </a:r>
+            <a:endParaRPr lang="en-GB" altLang="fr-FR" dirty="0"/>
+          </a:p>
+          <a:p>
+            <a:pPr eaLnBrk="1" hangingPunct="1">
+              <a:lnSpc>
+                <a:spcPct val="90000"/>
+              </a:lnSpc>
+            </a:pPr>
+            <a:r>
+              <a:rPr lang="en-GB" altLang="fr-FR" dirty="0"/>
+              <a:t>Les </a:t>
+            </a:r>
+            <a:r>
+              <a:rPr lang="en-GB" altLang="fr-FR" dirty="0" err="1"/>
+              <a:t>listes</a:t>
+            </a:r>
+            <a:r>
+              <a:rPr lang="en-GB" altLang="fr-FR" dirty="0"/>
+              <a:t> </a:t>
+            </a:r>
+            <a:r>
+              <a:rPr lang="en-GB" altLang="fr-FR" dirty="0" err="1"/>
+              <a:t>sont</a:t>
             </a:r>
             <a:r>
               <a:rPr lang="en-GB" altLang="fr-FR" b="1" dirty="0"/>
@@ -4450,27 +4580,11 @@
             </a:r>
             <a:r>
               <a:rPr lang="en-GB" altLang="fr-FR" b="1" dirty="0" err="1"/>
-              <a:t>copie</a:t>
-            </a:r>
-            <a:r>
-              <a:rPr lang="en-GB" altLang="fr-FR" b="1" dirty="0"/>
-              <a:t> </a:t>
-            </a:r>
-            <a:r>
-              <a:rPr lang="en-GB" altLang="fr-FR" dirty="0"/>
-              <a:t>de </a:t>
-            </a:r>
-            <a:r>
-              <a:rPr lang="en-GB" altLang="fr-FR" b="1" dirty="0" err="1"/>
-              <a:t>tous</a:t>
-            </a:r>
-            <a:r>
-              <a:rPr lang="en-GB" altLang="fr-FR" b="1" dirty="0"/>
-              <a:t> les </a:t>
-            </a:r>
-            <a:r>
-              <a:rPr lang="en-GB" altLang="fr-FR" b="1" dirty="0" err="1"/>
-              <a:t>noms</a:t>
+              <a:t>modifiables</a:t>
+            </a:r>
+            <a:r>
+              <a:rPr lang="en-GB" altLang="fr-FR" dirty="0" err="1"/>
+              <a:t>,on</a:t>
             </a:r>
             <a:r>
               <a:rPr lang="en-GB" altLang="fr-FR" dirty="0"/>
@@ -4478,65 +4592,46 @@
             </a:r>
             <a:r>
               <a:rPr lang="en-GB" altLang="fr-FR" dirty="0" err="1"/>
-              <a:t>définis</a:t>
+              <a:t>peut</a:t>
             </a:r>
             <a:r>
               <a:rPr lang="en-GB" altLang="fr-FR" dirty="0"/>
-              <a:t> a la </a:t>
+              <a:t> </a:t>
             </a:r>
             <a:r>
               <a:rPr lang="en-GB" altLang="fr-FR" dirty="0" err="1"/>
-              <a:t>racine</a:t>
+              <a:t>donc</a:t>
             </a:r>
             <a:r>
               <a:rPr lang="en-GB" altLang="fr-FR" dirty="0"/>
-              <a:t> du module</a:t>
+              <a:t> changer les </a:t>
+            </a:r>
+            <a:r>
+              <a:rPr lang="en-GB" altLang="fr-FR" dirty="0" err="1"/>
+              <a:t>éléments</a:t>
+            </a:r>
+            <a:r>
+              <a:rPr lang="en-GB" altLang="fr-FR" dirty="0"/>
+              <a:t> </a:t>
+            </a:r>
+            <a:r>
+              <a:rPr lang="en-GB" altLang="fr-FR" dirty="0" err="1"/>
+              <a:t>individuellement</a:t>
             </a:r>
             <a:endParaRPr lang="fr-FR" dirty="0"/>
           </a:p>
         </p:txBody>
       </p:sp>
-      <p:pic>
-        <p:nvPicPr>
-          <p:cNvPr id="4" name="Image 3"/>
-          <p:cNvPicPr>
-            <a:picLocks noChangeAspect="1"/>
-          </p:cNvPicPr>
-          <p:nvPr/>
-        </p:nvPicPr>
-        <p:blipFill>
-          <a:blip r:embed="rId2"/>
-          <a:stretch>
-            <a:fillRect/>
-          </a:stretch>
-        </p:blipFill>
-        <p:spPr>
-          <a:xfrm>
-            <a:off x="2267744" y="3501008"/>
-            <a:ext cx="3456384" cy="1497033"/>
-          </a:xfrm>
-          <a:prstGeom prst="rect">
-            <a:avLst/>
-          </a:prstGeom>
-        </p:spPr>
-      </p:pic>
     </p:spTree>
     <p:extLst>
       <p:ext uri="{BB962C8B-B14F-4D97-AF65-F5344CB8AC3E}">
-        <p14:creationId xmlns:p14="http://schemas.microsoft.com/office/powerpoint/2010/main" val="1819617104"/>
+        <p14:creationId xmlns:p14="http://schemas.microsoft.com/office/powerpoint/2010/main" val="3468902127"/>
       </p:ext>
     </p:extLst>
   </p:cSld>
   <p:clrMapOvr>
     <a:masterClrMapping/>
   </p:clrMapOvr>
-  <p:timing>
-    <p:tnLst>
-      <p:par>
-        <p:cTn id="1" dur="indefinite" restart="never" nodeType="tmRoot"/>
-      </p:par>
-    </p:tnLst>
-  </p:timing>
 </p:sld>
 </file>
 
@@ -4573,862 +4668,9 @@
           <a:lstStyle/>
           <a:p>
             <a:r>
-              <a:rPr lang="fr-FR" dirty="0" err="1" smtClean="0"/>
-              <a:t>From</a:t>
-            </a:r>
-            <a:r>
-              <a:rPr lang="fr-FR" dirty="0" smtClean="0"/>
-              <a:t> vs import</a:t>
-            </a:r>
-            <a:endParaRPr lang="fr-FR" dirty="0"/>
-          </a:p>
-        </p:txBody>
-      </p:sp>
-      <p:sp>
-        <p:nvSpPr>
-          <p:cNvPr id="3" name="Espace réservé du contenu 2"/>
-          <p:cNvSpPr>
-            <a:spLocks noGrp="1"/>
-          </p:cNvSpPr>
-          <p:nvPr>
-            <p:ph idx="1"/>
-          </p:nvPr>
-        </p:nvSpPr>
-        <p:spPr/>
-        <p:txBody>
-          <a:bodyPr/>
-          <a:lstStyle/>
-          <a:p>
-            <a:pPr eaLnBrk="1" hangingPunct="1"/>
-            <a:r>
-              <a:rPr lang="fr-BE" altLang="fr-FR" dirty="0" smtClean="0"/>
-              <a:t>La </a:t>
-            </a:r>
-            <a:r>
-              <a:rPr lang="fr-BE" altLang="fr-FR" dirty="0"/>
-              <a:t>grande différence entre "import &lt;module&gt;" et "</a:t>
-            </a:r>
-            <a:r>
-              <a:rPr lang="fr-BE" altLang="fr-FR" dirty="0" err="1"/>
-              <a:t>from</a:t>
-            </a:r>
-            <a:r>
-              <a:rPr lang="fr-BE" altLang="fr-FR" dirty="0"/>
-              <a:t> &lt;module&gt; import *" est que les noms ne sont pas mémorisés sur le même </a:t>
-            </a:r>
-            <a:r>
-              <a:rPr lang="fr-BE" altLang="fr-FR" dirty="0" smtClean="0"/>
-              <a:t>niveau</a:t>
-            </a:r>
-          </a:p>
-          <a:p>
-            <a:pPr lvl="1" eaLnBrk="1" hangingPunct="1"/>
-            <a:r>
-              <a:rPr lang="fr-BE" altLang="fr-FR" dirty="0" smtClean="0"/>
-              <a:t>Le </a:t>
-            </a:r>
-            <a:r>
-              <a:rPr lang="fr-BE" altLang="fr-FR" dirty="0"/>
-              <a:t>premier sera mémorisé sous le nom du module, tandis qu'avec "</a:t>
-            </a:r>
-            <a:r>
-              <a:rPr lang="fr-BE" altLang="fr-FR" dirty="0" err="1"/>
-              <a:t>from</a:t>
-            </a:r>
-            <a:r>
-              <a:rPr lang="fr-BE" altLang="fr-FR" dirty="0"/>
-              <a:t>" la valeur est directement visible dans la </a:t>
-            </a:r>
-            <a:r>
-              <a:rPr lang="fr-BE" altLang="fr-FR" dirty="0" smtClean="0"/>
-              <a:t>racine</a:t>
-            </a:r>
-            <a:endParaRPr lang="fr-BE" altLang="fr-FR" dirty="0"/>
-          </a:p>
-          <a:p>
-            <a:endParaRPr lang="fr-FR" dirty="0"/>
-          </a:p>
-        </p:txBody>
-      </p:sp>
-    </p:spTree>
-    <p:extLst>
-      <p:ext uri="{BB962C8B-B14F-4D97-AF65-F5344CB8AC3E}">
-        <p14:creationId xmlns:p14="http://schemas.microsoft.com/office/powerpoint/2010/main" val="2903029953"/>
-      </p:ext>
-    </p:extLst>
-  </p:cSld>
-  <p:clrMapOvr>
-    <a:masterClrMapping/>
-  </p:clrMapOvr>
-  <p:timing>
-    <p:tnLst>
-      <p:par>
-        <p:cTn id="1" dur="indefinite" restart="never" nodeType="tmRoot"/>
-      </p:par>
-    </p:tnLst>
-  </p:timing>
-</p:sld>
-</file>
-
-<file path=ppt/slides/slide15.xml><?xml version="1.0" encoding="utf-8"?>
-<p:sld xmlns:a="http://schemas.openxmlformats.org/drawingml/2006/main" xmlns:r="http://schemas.openxmlformats.org/officeDocument/2006/relationships" xmlns:p="http://schemas.openxmlformats.org/presentationml/2006/main">
-  <p:cSld>
-    <p:spTree>
-      <p:nvGrpSpPr>
-        <p:cNvPr id="1" name=""/>
-        <p:cNvGrpSpPr/>
-        <p:nvPr/>
-      </p:nvGrpSpPr>
-      <p:grpSpPr>
-        <a:xfrm>
-          <a:off x="0" y="0"/>
-          <a:ext cx="0" cy="0"/>
-          <a:chOff x="0" y="0"/>
-          <a:chExt cx="0" cy="0"/>
-        </a:xfrm>
-      </p:grpSpPr>
-      <p:sp>
-        <p:nvSpPr>
-          <p:cNvPr id="2" name="Titre 1"/>
-          <p:cNvSpPr>
-            <a:spLocks noGrp="1"/>
-          </p:cNvSpPr>
-          <p:nvPr>
-            <p:ph type="title"/>
-          </p:nvPr>
-        </p:nvSpPr>
-        <p:spPr/>
-        <p:txBody>
-          <a:bodyPr/>
-          <a:lstStyle/>
-          <a:p>
-            <a:r>
-              <a:rPr lang="fr-FR" dirty="0" smtClean="0"/>
-              <a:t>Test dans le même fichier</a:t>
-            </a:r>
-            <a:endParaRPr lang="fr-FR" dirty="0"/>
-          </a:p>
-        </p:txBody>
-      </p:sp>
-      <p:sp>
-        <p:nvSpPr>
-          <p:cNvPr id="3" name="Espace réservé du contenu 2"/>
-          <p:cNvSpPr>
-            <a:spLocks noGrp="1"/>
-          </p:cNvSpPr>
-          <p:nvPr>
-            <p:ph idx="1"/>
-          </p:nvPr>
-        </p:nvSpPr>
-        <p:spPr/>
-        <p:txBody>
-          <a:bodyPr/>
-          <a:lstStyle/>
-          <a:p>
-            <a:r>
               <a:rPr lang="fr-FR" dirty="0"/>
-              <a:t>Faire un test de module dans le </a:t>
-            </a:r>
-            <a:r>
-              <a:rPr lang="fr-FR" dirty="0" smtClean="0"/>
-              <a:t>module-même</a:t>
-            </a:r>
-          </a:p>
-          <a:p>
-            <a:r>
-              <a:rPr lang="fr-FR" dirty="0" smtClean="0"/>
-              <a:t>Dans l’exemple précédent, si </a:t>
-            </a:r>
-            <a:r>
-              <a:rPr lang="fr-FR" dirty="0"/>
-              <a:t>nous rajoutons juste en dessous une ligne, par exemple table(8), cette ligne sera exécutée lors de l'importation et donc, dans le programme appelant le </a:t>
-            </a:r>
-            <a:r>
-              <a:rPr lang="fr-FR" dirty="0" smtClean="0"/>
-              <a:t>module</a:t>
-            </a:r>
-          </a:p>
-          <a:p>
-            <a:pPr lvl="1"/>
-            <a:r>
-              <a:rPr lang="fr-FR" dirty="0" smtClean="0"/>
-              <a:t>Quand </a:t>
-            </a:r>
-            <a:r>
-              <a:rPr lang="fr-FR" dirty="0"/>
-              <a:t>vous ferez import </a:t>
-            </a:r>
-            <a:r>
-              <a:rPr lang="fr-FR" dirty="0" err="1"/>
-              <a:t>multipli</a:t>
-            </a:r>
-            <a:r>
-              <a:rPr lang="fr-FR" dirty="0"/>
-              <a:t>, vous verrez la table de multiplication par 8 s'afficher… hum, il y a </a:t>
-            </a:r>
-            <a:r>
-              <a:rPr lang="fr-FR" dirty="0" smtClean="0"/>
-              <a:t>mieux</a:t>
-            </a:r>
-          </a:p>
-          <a:p>
-            <a:endParaRPr lang="fr-FR" dirty="0"/>
-          </a:p>
-        </p:txBody>
-      </p:sp>
-    </p:spTree>
-    <p:extLst>
-      <p:ext uri="{BB962C8B-B14F-4D97-AF65-F5344CB8AC3E}">
-        <p14:creationId xmlns:p14="http://schemas.microsoft.com/office/powerpoint/2010/main" val="48729248"/>
-      </p:ext>
-    </p:extLst>
-  </p:cSld>
-  <p:clrMapOvr>
-    <a:masterClrMapping/>
-  </p:clrMapOvr>
-  <p:timing>
-    <p:tnLst>
-      <p:par>
-        <p:cTn id="1" dur="indefinite" restart="never" nodeType="tmRoot"/>
-      </p:par>
-    </p:tnLst>
-  </p:timing>
-</p:sld>
-</file>
-
-<file path=ppt/slides/slide16.xml><?xml version="1.0" encoding="utf-8"?>
-<p:sld xmlns:a="http://schemas.openxmlformats.org/drawingml/2006/main" xmlns:r="http://schemas.openxmlformats.org/officeDocument/2006/relationships" xmlns:p="http://schemas.openxmlformats.org/presentationml/2006/main">
-  <p:cSld>
-    <p:spTree>
-      <p:nvGrpSpPr>
-        <p:cNvPr id="1" name=""/>
-        <p:cNvGrpSpPr/>
-        <p:nvPr/>
-      </p:nvGrpSpPr>
-      <p:grpSpPr>
-        <a:xfrm>
-          <a:off x="0" y="0"/>
-          <a:ext cx="0" cy="0"/>
-          <a:chOff x="0" y="0"/>
-          <a:chExt cx="0" cy="0"/>
-        </a:xfrm>
-      </p:grpSpPr>
-      <p:sp>
-        <p:nvSpPr>
-          <p:cNvPr id="2" name="Titre 1"/>
-          <p:cNvSpPr>
-            <a:spLocks noGrp="1"/>
-          </p:cNvSpPr>
-          <p:nvPr>
-            <p:ph type="title"/>
-          </p:nvPr>
-        </p:nvSpPr>
-        <p:spPr/>
-        <p:txBody>
-          <a:bodyPr/>
-          <a:lstStyle/>
-          <a:p>
-            <a:r>
-              <a:rPr lang="fr-FR" dirty="0" smtClean="0"/>
-              <a:t>__</a:t>
-            </a:r>
-            <a:r>
-              <a:rPr lang="fr-FR" dirty="0" err="1" smtClean="0"/>
-              <a:t>name</a:t>
-            </a:r>
-            <a:r>
-              <a:rPr lang="fr-FR" dirty="0" smtClean="0"/>
-              <a:t>__</a:t>
-            </a:r>
-            <a:endParaRPr lang="fr-FR" dirty="0"/>
-          </a:p>
-        </p:txBody>
-      </p:sp>
-      <p:sp>
-        <p:nvSpPr>
-          <p:cNvPr id="3" name="Espace réservé du contenu 2"/>
-          <p:cNvSpPr>
-            <a:spLocks noGrp="1"/>
-          </p:cNvSpPr>
-          <p:nvPr>
-            <p:ph idx="1"/>
-          </p:nvPr>
-        </p:nvSpPr>
-        <p:spPr/>
-        <p:txBody>
-          <a:bodyPr/>
-          <a:lstStyle/>
-          <a:p>
-            <a:r>
-              <a:rPr lang="fr-FR" dirty="0" smtClean="0"/>
-              <a:t>Si </a:t>
-            </a:r>
-            <a:r>
-              <a:rPr lang="fr-FR" dirty="0"/>
-              <a:t>vous </a:t>
-            </a:r>
-            <a:r>
-              <a:rPr lang="fr-FR" dirty="0" smtClean="0"/>
-              <a:t>exécutez </a:t>
-            </a:r>
-            <a:r>
-              <a:rPr lang="fr-FR" dirty="0"/>
-              <a:t>directement </a:t>
-            </a:r>
-            <a:r>
-              <a:rPr lang="fr-FR" dirty="0" smtClean="0"/>
-              <a:t>multipli.py</a:t>
-            </a:r>
-            <a:r>
-              <a:rPr lang="fr-FR" dirty="0"/>
-              <a:t>, vous allez voir la table de multiplication par </a:t>
-            </a:r>
-            <a:r>
-              <a:rPr lang="fr-FR" dirty="0" smtClean="0"/>
-              <a:t>4</a:t>
-            </a:r>
-          </a:p>
-          <a:p>
-            <a:r>
-              <a:rPr lang="fr-FR" dirty="0" smtClean="0"/>
-              <a:t>En </a:t>
-            </a:r>
-            <a:r>
-              <a:rPr lang="fr-FR" dirty="0"/>
-              <a:t>revanche, si vous l'importez, le code de test ne s'exécutera </a:t>
-            </a:r>
-            <a:r>
-              <a:rPr lang="fr-FR" dirty="0" smtClean="0"/>
-              <a:t>pas.</a:t>
-            </a:r>
-          </a:p>
-          <a:p>
-            <a:pPr lvl="1"/>
-            <a:r>
-              <a:rPr lang="fr-FR" dirty="0" smtClean="0"/>
-              <a:t>Tout </a:t>
-            </a:r>
-            <a:r>
-              <a:rPr lang="fr-FR" dirty="0"/>
-              <a:t>repose en fait sur la variable __</a:t>
-            </a:r>
-            <a:r>
-              <a:rPr lang="fr-FR" dirty="0" err="1"/>
-              <a:t>name</a:t>
-            </a:r>
-            <a:r>
-              <a:rPr lang="fr-FR" dirty="0" smtClean="0"/>
-              <a:t>__ si </a:t>
-            </a:r>
-            <a:r>
-              <a:rPr lang="fr-FR" dirty="0"/>
-              <a:t>elle vaut __main__, cela veut dire que le fichier appelé est le fichier exécuté</a:t>
-            </a:r>
-          </a:p>
-        </p:txBody>
-      </p:sp>
-      <p:pic>
-        <p:nvPicPr>
-          <p:cNvPr id="7" name="Image 6"/>
-          <p:cNvPicPr>
-            <a:picLocks noChangeAspect="1"/>
-          </p:cNvPicPr>
-          <p:nvPr/>
-        </p:nvPicPr>
-        <p:blipFill>
-          <a:blip r:embed="rId2"/>
-          <a:stretch>
-            <a:fillRect/>
-          </a:stretch>
-        </p:blipFill>
-        <p:spPr>
-          <a:xfrm>
-            <a:off x="2987824" y="4041694"/>
-            <a:ext cx="6905413" cy="2636912"/>
-          </a:xfrm>
-          <a:prstGeom prst="rect">
-            <a:avLst/>
-          </a:prstGeom>
-        </p:spPr>
-      </p:pic>
-    </p:spTree>
-    <p:extLst>
-      <p:ext uri="{BB962C8B-B14F-4D97-AF65-F5344CB8AC3E}">
-        <p14:creationId xmlns:p14="http://schemas.microsoft.com/office/powerpoint/2010/main" val="325286113"/>
-      </p:ext>
-    </p:extLst>
-  </p:cSld>
-  <p:clrMapOvr>
-    <a:masterClrMapping/>
-  </p:clrMapOvr>
-  <p:timing>
-    <p:tnLst>
-      <p:par>
-        <p:cTn id="1" dur="indefinite" restart="never" nodeType="tmRoot"/>
-      </p:par>
-    </p:tnLst>
-  </p:timing>
-</p:sld>
-</file>
-
-<file path=ppt/slides/slide17.xml><?xml version="1.0" encoding="utf-8"?>
-<p:sld xmlns:a="http://schemas.openxmlformats.org/drawingml/2006/main" xmlns:r="http://schemas.openxmlformats.org/officeDocument/2006/relationships" xmlns:p="http://schemas.openxmlformats.org/presentationml/2006/main">
-  <p:cSld>
-    <p:spTree>
-      <p:nvGrpSpPr>
-        <p:cNvPr id="1" name=""/>
-        <p:cNvGrpSpPr/>
-        <p:nvPr/>
-      </p:nvGrpSpPr>
-      <p:grpSpPr>
-        <a:xfrm>
-          <a:off x="0" y="0"/>
-          <a:ext cx="0" cy="0"/>
-          <a:chOff x="0" y="0"/>
-          <a:chExt cx="0" cy="0"/>
-        </a:xfrm>
-      </p:grpSpPr>
-      <p:sp>
-        <p:nvSpPr>
-          <p:cNvPr id="2" name="Titre 1"/>
-          <p:cNvSpPr>
-            <a:spLocks noGrp="1"/>
-          </p:cNvSpPr>
-          <p:nvPr>
-            <p:ph type="title"/>
-          </p:nvPr>
-        </p:nvSpPr>
-        <p:spPr/>
-        <p:txBody>
-          <a:bodyPr/>
-          <a:lstStyle/>
-          <a:p>
-            <a:r>
-              <a:rPr lang="fr-FR" dirty="0" smtClean="0"/>
-              <a:t>Les listes</a:t>
-            </a:r>
-            <a:endParaRPr lang="fr-FR" dirty="0"/>
-          </a:p>
-        </p:txBody>
-      </p:sp>
-      <p:sp>
-        <p:nvSpPr>
-          <p:cNvPr id="3" name="Espace réservé du contenu 2"/>
-          <p:cNvSpPr>
-            <a:spLocks noGrp="1"/>
-          </p:cNvSpPr>
-          <p:nvPr>
-            <p:ph idx="1"/>
-          </p:nvPr>
-        </p:nvSpPr>
-        <p:spPr/>
-        <p:txBody>
-          <a:bodyPr/>
-          <a:lstStyle/>
-          <a:p>
-            <a:pPr eaLnBrk="1" hangingPunct="1">
-              <a:lnSpc>
-                <a:spcPct val="90000"/>
-              </a:lnSpc>
-            </a:pPr>
-            <a:r>
-              <a:rPr lang="en-GB" altLang="fr-FR" dirty="0" smtClean="0"/>
-              <a:t>Il </a:t>
-            </a:r>
-            <a:r>
-              <a:rPr lang="en-GB" altLang="fr-FR" dirty="0" err="1" smtClean="0"/>
-              <a:t>s’agit</a:t>
-            </a:r>
-            <a:r>
-              <a:rPr lang="en-GB" altLang="fr-FR" dirty="0" smtClean="0"/>
-              <a:t> </a:t>
-            </a:r>
-            <a:r>
-              <a:rPr lang="en-GB" altLang="fr-FR" dirty="0" err="1" smtClean="0"/>
-              <a:t>d’une</a:t>
-            </a:r>
-            <a:r>
-              <a:rPr lang="en-GB" altLang="fr-FR" dirty="0" smtClean="0"/>
-              <a:t> </a:t>
-            </a:r>
-            <a:r>
-              <a:rPr lang="en-GB" altLang="fr-FR" dirty="0"/>
-              <a:t>collection </a:t>
-            </a:r>
-            <a:r>
-              <a:rPr lang="en-GB" altLang="fr-FR" dirty="0" err="1" smtClean="0"/>
-              <a:t>d’objets</a:t>
-            </a:r>
-            <a:endParaRPr lang="en-GB" altLang="fr-FR" dirty="0"/>
-          </a:p>
-          <a:p>
-            <a:pPr lvl="1" eaLnBrk="1" hangingPunct="1">
-              <a:lnSpc>
-                <a:spcPct val="90000"/>
-              </a:lnSpc>
-            </a:pPr>
-            <a:r>
-              <a:rPr lang="en-GB" altLang="fr-FR" dirty="0" err="1" smtClean="0"/>
-              <a:t>une</a:t>
-            </a:r>
-            <a:r>
-              <a:rPr lang="en-GB" altLang="fr-FR" dirty="0" smtClean="0"/>
-              <a:t> </a:t>
-            </a:r>
-            <a:r>
-              <a:rPr lang="en-GB" altLang="fr-FR" dirty="0" err="1"/>
-              <a:t>liste</a:t>
-            </a:r>
-            <a:r>
-              <a:rPr lang="en-GB" altLang="fr-FR" dirty="0"/>
-              <a:t> de </a:t>
-            </a:r>
-            <a:r>
-              <a:rPr lang="en-GB" altLang="fr-FR" dirty="0" err="1"/>
-              <a:t>valeurs</a:t>
-            </a:r>
-            <a:r>
-              <a:rPr lang="en-GB" altLang="fr-FR" dirty="0"/>
-              <a:t> (</a:t>
-            </a:r>
-            <a:r>
-              <a:rPr lang="en-GB" altLang="fr-FR" dirty="0" err="1"/>
-              <a:t>ou</a:t>
-            </a:r>
-            <a:r>
-              <a:rPr lang="en-GB" altLang="fr-FR" dirty="0"/>
-              <a:t> </a:t>
-            </a:r>
-            <a:r>
-              <a:rPr lang="en-GB" altLang="fr-FR" dirty="0" err="1"/>
-              <a:t>éléments</a:t>
-            </a:r>
-            <a:r>
-              <a:rPr lang="en-GB" altLang="fr-FR" dirty="0"/>
-              <a:t>) entre crochets </a:t>
-            </a:r>
-            <a:r>
-              <a:rPr lang="en-GB" altLang="fr-FR" dirty="0" err="1"/>
-              <a:t>séparés</a:t>
-            </a:r>
-            <a:r>
-              <a:rPr lang="en-GB" altLang="fr-FR" dirty="0"/>
-              <a:t> par des </a:t>
-            </a:r>
-            <a:r>
-              <a:rPr lang="en-GB" altLang="fr-FR" dirty="0" smtClean="0"/>
-              <a:t>virgules.</a:t>
-            </a:r>
-          </a:p>
-          <a:p>
-            <a:pPr lvl="1" eaLnBrk="1" hangingPunct="1">
-              <a:lnSpc>
-                <a:spcPct val="90000"/>
-              </a:lnSpc>
-            </a:pPr>
-            <a:r>
-              <a:rPr lang="en-GB" altLang="fr-FR" dirty="0" smtClean="0"/>
-              <a:t>Les </a:t>
-            </a:r>
-            <a:r>
-              <a:rPr lang="en-GB" altLang="fr-FR" dirty="0" err="1"/>
-              <a:t>éléments</a:t>
-            </a:r>
-            <a:r>
-              <a:rPr lang="en-GB" altLang="fr-FR" dirty="0"/>
-              <a:t> de la </a:t>
-            </a:r>
-            <a:r>
-              <a:rPr lang="en-GB" altLang="fr-FR" dirty="0" err="1"/>
-              <a:t>liste</a:t>
-            </a:r>
-            <a:r>
-              <a:rPr lang="en-GB" altLang="fr-FR" dirty="0"/>
-              <a:t> </a:t>
-            </a:r>
-            <a:r>
-              <a:rPr lang="en-GB" altLang="fr-FR" dirty="0" err="1"/>
-              <a:t>n’ont</a:t>
-            </a:r>
-            <a:r>
-              <a:rPr lang="en-GB" altLang="fr-FR" dirty="0"/>
-              <a:t> pas </a:t>
-            </a:r>
-            <a:r>
-              <a:rPr lang="en-GB" altLang="fr-FR" dirty="0" err="1"/>
-              <a:t>nécessairement</a:t>
-            </a:r>
-            <a:r>
-              <a:rPr lang="en-GB" altLang="fr-FR" dirty="0"/>
-              <a:t> le </a:t>
-            </a:r>
-            <a:r>
-              <a:rPr lang="en-GB" altLang="fr-FR" dirty="0" err="1"/>
-              <a:t>même</a:t>
-            </a:r>
-            <a:r>
-              <a:rPr lang="en-GB" altLang="fr-FR" dirty="0"/>
-              <a:t> </a:t>
-            </a:r>
-            <a:r>
-              <a:rPr lang="en-GB" altLang="fr-FR" dirty="0" smtClean="0"/>
-              <a:t>type</a:t>
-            </a:r>
-          </a:p>
-          <a:p>
-            <a:pPr lvl="1" eaLnBrk="1" hangingPunct="1">
-              <a:lnSpc>
-                <a:spcPct val="90000"/>
-              </a:lnSpc>
-            </a:pPr>
-            <a:r>
-              <a:rPr lang="en-GB" altLang="fr-FR" dirty="0" err="1" smtClean="0"/>
-              <a:t>Voici</a:t>
-            </a:r>
-            <a:r>
-              <a:rPr lang="en-GB" altLang="fr-FR" dirty="0" smtClean="0"/>
-              <a:t> </a:t>
-            </a:r>
-            <a:r>
-              <a:rPr lang="en-GB" altLang="fr-FR" dirty="0" err="1"/>
-              <a:t>une</a:t>
-            </a:r>
-            <a:r>
-              <a:rPr lang="en-GB" altLang="fr-FR" dirty="0"/>
-              <a:t> </a:t>
-            </a:r>
-            <a:r>
-              <a:rPr lang="en-GB" altLang="fr-FR" dirty="0" err="1"/>
-              <a:t>liste</a:t>
-            </a:r>
-            <a:r>
-              <a:rPr lang="en-GB" altLang="fr-FR" dirty="0"/>
-              <a:t> de 4 </a:t>
-            </a:r>
-            <a:r>
-              <a:rPr lang="en-GB" altLang="fr-FR" dirty="0" err="1" smtClean="0"/>
-              <a:t>éléments</a:t>
-            </a:r>
-            <a:endParaRPr lang="en-GB" altLang="fr-FR" dirty="0"/>
-          </a:p>
-          <a:p>
-            <a:pPr lvl="1" eaLnBrk="1" hangingPunct="1">
-              <a:lnSpc>
-                <a:spcPct val="90000"/>
-              </a:lnSpc>
-            </a:pPr>
-            <a:r>
-              <a:rPr lang="en-GB" altLang="fr-FR" dirty="0" smtClean="0"/>
-              <a:t>&gt;&gt;&gt;</a:t>
-            </a:r>
-            <a:r>
-              <a:rPr lang="en-GB" altLang="fr-FR" dirty="0"/>
-              <a:t>a = [‘spam’, ‘eggs’,100,1234]				  </a:t>
-            </a:r>
-          </a:p>
-          <a:p>
-            <a:pPr eaLnBrk="1" hangingPunct="1">
-              <a:lnSpc>
-                <a:spcPct val="90000"/>
-              </a:lnSpc>
-            </a:pPr>
-            <a:r>
-              <a:rPr lang="en-GB" altLang="fr-FR" dirty="0" err="1"/>
-              <a:t>Comme</a:t>
-            </a:r>
-            <a:r>
-              <a:rPr lang="en-GB" altLang="fr-FR" dirty="0"/>
-              <a:t> les indices des </a:t>
-            </a:r>
-            <a:r>
-              <a:rPr lang="en-GB" altLang="fr-FR" dirty="0" err="1"/>
-              <a:t>chaînes</a:t>
-            </a:r>
-            <a:r>
-              <a:rPr lang="en-GB" altLang="fr-FR" dirty="0"/>
-              <a:t>, les indices des </a:t>
-            </a:r>
-            <a:r>
-              <a:rPr lang="en-GB" altLang="fr-FR" dirty="0" err="1"/>
-              <a:t>listes</a:t>
-            </a:r>
-            <a:r>
-              <a:rPr lang="en-GB" altLang="fr-FR" dirty="0"/>
-              <a:t> </a:t>
-            </a:r>
-            <a:r>
-              <a:rPr lang="en-GB" altLang="fr-FR" dirty="0" err="1"/>
-              <a:t>commencent</a:t>
-            </a:r>
-            <a:r>
-              <a:rPr lang="en-GB" altLang="fr-FR" dirty="0"/>
-              <a:t> à 0, et les </a:t>
-            </a:r>
-            <a:r>
-              <a:rPr lang="en-GB" altLang="fr-FR" dirty="0" err="1"/>
-              <a:t>listes</a:t>
-            </a:r>
-            <a:r>
-              <a:rPr lang="en-GB" altLang="fr-FR" dirty="0"/>
-              <a:t> </a:t>
-            </a:r>
-            <a:r>
-              <a:rPr lang="en-GB" altLang="fr-FR" dirty="0" err="1"/>
-              <a:t>peuvent</a:t>
-            </a:r>
-            <a:r>
-              <a:rPr lang="en-GB" altLang="fr-FR" dirty="0"/>
-              <a:t> </a:t>
-            </a:r>
-            <a:r>
-              <a:rPr lang="en-GB" altLang="fr-FR" dirty="0" err="1"/>
-              <a:t>étre</a:t>
-            </a:r>
-            <a:r>
-              <a:rPr lang="en-GB" altLang="fr-FR" dirty="0"/>
-              <a:t> </a:t>
-            </a:r>
-            <a:r>
-              <a:rPr lang="en-GB" altLang="fr-FR" dirty="0" err="1"/>
-              <a:t>découpées</a:t>
-            </a:r>
-            <a:r>
-              <a:rPr lang="en-GB" altLang="fr-FR" dirty="0"/>
-              <a:t>, </a:t>
-            </a:r>
-            <a:r>
-              <a:rPr lang="en-GB" altLang="fr-FR" dirty="0" err="1" smtClean="0"/>
-              <a:t>concaténées</a:t>
-            </a:r>
-            <a:endParaRPr lang="en-GB" altLang="fr-FR" dirty="0" smtClean="0"/>
-          </a:p>
-          <a:p>
-            <a:pPr eaLnBrk="1" hangingPunct="1">
-              <a:lnSpc>
-                <a:spcPct val="90000"/>
-              </a:lnSpc>
-            </a:pPr>
-            <a:r>
-              <a:rPr lang="en-GB" altLang="fr-FR" dirty="0" smtClean="0"/>
-              <a:t>Les </a:t>
-            </a:r>
-            <a:r>
-              <a:rPr lang="en-GB" altLang="fr-FR" dirty="0" err="1"/>
-              <a:t>listes</a:t>
-            </a:r>
-            <a:r>
-              <a:rPr lang="en-GB" altLang="fr-FR" dirty="0"/>
-              <a:t> </a:t>
-            </a:r>
-            <a:r>
-              <a:rPr lang="en-GB" altLang="fr-FR" dirty="0" err="1"/>
-              <a:t>sont</a:t>
-            </a:r>
-            <a:r>
-              <a:rPr lang="en-GB" altLang="fr-FR" b="1" dirty="0"/>
-              <a:t> </a:t>
-            </a:r>
-            <a:r>
-              <a:rPr lang="en-GB" altLang="fr-FR" b="1" dirty="0" err="1"/>
-              <a:t>modifiables</a:t>
-            </a:r>
-            <a:r>
-              <a:rPr lang="en-GB" altLang="fr-FR" dirty="0" err="1"/>
-              <a:t>,on</a:t>
-            </a:r>
-            <a:r>
-              <a:rPr lang="en-GB" altLang="fr-FR" dirty="0"/>
-              <a:t> </a:t>
-            </a:r>
-            <a:r>
-              <a:rPr lang="en-GB" altLang="fr-FR" dirty="0" err="1"/>
-              <a:t>peut</a:t>
-            </a:r>
-            <a:r>
-              <a:rPr lang="en-GB" altLang="fr-FR" dirty="0"/>
-              <a:t> </a:t>
-            </a:r>
-            <a:r>
-              <a:rPr lang="en-GB" altLang="fr-FR" dirty="0" err="1"/>
-              <a:t>donc</a:t>
-            </a:r>
-            <a:r>
-              <a:rPr lang="en-GB" altLang="fr-FR" dirty="0"/>
-              <a:t> changer les </a:t>
-            </a:r>
-            <a:r>
-              <a:rPr lang="en-GB" altLang="fr-FR" dirty="0" err="1"/>
-              <a:t>éléments</a:t>
-            </a:r>
-            <a:r>
-              <a:rPr lang="en-GB" altLang="fr-FR" dirty="0"/>
-              <a:t> </a:t>
-            </a:r>
-            <a:r>
-              <a:rPr lang="en-GB" altLang="fr-FR" dirty="0" err="1" smtClean="0"/>
-              <a:t>individuellement</a:t>
-            </a:r>
-            <a:endParaRPr lang="fr-FR" dirty="0"/>
-          </a:p>
-        </p:txBody>
-      </p:sp>
-    </p:spTree>
-    <p:extLst>
-      <p:ext uri="{BB962C8B-B14F-4D97-AF65-F5344CB8AC3E}">
-        <p14:creationId xmlns:p14="http://schemas.microsoft.com/office/powerpoint/2010/main" val="3468902127"/>
-      </p:ext>
-    </p:extLst>
-  </p:cSld>
-  <p:clrMapOvr>
-    <a:masterClrMapping/>
-  </p:clrMapOvr>
-  <p:timing>
-    <p:tnLst>
-      <p:par>
-        <p:cTn id="1" dur="indefinite" restart="never" nodeType="tmRoot"/>
-      </p:par>
-    </p:tnLst>
-  </p:timing>
-</p:sld>
-</file>
-
-<file path=ppt/slides/slide18.xml><?xml version="1.0" encoding="utf-8"?>
-<p:sld xmlns:a="http://schemas.openxmlformats.org/drawingml/2006/main" xmlns:r="http://schemas.openxmlformats.org/officeDocument/2006/relationships" xmlns:p="http://schemas.openxmlformats.org/presentationml/2006/main">
-  <p:cSld>
-    <p:spTree>
-      <p:nvGrpSpPr>
-        <p:cNvPr id="1" name=""/>
-        <p:cNvGrpSpPr/>
-        <p:nvPr/>
-      </p:nvGrpSpPr>
-      <p:grpSpPr>
-        <a:xfrm>
-          <a:off x="0" y="0"/>
-          <a:ext cx="0" cy="0"/>
-          <a:chOff x="0" y="0"/>
-          <a:chExt cx="0" cy="0"/>
-        </a:xfrm>
-      </p:grpSpPr>
-      <p:sp>
-        <p:nvSpPr>
-          <p:cNvPr id="2" name="Titre 1"/>
-          <p:cNvSpPr>
-            <a:spLocks noGrp="1"/>
-          </p:cNvSpPr>
-          <p:nvPr>
-            <p:ph type="title"/>
-          </p:nvPr>
-        </p:nvSpPr>
-        <p:spPr/>
-        <p:txBody>
-          <a:bodyPr/>
-          <a:lstStyle/>
-          <a:p>
-            <a:r>
-              <a:rPr lang="fr-FR" dirty="0" smtClean="0"/>
               <a:t>Opérations de liste</a:t>
             </a:r>
-            <a:endParaRPr lang="fr-FR" dirty="0"/>
           </a:p>
         </p:txBody>
       </p:sp>
@@ -5588,7 +4830,7 @@
 </p:sld>
 </file>
 
-<file path=ppt/slides/slide19.xml><?xml version="1.0" encoding="utf-8"?>
+<file path=ppt/slides/slide15.xml><?xml version="1.0" encoding="utf-8"?>
 <p:sld xmlns:a="http://schemas.openxmlformats.org/drawingml/2006/main" xmlns:r="http://schemas.openxmlformats.org/officeDocument/2006/relationships" xmlns:p="http://schemas.openxmlformats.org/presentationml/2006/main">
   <p:cSld>
     <p:spTree>
@@ -5621,10 +4863,9 @@
           <a:lstStyle/>
           <a:p>
             <a:r>
-              <a:rPr lang="fr-FR" dirty="0" smtClean="0"/>
+              <a:rPr lang="fr-FR" dirty="0"/>
               <a:t>Exemples</a:t>
             </a:r>
-            <a:endParaRPr lang="fr-FR" dirty="0"/>
           </a:p>
         </p:txBody>
       </p:sp>
@@ -5827,7 +5068,7 @@
               </a:spcBef>
             </a:pPr>
             <a:r>
-              <a:rPr lang="en-GB" altLang="fr-FR" sz="1800" kern="0" dirty="0" smtClean="0">
+              <a:rPr lang="en-GB" altLang="fr-FR" sz="1800" kern="0" dirty="0">
                 <a:solidFill>
                   <a:schemeClr val="accent2"/>
                 </a:solidFill>
@@ -5845,7 +5086,7 @@
               </a:spcBef>
             </a:pPr>
             <a:r>
-              <a:rPr lang="en-GB" altLang="fr-FR" sz="1800" kern="0" dirty="0" smtClean="0">
+              <a:rPr lang="en-GB" altLang="fr-FR" sz="1800" kern="0" dirty="0">
                 <a:solidFill>
                   <a:schemeClr val="accent2"/>
                 </a:solidFill>
@@ -5863,7 +5104,7 @@
               </a:spcBef>
             </a:pPr>
             <a:r>
-              <a:rPr lang="en-GB" altLang="fr-FR" sz="1800" kern="0" dirty="0" smtClean="0">
+              <a:rPr lang="en-GB" altLang="fr-FR" sz="1800" kern="0" dirty="0">
                 <a:solidFill>
                   <a:schemeClr val="accent2"/>
                 </a:solidFill>
@@ -5881,7 +5122,7 @@
               </a:spcBef>
             </a:pPr>
             <a:r>
-              <a:rPr lang="en-GB" altLang="fr-FR" sz="1800" kern="0" dirty="0" smtClean="0">
+              <a:rPr lang="en-GB" altLang="fr-FR" sz="1800" kern="0" dirty="0">
                 <a:solidFill>
                   <a:schemeClr val="accent2"/>
                 </a:solidFill>
@@ -5899,7 +5140,7 @@
               </a:spcBef>
             </a:pPr>
             <a:r>
-              <a:rPr lang="en-GB" altLang="fr-FR" sz="1800" kern="0" dirty="0" smtClean="0">
+              <a:rPr lang="en-GB" altLang="fr-FR" sz="1800" kern="0" dirty="0">
                 <a:solidFill>
                   <a:schemeClr val="accent2"/>
                 </a:solidFill>
@@ -5917,7 +5158,7 @@
               </a:spcBef>
             </a:pPr>
             <a:r>
-              <a:rPr lang="en-GB" altLang="fr-FR" sz="1800" kern="0" dirty="0" smtClean="0">
+              <a:rPr lang="en-GB" altLang="fr-FR" sz="1800" kern="0" dirty="0">
                 <a:solidFill>
                   <a:schemeClr val="accent2"/>
                 </a:solidFill>
@@ -5935,7 +5176,7 @@
               </a:spcBef>
             </a:pPr>
             <a:r>
-              <a:rPr lang="en-GB" altLang="fr-FR" sz="1800" kern="0" dirty="0" smtClean="0">
+              <a:rPr lang="en-GB" altLang="fr-FR" sz="1800" kern="0" dirty="0">
                 <a:solidFill>
                   <a:schemeClr val="accent2"/>
                 </a:solidFill>
@@ -5953,7 +5194,7 @@
               </a:spcBef>
             </a:pPr>
             <a:r>
-              <a:rPr lang="en-GB" altLang="fr-FR" sz="1800" kern="0" dirty="0" smtClean="0">
+              <a:rPr lang="en-GB" altLang="fr-FR" sz="1800" kern="0" dirty="0">
                 <a:solidFill>
                   <a:schemeClr val="accent2"/>
                 </a:solidFill>
@@ -5971,7 +5212,7 @@
               </a:spcBef>
             </a:pPr>
             <a:r>
-              <a:rPr lang="en-GB" altLang="fr-FR" sz="1800" kern="0" dirty="0" smtClean="0">
+              <a:rPr lang="en-GB" altLang="fr-FR" sz="1800" kern="0" dirty="0">
                 <a:solidFill>
                   <a:schemeClr val="accent2"/>
                 </a:solidFill>
@@ -5989,7 +5230,7 @@
               </a:spcBef>
             </a:pPr>
             <a:r>
-              <a:rPr lang="en-GB" altLang="fr-FR" sz="1800" kern="0" dirty="0" smtClean="0">
+              <a:rPr lang="en-GB" altLang="fr-FR" sz="1800" kern="0" dirty="0">
                 <a:solidFill>
                   <a:schemeClr val="accent2"/>
                 </a:solidFill>
@@ -6007,7 +5248,7 @@
               </a:spcBef>
             </a:pPr>
             <a:r>
-              <a:rPr lang="en-GB" altLang="fr-FR" sz="1800" kern="0" dirty="0" smtClean="0">
+              <a:rPr lang="en-GB" altLang="fr-FR" sz="1800" kern="0" dirty="0">
                 <a:solidFill>
                   <a:schemeClr val="accent2"/>
                 </a:solidFill>
@@ -6025,7 +5266,7 @@
               </a:spcBef>
             </a:pPr>
             <a:r>
-              <a:rPr lang="en-GB" altLang="fr-FR" sz="1800" kern="0" dirty="0" smtClean="0">
+              <a:rPr lang="en-GB" altLang="fr-FR" sz="1800" kern="0" dirty="0">
                 <a:solidFill>
                   <a:schemeClr val="accent2"/>
                 </a:solidFill>
@@ -6043,7 +5284,7 @@
               </a:spcBef>
             </a:pPr>
             <a:r>
-              <a:rPr lang="en-GB" altLang="fr-FR" sz="1800" kern="0" dirty="0" smtClean="0">
+              <a:rPr lang="en-GB" altLang="fr-FR" sz="1800" kern="0" dirty="0">
                 <a:solidFill>
                   <a:schemeClr val="accent2"/>
                 </a:solidFill>
@@ -6061,7 +5302,7 @@
               </a:spcBef>
             </a:pPr>
             <a:r>
-              <a:rPr lang="en-GB" altLang="fr-FR" sz="1800" kern="0" dirty="0" smtClean="0">
+              <a:rPr lang="en-GB" altLang="fr-FR" sz="1800" kern="0" dirty="0">
                 <a:solidFill>
                   <a:schemeClr val="accent2"/>
                 </a:solidFill>
@@ -6069,7 +5310,7 @@
               <a:t>&gt;&gt;&gt; 3*a[:3] + ['</a:t>
             </a:r>
             <a:r>
-              <a:rPr lang="en-GB" altLang="fr-FR" sz="1800" kern="0" dirty="0" err="1" smtClean="0">
+              <a:rPr lang="en-GB" altLang="fr-FR" sz="1800" kern="0" dirty="0" err="1">
                 <a:solidFill>
                   <a:schemeClr val="accent2"/>
                 </a:solidFill>
@@ -6077,7 +5318,7 @@
               <a:t>Boe</a:t>
             </a:r>
             <a:r>
-              <a:rPr lang="en-GB" altLang="fr-FR" sz="1800" kern="0" dirty="0" smtClean="0">
+              <a:rPr lang="en-GB" altLang="fr-FR" sz="1800" kern="0" dirty="0">
                 <a:solidFill>
                   <a:schemeClr val="accent2"/>
                 </a:solidFill>
@@ -6095,7 +5336,7 @@
               </a:spcBef>
             </a:pPr>
             <a:r>
-              <a:rPr lang="en-GB" altLang="fr-FR" sz="1800" kern="0" dirty="0" smtClean="0">
+              <a:rPr lang="en-GB" altLang="fr-FR" sz="1800" kern="0" dirty="0">
                 <a:solidFill>
                   <a:schemeClr val="accent2"/>
                 </a:solidFill>
@@ -6103,7 +5344,7 @@
               <a:t>['spam', 'eggs', 100, 'spam', 'eggs', 100, 'spam', 'eggs', 100, '</a:t>
             </a:r>
             <a:r>
-              <a:rPr lang="en-GB" altLang="fr-FR" sz="1800" kern="0" dirty="0" err="1" smtClean="0">
+              <a:rPr lang="en-GB" altLang="fr-FR" sz="1800" kern="0" dirty="0" err="1">
                 <a:solidFill>
                   <a:schemeClr val="accent2"/>
                 </a:solidFill>
@@ -6111,7 +5352,7 @@
               <a:t>Boe</a:t>
             </a:r>
             <a:r>
-              <a:rPr lang="en-GB" altLang="fr-FR" sz="1800" kern="0" dirty="0" smtClean="0">
+              <a:rPr lang="en-GB" altLang="fr-FR" sz="1800" kern="0" dirty="0">
                 <a:solidFill>
                   <a:schemeClr val="accent2"/>
                 </a:solidFill>
@@ -6125,7 +5366,7 @@
                 <a:spcPct val="90000"/>
               </a:lnSpc>
             </a:pPr>
-            <a:endParaRPr lang="en-GB" altLang="fr-FR" sz="1800" kern="0" dirty="0" smtClean="0">
+            <a:endParaRPr lang="en-GB" altLang="fr-FR" sz="1800" kern="0" dirty="0">
               <a:solidFill>
                 <a:schemeClr val="accent2"/>
               </a:solidFill>
@@ -6845,7 +6086,7 @@
 </p:sld>
 </file>
 
-<file path=ppt/slides/slide2.xml><?xml version="1.0" encoding="utf-8"?>
+<file path=ppt/slides/slide16.xml><?xml version="1.0" encoding="utf-8"?>
 <p:sld xmlns:a="http://schemas.openxmlformats.org/drawingml/2006/main" xmlns:r="http://schemas.openxmlformats.org/officeDocument/2006/relationships" xmlns:p="http://schemas.openxmlformats.org/presentationml/2006/main">
   <p:cSld>
     <p:spTree>
@@ -6878,10 +6119,9 @@
           <a:lstStyle/>
           <a:p>
             <a:r>
-              <a:rPr lang="fr-FR" dirty="0" smtClean="0"/>
-              <a:t>Fonctions</a:t>
-            </a:r>
-            <a:endParaRPr lang="fr-FR" dirty="0"/>
+              <a:rPr lang="fr-FR" dirty="0"/>
+              <a:t>Méthodes de liste</a:t>
+            </a:r>
           </a:p>
         </p:txBody>
       </p:sp>
@@ -6900,169 +6140,497 @@
           <a:bodyPr/>
           <a:lstStyle/>
           <a:p>
-            <a:pPr eaLnBrk="1" hangingPunct="1"/>
-            <a:r>
-              <a:rPr lang="fr-BE" altLang="fr-FR" dirty="0"/>
-              <a:t>Outre les fonctions de bases de Python, il est possible d’en définir de nouvelles grâce à l’instruction « </a:t>
-            </a:r>
-            <a:r>
-              <a:rPr lang="fr-BE" altLang="fr-FR" dirty="0" err="1"/>
-              <a:t>def</a:t>
-            </a:r>
-            <a:r>
-              <a:rPr lang="fr-BE" altLang="fr-FR" dirty="0"/>
-              <a:t> </a:t>
-            </a:r>
-            <a:r>
-              <a:rPr lang="fr-BE" altLang="fr-FR" dirty="0" smtClean="0"/>
-              <a:t>».</a:t>
-            </a:r>
-            <a:endParaRPr lang="fr-BE" altLang="fr-FR" dirty="0"/>
-          </a:p>
-          <a:p>
-            <a:pPr marL="0" indent="0" eaLnBrk="1" hangingPunct="1">
-              <a:buNone/>
+            <a:pPr eaLnBrk="1" hangingPunct="1">
+              <a:lnSpc>
+                <a:spcPct val="90000"/>
+              </a:lnSpc>
             </a:pPr>
             <a:r>
-              <a:rPr lang="fr-BE" altLang="fr-FR" dirty="0"/>
-              <a:t>        </a:t>
-            </a:r>
-            <a:r>
-              <a:rPr lang="fr-BE" altLang="fr-FR" dirty="0" err="1" smtClean="0">
-                <a:solidFill>
-                  <a:schemeClr val="accent2"/>
-                </a:solidFill>
-              </a:rPr>
-              <a:t>def</a:t>
-            </a:r>
-            <a:r>
-              <a:rPr lang="fr-BE" altLang="fr-FR" dirty="0" smtClean="0">
-                <a:solidFill>
-                  <a:schemeClr val="accent2"/>
-                </a:solidFill>
-              </a:rPr>
+              <a:rPr lang="en-GB" altLang="fr-FR" sz="1800" b="1" dirty="0"/>
+              <a:t>insert(</a:t>
+            </a:r>
+            <a:r>
+              <a:rPr lang="en-GB" altLang="fr-FR" sz="1800" b="1" dirty="0" err="1"/>
+              <a:t>i</a:t>
+            </a:r>
+            <a:r>
+              <a:rPr lang="en-GB" altLang="fr-FR" sz="1800" b="1" dirty="0"/>
+              <a:t>, x)</a:t>
+            </a:r>
+            <a:r>
+              <a:rPr lang="en-GB" altLang="fr-FR" sz="1800" dirty="0"/>
               <a:t> </a:t>
             </a:r>
-            <a:r>
-              <a:rPr lang="fr-BE" altLang="fr-FR" dirty="0" err="1">
-                <a:solidFill>
-                  <a:schemeClr val="accent2"/>
-                </a:solidFill>
-              </a:rPr>
-              <a:t>nom_fct</a:t>
-            </a:r>
-            <a:r>
-              <a:rPr lang="fr-BE" altLang="fr-FR" dirty="0">
-                <a:solidFill>
-                  <a:schemeClr val="accent2"/>
-                </a:solidFill>
-              </a:rPr>
-              <a:t> (arg1,arg2,…,</a:t>
-            </a:r>
-            <a:r>
-              <a:rPr lang="fr-BE" altLang="fr-FR" dirty="0" err="1">
-                <a:solidFill>
-                  <a:schemeClr val="accent2"/>
-                </a:solidFill>
-              </a:rPr>
-              <a:t>argn</a:t>
-            </a:r>
-            <a:r>
-              <a:rPr lang="fr-BE" altLang="fr-FR" dirty="0">
-                <a:solidFill>
-                  <a:schemeClr val="accent2"/>
-                </a:solidFill>
-              </a:rPr>
-              <a:t>):</a:t>
-            </a:r>
-          </a:p>
-          <a:p>
-            <a:pPr marL="0" indent="0" eaLnBrk="1" hangingPunct="1">
-              <a:buNone/>
+          </a:p>
+          <a:p>
+            <a:pPr lvl="1" eaLnBrk="1" hangingPunct="1">
+              <a:lnSpc>
+                <a:spcPct val="90000"/>
+              </a:lnSpc>
             </a:pPr>
             <a:r>
-              <a:rPr lang="fr-BE" altLang="fr-FR" dirty="0">
-                <a:solidFill>
-                  <a:schemeClr val="accent2"/>
-                </a:solidFill>
-              </a:rPr>
-              <a:t>                           &lt;instruction&gt;</a:t>
-            </a:r>
-          </a:p>
-          <a:p>
-            <a:pPr marL="0" indent="0" eaLnBrk="1" hangingPunct="1">
-              <a:buNone/>
+              <a:rPr lang="en-GB" altLang="fr-FR" sz="1800" dirty="0" err="1"/>
+              <a:t>Insère</a:t>
+            </a:r>
+            <a:r>
+              <a:rPr lang="en-GB" altLang="fr-FR" sz="1800" dirty="0"/>
+              <a:t> un </a:t>
+            </a:r>
+            <a:r>
+              <a:rPr lang="en-GB" altLang="fr-FR" sz="1800" dirty="0" err="1"/>
+              <a:t>élément</a:t>
+            </a:r>
+            <a:r>
+              <a:rPr lang="en-GB" altLang="fr-FR" sz="1800" dirty="0"/>
+              <a:t> à </a:t>
+            </a:r>
+            <a:r>
+              <a:rPr lang="en-GB" altLang="fr-FR" sz="1800" dirty="0" err="1"/>
+              <a:t>une</a:t>
+            </a:r>
+            <a:r>
+              <a:rPr lang="en-GB" altLang="fr-FR" sz="1800" dirty="0"/>
+              <a:t> position </a:t>
+            </a:r>
+            <a:r>
+              <a:rPr lang="en-GB" altLang="fr-FR" sz="1800" dirty="0" err="1"/>
+              <a:t>donnée</a:t>
+            </a:r>
+            <a:r>
+              <a:rPr lang="en-GB" altLang="fr-FR" sz="1800" dirty="0"/>
+              <a:t>. Le premier argument </a:t>
+            </a:r>
+            <a:r>
+              <a:rPr lang="en-GB" altLang="fr-FR" sz="1800" dirty="0" err="1"/>
+              <a:t>est</a:t>
+            </a:r>
+            <a:r>
+              <a:rPr lang="en-GB" altLang="fr-FR" sz="1800" dirty="0"/>
+              <a:t> </a:t>
+            </a:r>
+            <a:r>
+              <a:rPr lang="en-GB" altLang="fr-FR" sz="1800" dirty="0" err="1"/>
+              <a:t>l'indice</a:t>
+            </a:r>
+            <a:r>
+              <a:rPr lang="en-GB" altLang="fr-FR" sz="1800" dirty="0"/>
+              <a:t> de </a:t>
+            </a:r>
+            <a:r>
+              <a:rPr lang="en-GB" altLang="fr-FR" sz="1800" dirty="0" err="1"/>
+              <a:t>l'élément</a:t>
+            </a:r>
+            <a:r>
+              <a:rPr lang="en-GB" altLang="fr-FR" sz="1800" dirty="0"/>
+              <a:t> </a:t>
+            </a:r>
+            <a:r>
+              <a:rPr lang="en-GB" altLang="fr-FR" sz="1800" dirty="0" err="1"/>
+              <a:t>avant</a:t>
+            </a:r>
+            <a:r>
+              <a:rPr lang="en-GB" altLang="fr-FR" sz="1800" dirty="0"/>
+              <a:t> </a:t>
+            </a:r>
+            <a:r>
+              <a:rPr lang="en-GB" altLang="fr-FR" sz="1800" dirty="0" err="1"/>
+              <a:t>lequel</a:t>
+            </a:r>
+            <a:r>
+              <a:rPr lang="en-GB" altLang="fr-FR" sz="1800" dirty="0"/>
+              <a:t> </a:t>
+            </a:r>
+            <a:r>
+              <a:rPr lang="en-GB" altLang="fr-FR" sz="1800" dirty="0" err="1"/>
+              <a:t>il</a:t>
+            </a:r>
+            <a:r>
+              <a:rPr lang="en-GB" altLang="fr-FR" sz="1800" dirty="0"/>
+              <a:t> </a:t>
+            </a:r>
+            <a:r>
+              <a:rPr lang="en-GB" altLang="fr-FR" sz="1800" dirty="0" err="1"/>
+              <a:t>faut</a:t>
+            </a:r>
+            <a:r>
+              <a:rPr lang="en-GB" altLang="fr-FR" sz="1800" dirty="0"/>
+              <a:t> </a:t>
+            </a:r>
+            <a:r>
+              <a:rPr lang="en-GB" altLang="fr-FR" sz="1800" dirty="0" err="1"/>
+              <a:t>insérer</a:t>
+            </a:r>
+            <a:r>
+              <a:rPr lang="en-GB" altLang="fr-FR" sz="1800" dirty="0"/>
+              <a:t>, </a:t>
+            </a:r>
+            <a:r>
+              <a:rPr lang="en-GB" altLang="fr-FR" sz="1800" dirty="0" err="1"/>
+              <a:t>donc</a:t>
+            </a:r>
+            <a:r>
+              <a:rPr lang="en-GB" altLang="fr-FR" sz="1800" dirty="0"/>
+              <a:t> </a:t>
+            </a:r>
+            <a:r>
+              <a:rPr lang="en-GB" altLang="fr-FR" sz="1800" dirty="0" err="1"/>
+              <a:t>a.insert</a:t>
+            </a:r>
+            <a:r>
+              <a:rPr lang="en-GB" altLang="fr-FR" sz="1800" dirty="0"/>
+              <a:t>(0, x) </a:t>
+            </a:r>
+            <a:r>
+              <a:rPr lang="en-GB" altLang="fr-FR" sz="1800" dirty="0" err="1"/>
+              <a:t>insère</a:t>
+            </a:r>
+            <a:r>
+              <a:rPr lang="en-GB" altLang="fr-FR" sz="1800" dirty="0"/>
+              <a:t> au début de la </a:t>
+            </a:r>
+            <a:r>
+              <a:rPr lang="en-GB" altLang="fr-FR" sz="1800" dirty="0" err="1"/>
+              <a:t>liste</a:t>
+            </a:r>
+            <a:r>
+              <a:rPr lang="en-GB" altLang="fr-FR" sz="1800" dirty="0"/>
+              <a:t>, et </a:t>
+            </a:r>
+            <a:r>
+              <a:rPr lang="en-GB" altLang="fr-FR" sz="1800" dirty="0" err="1"/>
+              <a:t>a.insert</a:t>
+            </a:r>
+            <a:r>
+              <a:rPr lang="en-GB" altLang="fr-FR" sz="1800" dirty="0"/>
+              <a:t>(</a:t>
+            </a:r>
+            <a:r>
+              <a:rPr lang="en-GB" altLang="fr-FR" sz="1800" dirty="0" err="1"/>
+              <a:t>len</a:t>
+            </a:r>
+            <a:r>
+              <a:rPr lang="en-GB" altLang="fr-FR" sz="1800" dirty="0"/>
+              <a:t>(a), x) </a:t>
+            </a:r>
+            <a:r>
+              <a:rPr lang="en-GB" altLang="fr-FR" sz="1800" dirty="0" err="1"/>
+              <a:t>est</a:t>
+            </a:r>
+            <a:r>
+              <a:rPr lang="en-GB" altLang="fr-FR" sz="1800" dirty="0"/>
+              <a:t> </a:t>
+            </a:r>
+            <a:r>
+              <a:rPr lang="en-GB" altLang="fr-FR" sz="1800" dirty="0" err="1"/>
+              <a:t>équivalent</a:t>
+            </a:r>
+            <a:r>
+              <a:rPr lang="en-GB" altLang="fr-FR" sz="1800" dirty="0"/>
+              <a:t> à </a:t>
+            </a:r>
+            <a:r>
+              <a:rPr lang="en-GB" altLang="fr-FR" sz="1800" dirty="0" err="1"/>
+              <a:t>a.append</a:t>
+            </a:r>
+            <a:r>
+              <a:rPr lang="en-GB" altLang="fr-FR" sz="1800" dirty="0"/>
+              <a:t>(x). </a:t>
+            </a:r>
+          </a:p>
+          <a:p>
+            <a:pPr eaLnBrk="1" hangingPunct="1">
+              <a:lnSpc>
+                <a:spcPct val="90000"/>
+              </a:lnSpc>
             </a:pPr>
             <a:r>
-              <a:rPr lang="fr-BE" altLang="fr-FR" dirty="0">
-                <a:solidFill>
-                  <a:schemeClr val="accent2"/>
-                </a:solidFill>
-              </a:rPr>
-              <a:t>                            return &lt;valeur</a:t>
-            </a:r>
-            <a:r>
-              <a:rPr lang="fr-BE" altLang="fr-FR" dirty="0" smtClean="0">
-                <a:solidFill>
-                  <a:schemeClr val="accent2"/>
-                </a:solidFill>
-              </a:rPr>
-              <a:t>&gt;</a:t>
-            </a:r>
-          </a:p>
-          <a:p>
-            <a:pPr eaLnBrk="1" hangingPunct="1"/>
-            <a:r>
-              <a:rPr lang="fr-BE" altLang="fr-FR" dirty="0" smtClean="0"/>
-              <a:t>La surcharge est </a:t>
-            </a:r>
-            <a:r>
-              <a:rPr lang="fr-BE" altLang="fr-FR" smtClean="0"/>
-              <a:t>autorisée en Python 3</a:t>
-            </a:r>
-            <a:endParaRPr lang="fr-BE" altLang="fr-FR" dirty="0">
-              <a:solidFill>
-                <a:schemeClr val="accent2"/>
-              </a:solidFill>
-            </a:endParaRPr>
-          </a:p>
-          <a:p>
-            <a:pPr eaLnBrk="1" hangingPunct="1"/>
-            <a:endParaRPr lang="fr-BE" altLang="fr-FR" dirty="0">
-              <a:solidFill>
-                <a:schemeClr val="accent2"/>
-              </a:solidFill>
-            </a:endParaRPr>
-          </a:p>
-          <a:p>
-            <a:pPr marL="0" indent="0">
-              <a:buNone/>
+              <a:rPr lang="en-GB" altLang="fr-FR" sz="1800" b="1" dirty="0"/>
+              <a:t>append(x)</a:t>
+            </a:r>
+            <a:r>
+              <a:rPr lang="en-GB" altLang="fr-FR" sz="1800" dirty="0"/>
+              <a:t> </a:t>
+            </a:r>
+          </a:p>
+          <a:p>
+            <a:pPr lvl="1" eaLnBrk="1" hangingPunct="1">
+              <a:lnSpc>
+                <a:spcPct val="90000"/>
+              </a:lnSpc>
             </a:pPr>
-            <a:endParaRPr lang="fr-FR" dirty="0"/>
+            <a:r>
+              <a:rPr lang="en-GB" altLang="fr-FR" sz="1800" dirty="0"/>
+              <a:t>Equivalent à </a:t>
+            </a:r>
+            <a:r>
+              <a:rPr lang="en-GB" altLang="fr-FR" sz="1800" dirty="0" err="1"/>
+              <a:t>a.insert</a:t>
+            </a:r>
+            <a:r>
+              <a:rPr lang="en-GB" altLang="fr-FR" sz="1800" dirty="0"/>
+              <a:t>(</a:t>
+            </a:r>
+            <a:r>
+              <a:rPr lang="en-GB" altLang="fr-FR" sz="1800" dirty="0" err="1"/>
+              <a:t>len</a:t>
+            </a:r>
+            <a:r>
+              <a:rPr lang="en-GB" altLang="fr-FR" sz="1800" dirty="0"/>
+              <a:t>(a), x). </a:t>
+            </a:r>
+          </a:p>
+          <a:p>
+            <a:pPr eaLnBrk="1" hangingPunct="1">
+              <a:lnSpc>
+                <a:spcPct val="90000"/>
+              </a:lnSpc>
+            </a:pPr>
+            <a:r>
+              <a:rPr lang="en-GB" altLang="fr-FR" sz="1800" b="1" dirty="0"/>
+              <a:t>index(x)</a:t>
+            </a:r>
+            <a:r>
+              <a:rPr lang="en-GB" altLang="fr-FR" sz="1800" dirty="0"/>
+              <a:t> </a:t>
+            </a:r>
+          </a:p>
+          <a:p>
+            <a:pPr lvl="1" eaLnBrk="1" hangingPunct="1">
+              <a:lnSpc>
+                <a:spcPct val="90000"/>
+              </a:lnSpc>
+            </a:pPr>
+            <a:r>
+              <a:rPr lang="en-GB" altLang="fr-FR" sz="1800" dirty="0" err="1"/>
+              <a:t>Retourne</a:t>
+            </a:r>
+            <a:r>
+              <a:rPr lang="en-GB" altLang="fr-FR" sz="1800" dirty="0"/>
+              <a:t> </a:t>
+            </a:r>
+            <a:r>
+              <a:rPr lang="en-GB" altLang="fr-FR" sz="1800" dirty="0" err="1"/>
+              <a:t>l'indice</a:t>
+            </a:r>
+            <a:r>
+              <a:rPr lang="en-GB" altLang="fr-FR" sz="1800" dirty="0"/>
+              <a:t> </a:t>
+            </a:r>
+            <a:r>
+              <a:rPr lang="en-GB" altLang="fr-FR" sz="1800" dirty="0" err="1"/>
+              <a:t>dans</a:t>
+            </a:r>
+            <a:r>
+              <a:rPr lang="en-GB" altLang="fr-FR" sz="1800" dirty="0"/>
+              <a:t> la </a:t>
+            </a:r>
+            <a:r>
+              <a:rPr lang="en-GB" altLang="fr-FR" sz="1800" dirty="0" err="1"/>
+              <a:t>liste</a:t>
+            </a:r>
+            <a:r>
+              <a:rPr lang="en-GB" altLang="fr-FR" sz="1800" dirty="0"/>
+              <a:t> du premier </a:t>
+            </a:r>
+            <a:r>
+              <a:rPr lang="en-GB" altLang="fr-FR" sz="1800" dirty="0" err="1"/>
+              <a:t>élément</a:t>
+            </a:r>
+            <a:r>
+              <a:rPr lang="en-GB" altLang="fr-FR" sz="1800" dirty="0"/>
+              <a:t> </a:t>
+            </a:r>
+            <a:r>
+              <a:rPr lang="en-GB" altLang="fr-FR" sz="1800" dirty="0" err="1"/>
+              <a:t>dont</a:t>
+            </a:r>
+            <a:r>
+              <a:rPr lang="en-GB" altLang="fr-FR" sz="1800" dirty="0"/>
+              <a:t>                              la </a:t>
+            </a:r>
+            <a:r>
+              <a:rPr lang="en-GB" altLang="fr-FR" sz="1800" dirty="0" err="1"/>
+              <a:t>valeur</a:t>
+            </a:r>
+            <a:r>
+              <a:rPr lang="en-GB" altLang="fr-FR" sz="1800" dirty="0"/>
+              <a:t> </a:t>
+            </a:r>
+            <a:r>
+              <a:rPr lang="en-GB" altLang="fr-FR" sz="1800" dirty="0" err="1"/>
+              <a:t>est</a:t>
+            </a:r>
+            <a:r>
+              <a:rPr lang="en-GB" altLang="fr-FR" sz="1800" dirty="0"/>
+              <a:t> x. Il y a </a:t>
+            </a:r>
+            <a:r>
+              <a:rPr lang="en-GB" altLang="fr-FR" sz="1800" dirty="0" err="1"/>
+              <a:t>erreur</a:t>
+            </a:r>
+            <a:r>
+              <a:rPr lang="en-GB" altLang="fr-FR" sz="1800" dirty="0"/>
+              <a:t> </a:t>
+            </a:r>
+            <a:r>
+              <a:rPr lang="en-GB" altLang="fr-FR" sz="1800" dirty="0" err="1"/>
+              <a:t>si</a:t>
+            </a:r>
+            <a:r>
+              <a:rPr lang="en-GB" altLang="fr-FR" sz="1800" dirty="0"/>
+              <a:t> </a:t>
+            </a:r>
+            <a:r>
+              <a:rPr lang="en-GB" altLang="fr-FR" sz="1800" dirty="0" err="1"/>
+              <a:t>cet</a:t>
+            </a:r>
+            <a:r>
+              <a:rPr lang="en-GB" altLang="fr-FR" sz="1800" dirty="0"/>
+              <a:t> </a:t>
+            </a:r>
+            <a:r>
+              <a:rPr lang="en-GB" altLang="fr-FR" sz="1800" dirty="0" err="1"/>
+              <a:t>élément</a:t>
+            </a:r>
+            <a:r>
+              <a:rPr lang="en-GB" altLang="fr-FR" sz="1800" dirty="0"/>
+              <a:t> </a:t>
+            </a:r>
+            <a:r>
+              <a:rPr lang="en-GB" altLang="fr-FR" sz="1800" dirty="0" err="1"/>
+              <a:t>n'existe</a:t>
+            </a:r>
+            <a:r>
+              <a:rPr lang="en-GB" altLang="fr-FR" sz="1800" dirty="0"/>
+              <a:t> pas. </a:t>
+            </a:r>
+          </a:p>
+          <a:p>
+            <a:pPr eaLnBrk="1" hangingPunct="1">
+              <a:lnSpc>
+                <a:spcPct val="90000"/>
+              </a:lnSpc>
+            </a:pPr>
+            <a:r>
+              <a:rPr lang="en-GB" altLang="fr-FR" sz="1800" b="1" dirty="0"/>
+              <a:t>remove(x)</a:t>
+            </a:r>
+            <a:r>
+              <a:rPr lang="en-GB" altLang="fr-FR" sz="1800" dirty="0"/>
+              <a:t> </a:t>
+            </a:r>
+          </a:p>
+          <a:p>
+            <a:pPr lvl="1" eaLnBrk="1" hangingPunct="1">
+              <a:lnSpc>
+                <a:spcPct val="90000"/>
+              </a:lnSpc>
+            </a:pPr>
+            <a:r>
+              <a:rPr lang="en-GB" altLang="fr-FR" sz="1800" dirty="0" err="1"/>
+              <a:t>Enlève</a:t>
+            </a:r>
+            <a:r>
+              <a:rPr lang="en-GB" altLang="fr-FR" sz="1800" dirty="0"/>
+              <a:t> le premier </a:t>
+            </a:r>
+            <a:r>
+              <a:rPr lang="en-GB" altLang="fr-FR" sz="1800" dirty="0" err="1"/>
+              <a:t>élément</a:t>
+            </a:r>
+            <a:r>
+              <a:rPr lang="en-GB" altLang="fr-FR" sz="1800" dirty="0"/>
+              <a:t> de la </a:t>
+            </a:r>
+            <a:r>
+              <a:rPr lang="en-GB" altLang="fr-FR" sz="1800" dirty="0" err="1"/>
+              <a:t>liste</a:t>
+            </a:r>
+            <a:r>
+              <a:rPr lang="en-GB" altLang="fr-FR" sz="1800" dirty="0"/>
+              <a:t> </a:t>
+            </a:r>
+            <a:r>
+              <a:rPr lang="en-GB" altLang="fr-FR" sz="1800" dirty="0" err="1"/>
+              <a:t>dont</a:t>
+            </a:r>
+            <a:r>
+              <a:rPr lang="en-GB" altLang="fr-FR" sz="1800" dirty="0"/>
+              <a:t> la </a:t>
+            </a:r>
+            <a:r>
+              <a:rPr lang="en-GB" altLang="fr-FR" sz="1800" dirty="0" err="1"/>
+              <a:t>valeur</a:t>
+            </a:r>
+            <a:r>
+              <a:rPr lang="en-GB" altLang="fr-FR" sz="1800" dirty="0"/>
+              <a:t> </a:t>
+            </a:r>
+            <a:r>
+              <a:rPr lang="en-GB" altLang="fr-FR" sz="1800" dirty="0" err="1"/>
+              <a:t>est</a:t>
+            </a:r>
+            <a:r>
+              <a:rPr lang="en-GB" altLang="fr-FR" sz="1800" dirty="0"/>
+              <a:t> x. Il y a </a:t>
+            </a:r>
+            <a:r>
+              <a:rPr lang="en-GB" altLang="fr-FR" sz="1800" dirty="0" err="1"/>
+              <a:t>erreur</a:t>
+            </a:r>
+            <a:r>
+              <a:rPr lang="en-GB" altLang="fr-FR" sz="1800" dirty="0"/>
+              <a:t> </a:t>
+            </a:r>
+            <a:r>
+              <a:rPr lang="en-GB" altLang="fr-FR" sz="1800" dirty="0" err="1"/>
+              <a:t>si</a:t>
+            </a:r>
+            <a:r>
+              <a:rPr lang="en-GB" altLang="fr-FR" sz="1800" dirty="0"/>
+              <a:t> </a:t>
+            </a:r>
+            <a:r>
+              <a:rPr lang="en-GB" altLang="fr-FR" sz="1800" dirty="0" err="1"/>
+              <a:t>cet</a:t>
+            </a:r>
+            <a:r>
+              <a:rPr lang="en-GB" altLang="fr-FR" sz="1800" dirty="0"/>
+              <a:t> </a:t>
+            </a:r>
+            <a:r>
+              <a:rPr lang="en-GB" altLang="fr-FR" sz="1800" dirty="0" err="1"/>
+              <a:t>élément</a:t>
+            </a:r>
+            <a:r>
+              <a:rPr lang="en-GB" altLang="fr-FR" sz="1800" dirty="0"/>
+              <a:t> </a:t>
+            </a:r>
+            <a:r>
+              <a:rPr lang="en-GB" altLang="fr-FR" sz="1800" dirty="0" err="1"/>
+              <a:t>n'existe</a:t>
+            </a:r>
+            <a:r>
+              <a:rPr lang="en-GB" altLang="fr-FR" sz="1800" dirty="0"/>
+              <a:t> pas. </a:t>
+            </a:r>
           </a:p>
         </p:txBody>
       </p:sp>
     </p:spTree>
     <p:extLst>
       <p:ext uri="{BB962C8B-B14F-4D97-AF65-F5344CB8AC3E}">
-        <p14:creationId xmlns:p14="http://schemas.microsoft.com/office/powerpoint/2010/main" val="362897832"/>
+        <p14:creationId xmlns:p14="http://schemas.microsoft.com/office/powerpoint/2010/main" val="2404675825"/>
       </p:ext>
     </p:extLst>
   </p:cSld>
   <p:clrMapOvr>
     <a:masterClrMapping/>
   </p:clrMapOvr>
-  <p:timing>
-    <p:tnLst>
-      <p:par>
-        <p:cTn id="1" dur="indefinite" restart="never" nodeType="tmRoot"/>
-      </p:par>
-    </p:tnLst>
-  </p:timing>
 </p:sld>
 </file>
 
-<file path=ppt/slides/slide20.xml><?xml version="1.0" encoding="utf-8"?>
+<file path=ppt/slides/slide17.xml><?xml version="1.0" encoding="utf-8"?>
 <p:sld xmlns:a="http://schemas.openxmlformats.org/drawingml/2006/main" xmlns:r="http://schemas.openxmlformats.org/officeDocument/2006/relationships" xmlns:p="http://schemas.openxmlformats.org/presentationml/2006/main">
   <p:cSld>
     <p:spTree>
@@ -7095,10 +6663,9 @@
           <a:lstStyle/>
           <a:p>
             <a:r>
-              <a:rPr lang="fr-FR" dirty="0" smtClean="0"/>
+              <a:rPr lang="fr-FR" dirty="0"/>
               <a:t>Méthodes de liste</a:t>
             </a:r>
-            <a:endParaRPr lang="fr-FR" dirty="0"/>
           </a:p>
         </p:txBody>
       </p:sp>
@@ -7117,22 +6684,10 @@
           <a:bodyPr/>
           <a:lstStyle/>
           <a:p>
-            <a:pPr eaLnBrk="1" hangingPunct="1">
-              <a:lnSpc>
-                <a:spcPct val="90000"/>
-              </a:lnSpc>
-            </a:pPr>
+            <a:pPr eaLnBrk="1" hangingPunct="1"/>
             <a:r>
               <a:rPr lang="en-GB" altLang="fr-FR" sz="1800" b="1" dirty="0"/>
-              <a:t>insert(</a:t>
-            </a:r>
-            <a:r>
-              <a:rPr lang="en-GB" altLang="fr-FR" sz="1800" b="1" dirty="0" err="1"/>
-              <a:t>i</a:t>
-            </a:r>
-            <a:r>
-              <a:rPr lang="en-GB" altLang="fr-FR" sz="1800" b="1" dirty="0"/>
-              <a:t>, x)</a:t>
+              <a:t>sort()</a:t>
             </a:r>
             <a:r>
               <a:rPr lang="en-GB" altLang="fr-FR" sz="1800" dirty="0"/>
@@ -7140,22 +6695,18 @@
             </a:r>
           </a:p>
           <a:p>
-            <a:pPr lvl="1" eaLnBrk="1" hangingPunct="1">
-              <a:lnSpc>
-                <a:spcPct val="90000"/>
-              </a:lnSpc>
-            </a:pPr>
+            <a:pPr lvl="1" eaLnBrk="1" hangingPunct="1"/>
             <a:r>
               <a:rPr lang="en-GB" altLang="fr-FR" sz="1800" dirty="0" err="1"/>
-              <a:t>Insère</a:t>
+              <a:t>Trie</a:t>
             </a:r>
             <a:r>
               <a:rPr lang="en-GB" altLang="fr-FR" sz="1800" dirty="0"/>
-              <a:t> un </a:t>
+              <a:t> les </a:t>
             </a:r>
             <a:r>
               <a:rPr lang="en-GB" altLang="fr-FR" sz="1800" dirty="0" err="1"/>
-              <a:t>élément</a:t>
+              <a:t>éléments</a:t>
             </a:r>
             <a:r>
               <a:rPr lang="en-GB" altLang="fr-FR" sz="1800" dirty="0"/>
@@ -7163,31 +6714,99 @@
             </a:r>
             <a:r>
               <a:rPr lang="en-GB" altLang="fr-FR" sz="1800" dirty="0" err="1"/>
-              <a:t>une</a:t>
+              <a:t>l'intérieur</a:t>
             </a:r>
             <a:r>
               <a:rPr lang="en-GB" altLang="fr-FR" sz="1800" dirty="0"/>
-              <a:t> position </a:t>
+              <a:t> de la </a:t>
             </a:r>
             <a:r>
               <a:rPr lang="en-GB" altLang="fr-FR" sz="1800" dirty="0" err="1"/>
-              <a:t>donnée</a:t>
+              <a:t>liste</a:t>
             </a:r>
             <a:r>
               <a:rPr lang="en-GB" altLang="fr-FR" sz="1800" dirty="0"/>
-              <a:t>. Le premier argument </a:t>
-            </a:r>
-            <a:r>
-              <a:rPr lang="en-GB" altLang="fr-FR" sz="1800" dirty="0" err="1"/>
-              <a:t>est</a:t>
+              <a:t>. </a:t>
+            </a:r>
+          </a:p>
+          <a:p>
+            <a:pPr eaLnBrk="1" hangingPunct="1"/>
+            <a:r>
+              <a:rPr lang="en-GB" altLang="fr-FR" sz="1800" b="1" dirty="0"/>
+              <a:t>reverse()</a:t>
             </a:r>
             <a:r>
               <a:rPr lang="en-GB" altLang="fr-FR" sz="1800" dirty="0"/>
               <a:t> </a:t>
             </a:r>
+          </a:p>
+          <a:p>
+            <a:pPr lvl="1" eaLnBrk="1" hangingPunct="1"/>
             <a:r>
               <a:rPr lang="en-GB" altLang="fr-FR" sz="1800" dirty="0" err="1"/>
-              <a:t>l'indice</a:t>
+              <a:t>Renverse</a:t>
+            </a:r>
+            <a:r>
+              <a:rPr lang="en-GB" altLang="fr-FR" sz="1800" dirty="0"/>
+              <a:t> </a:t>
+            </a:r>
+            <a:r>
+              <a:rPr lang="en-GB" altLang="fr-FR" sz="1800" dirty="0" err="1"/>
+              <a:t>l'ordre</a:t>
+            </a:r>
+            <a:r>
+              <a:rPr lang="en-GB" altLang="fr-FR" sz="1800" dirty="0"/>
+              <a:t> des </a:t>
+            </a:r>
+            <a:r>
+              <a:rPr lang="en-GB" altLang="fr-FR" sz="1800" dirty="0" err="1"/>
+              <a:t>éléments</a:t>
+            </a:r>
+            <a:r>
+              <a:rPr lang="en-GB" altLang="fr-FR" sz="1800" dirty="0"/>
+              <a:t> à </a:t>
+            </a:r>
+            <a:r>
+              <a:rPr lang="en-GB" altLang="fr-FR" sz="1800" dirty="0" err="1"/>
+              <a:t>l'intérieur</a:t>
+            </a:r>
+            <a:r>
+              <a:rPr lang="en-GB" altLang="fr-FR" sz="1800" dirty="0"/>
+              <a:t> de la </a:t>
+            </a:r>
+            <a:r>
+              <a:rPr lang="en-GB" altLang="fr-FR" sz="1800" dirty="0" err="1"/>
+              <a:t>liste</a:t>
+            </a:r>
+            <a:r>
+              <a:rPr lang="en-GB" altLang="fr-FR" sz="1800" dirty="0"/>
+              <a:t>. </a:t>
+            </a:r>
+          </a:p>
+          <a:p>
+            <a:pPr eaLnBrk="1" hangingPunct="1"/>
+            <a:r>
+              <a:rPr lang="en-GB" altLang="fr-FR" sz="1800" b="1" dirty="0"/>
+              <a:t>count(x)</a:t>
+            </a:r>
+            <a:r>
+              <a:rPr lang="en-GB" altLang="fr-FR" sz="1800" dirty="0"/>
+              <a:t> </a:t>
+            </a:r>
+          </a:p>
+          <a:p>
+            <a:pPr lvl="1" eaLnBrk="1" hangingPunct="1"/>
+            <a:r>
+              <a:rPr lang="en-GB" altLang="fr-FR" sz="1800" dirty="0" err="1"/>
+              <a:t>Renvoie</a:t>
+            </a:r>
+            <a:r>
+              <a:rPr lang="en-GB" altLang="fr-FR" sz="1800" dirty="0"/>
+              <a:t> le </a:t>
+            </a:r>
+            <a:r>
+              <a:rPr lang="en-GB" altLang="fr-FR" sz="1800" dirty="0" err="1"/>
+              <a:t>nombre</a:t>
             </a:r>
             <a:r>
               <a:rPr lang="en-GB" altLang="fr-FR" sz="1800" dirty="0"/>
@@ -7195,7 +6814,15 @@
             </a:r>
             <a:r>
               <a:rPr lang="en-GB" altLang="fr-FR" sz="1800" dirty="0" err="1"/>
-              <a:t>l'élément</a:t>
+              <a:t>fois</a:t>
+            </a:r>
+            <a:r>
+              <a:rPr lang="en-GB" altLang="fr-FR" sz="1800" dirty="0"/>
+              <a:t> que x </a:t>
+            </a:r>
+            <a:r>
+              <a:rPr lang="en-GB" altLang="fr-FR" sz="1800" dirty="0" err="1"/>
+              <a:t>apparaît</a:t>
             </a:r>
             <a:r>
               <a:rPr lang="en-GB" altLang="fr-FR" sz="1800" dirty="0"/>
@@ -7203,67 +6830,11 @@
             </a:r>
             <a:r>
               <a:rPr lang="en-GB" altLang="fr-FR" sz="1800" dirty="0" err="1"/>
-              <a:t>avant</a:t>
+              <a:t>dans</a:t>
             </a:r>
             <a:r>
               <a:rPr lang="en-GB" altLang="fr-FR" sz="1800" dirty="0"/>
-              <a:t> </a:t>
-            </a:r>
-            <a:r>
-              <a:rPr lang="en-GB" altLang="fr-FR" sz="1800" dirty="0" err="1"/>
-              <a:t>lequel</a:t>
-            </a:r>
-            <a:r>
-              <a:rPr lang="en-GB" altLang="fr-FR" sz="1800" dirty="0"/>
-              <a:t> </a:t>
-            </a:r>
-            <a:r>
-              <a:rPr lang="en-GB" altLang="fr-FR" sz="1800" dirty="0" err="1"/>
-              <a:t>il</a:t>
-            </a:r>
-            <a:r>
-              <a:rPr lang="en-GB" altLang="fr-FR" sz="1800" dirty="0"/>
-              <a:t> </a:t>
-            </a:r>
-            <a:r>
-              <a:rPr lang="en-GB" altLang="fr-FR" sz="1800" dirty="0" err="1"/>
-              <a:t>faut</a:t>
-            </a:r>
-            <a:r>
-              <a:rPr lang="en-GB" altLang="fr-FR" sz="1800" dirty="0"/>
-              <a:t> </a:t>
-            </a:r>
-            <a:r>
-              <a:rPr lang="en-GB" altLang="fr-FR" sz="1800" dirty="0" err="1"/>
-              <a:t>insérer</a:t>
-            </a:r>
-            <a:r>
-              <a:rPr lang="en-GB" altLang="fr-FR" sz="1800" dirty="0"/>
-              <a:t>, </a:t>
-            </a:r>
-            <a:r>
-              <a:rPr lang="en-GB" altLang="fr-FR" sz="1800" dirty="0" err="1"/>
-              <a:t>donc</a:t>
-            </a:r>
-            <a:r>
-              <a:rPr lang="en-GB" altLang="fr-FR" sz="1800" dirty="0"/>
-              <a:t> </a:t>
-            </a:r>
-            <a:r>
-              <a:rPr lang="en-GB" altLang="fr-FR" sz="1800" dirty="0" err="1"/>
-              <a:t>a.insert</a:t>
-            </a:r>
-            <a:r>
-              <a:rPr lang="en-GB" altLang="fr-FR" sz="1800" dirty="0"/>
-              <a:t>(0, x) </a:t>
-            </a:r>
-            <a:r>
-              <a:rPr lang="en-GB" altLang="fr-FR" sz="1800" dirty="0" err="1"/>
-              <a:t>insère</a:t>
-            </a:r>
-            <a:r>
-              <a:rPr lang="en-GB" altLang="fr-FR" sz="1800" dirty="0"/>
-              <a:t> au début de la </a:t>
+              <a:t> la </a:t>
             </a:r>
             <a:r>
               <a:rPr lang="en-GB" altLang="fr-FR" sz="1800" dirty="0" err="1"/>
@@ -7271,325 +6842,7 @@
             </a:r>
             <a:r>
               <a:rPr lang="en-GB" altLang="fr-FR" sz="1800" dirty="0"/>
-              <a:t>, et </a:t>
-            </a:r>
-            <a:r>
-              <a:rPr lang="en-GB" altLang="fr-FR" sz="1800" dirty="0" err="1"/>
-              <a:t>a.insert</a:t>
-            </a:r>
-            <a:r>
-              <a:rPr lang="en-GB" altLang="fr-FR" sz="1800" dirty="0"/>
-              <a:t>(</a:t>
-            </a:r>
-            <a:r>
-              <a:rPr lang="en-GB" altLang="fr-FR" sz="1800" dirty="0" err="1"/>
-              <a:t>len</a:t>
-            </a:r>
-            <a:r>
-              <a:rPr lang="en-GB" altLang="fr-FR" sz="1800" dirty="0"/>
-              <a:t>(a), x) </a:t>
-            </a:r>
-            <a:r>
-              <a:rPr lang="en-GB" altLang="fr-FR" sz="1800" dirty="0" err="1"/>
-              <a:t>est</a:t>
-            </a:r>
-            <a:r>
-              <a:rPr lang="en-GB" altLang="fr-FR" sz="1800" dirty="0"/>
-              <a:t> </a:t>
-            </a:r>
-            <a:r>
-              <a:rPr lang="en-GB" altLang="fr-FR" sz="1800" dirty="0" err="1"/>
-              <a:t>équivalent</a:t>
-            </a:r>
-            <a:r>
-              <a:rPr lang="en-GB" altLang="fr-FR" sz="1800" dirty="0"/>
-              <a:t> à </a:t>
-            </a:r>
-            <a:r>
-              <a:rPr lang="en-GB" altLang="fr-FR" sz="1800" dirty="0" err="1"/>
-              <a:t>a.append</a:t>
-            </a:r>
-            <a:r>
-              <a:rPr lang="en-GB" altLang="fr-FR" sz="1800" dirty="0"/>
-              <a:t>(x). </a:t>
-            </a:r>
-          </a:p>
-          <a:p>
-            <a:pPr eaLnBrk="1" hangingPunct="1">
-              <a:lnSpc>
-                <a:spcPct val="90000"/>
-              </a:lnSpc>
-            </a:pPr>
-            <a:r>
-              <a:rPr lang="en-GB" altLang="fr-FR" sz="1800" b="1" dirty="0"/>
-              <a:t>append(x)</a:t>
-            </a:r>
-            <a:r>
-              <a:rPr lang="en-GB" altLang="fr-FR" sz="1800" dirty="0"/>
-              <a:t> </a:t>
-            </a:r>
-          </a:p>
-          <a:p>
-            <a:pPr lvl="1" eaLnBrk="1" hangingPunct="1">
-              <a:lnSpc>
-                <a:spcPct val="90000"/>
-              </a:lnSpc>
-            </a:pPr>
-            <a:r>
-              <a:rPr lang="en-GB" altLang="fr-FR" sz="1800" dirty="0"/>
-              <a:t>Equivalent à </a:t>
-            </a:r>
-            <a:r>
-              <a:rPr lang="en-GB" altLang="fr-FR" sz="1800" dirty="0" err="1"/>
-              <a:t>a.insert</a:t>
-            </a:r>
-            <a:r>
-              <a:rPr lang="en-GB" altLang="fr-FR" sz="1800" dirty="0"/>
-              <a:t>(</a:t>
-            </a:r>
-            <a:r>
-              <a:rPr lang="en-GB" altLang="fr-FR" sz="1800" dirty="0" err="1"/>
-              <a:t>len</a:t>
-            </a:r>
-            <a:r>
-              <a:rPr lang="en-GB" altLang="fr-FR" sz="1800" dirty="0"/>
-              <a:t>(a), x). </a:t>
-            </a:r>
-          </a:p>
-          <a:p>
-            <a:pPr eaLnBrk="1" hangingPunct="1">
-              <a:lnSpc>
-                <a:spcPct val="90000"/>
-              </a:lnSpc>
-            </a:pPr>
-            <a:r>
-              <a:rPr lang="en-GB" altLang="fr-FR" sz="1800" b="1" dirty="0"/>
-              <a:t>index(x)</a:t>
-            </a:r>
-            <a:r>
-              <a:rPr lang="en-GB" altLang="fr-FR" sz="1800" dirty="0"/>
-              <a:t> </a:t>
-            </a:r>
-          </a:p>
-          <a:p>
-            <a:pPr lvl="1" eaLnBrk="1" hangingPunct="1">
-              <a:lnSpc>
-                <a:spcPct val="90000"/>
-              </a:lnSpc>
-            </a:pPr>
-            <a:r>
-              <a:rPr lang="en-GB" altLang="fr-FR" sz="1800" dirty="0" err="1"/>
-              <a:t>Retourne</a:t>
-            </a:r>
-            <a:r>
-              <a:rPr lang="en-GB" altLang="fr-FR" sz="1800" dirty="0"/>
-              <a:t> </a:t>
-            </a:r>
-            <a:r>
-              <a:rPr lang="en-GB" altLang="fr-FR" sz="1800" dirty="0" err="1"/>
-              <a:t>l'indice</a:t>
-            </a:r>
-            <a:r>
-              <a:rPr lang="en-GB" altLang="fr-FR" sz="1800" dirty="0"/>
-              <a:t> </a:t>
-            </a:r>
-            <a:r>
-              <a:rPr lang="en-GB" altLang="fr-FR" sz="1800" dirty="0" err="1"/>
-              <a:t>dans</a:t>
-            </a:r>
-            <a:r>
-              <a:rPr lang="en-GB" altLang="fr-FR" sz="1800" dirty="0"/>
-              <a:t> la </a:t>
-            </a:r>
-            <a:r>
-              <a:rPr lang="en-GB" altLang="fr-FR" sz="1800" dirty="0" err="1"/>
-              <a:t>liste</a:t>
-            </a:r>
-            <a:r>
-              <a:rPr lang="en-GB" altLang="fr-FR" sz="1800" dirty="0"/>
-              <a:t> du premier </a:t>
-            </a:r>
-            <a:r>
-              <a:rPr lang="en-GB" altLang="fr-FR" sz="1800" dirty="0" err="1"/>
-              <a:t>élément</a:t>
-            </a:r>
-            <a:r>
-              <a:rPr lang="en-GB" altLang="fr-FR" sz="1800" dirty="0"/>
-              <a:t> </a:t>
-            </a:r>
-            <a:r>
-              <a:rPr lang="en-GB" altLang="fr-FR" sz="1800" dirty="0" err="1"/>
-              <a:t>dont</a:t>
-            </a:r>
-            <a:r>
-              <a:rPr lang="en-GB" altLang="fr-FR" sz="1800" dirty="0"/>
-              <a:t>                              la </a:t>
-            </a:r>
-            <a:r>
-              <a:rPr lang="en-GB" altLang="fr-FR" sz="1800" dirty="0" err="1"/>
-              <a:t>valeur</a:t>
-            </a:r>
-            <a:r>
-              <a:rPr lang="en-GB" altLang="fr-FR" sz="1800" dirty="0"/>
-              <a:t> </a:t>
-            </a:r>
-            <a:r>
-              <a:rPr lang="en-GB" altLang="fr-FR" sz="1800" dirty="0" err="1"/>
-              <a:t>est</a:t>
-            </a:r>
-            <a:r>
-              <a:rPr lang="en-GB" altLang="fr-FR" sz="1800" dirty="0"/>
-              <a:t> x. Il y a </a:t>
-            </a:r>
-            <a:r>
-              <a:rPr lang="en-GB" altLang="fr-FR" sz="1800" dirty="0" err="1"/>
-              <a:t>erreur</a:t>
-            </a:r>
-            <a:r>
-              <a:rPr lang="en-GB" altLang="fr-FR" sz="1800" dirty="0"/>
-              <a:t> </a:t>
-            </a:r>
-            <a:r>
-              <a:rPr lang="en-GB" altLang="fr-FR" sz="1800" dirty="0" err="1"/>
-              <a:t>si</a:t>
-            </a:r>
-            <a:r>
-              <a:rPr lang="en-GB" altLang="fr-FR" sz="1800" dirty="0"/>
-              <a:t> </a:t>
-            </a:r>
-            <a:r>
-              <a:rPr lang="en-GB" altLang="fr-FR" sz="1800" dirty="0" err="1"/>
-              <a:t>cet</a:t>
-            </a:r>
-            <a:r>
-              <a:rPr lang="en-GB" altLang="fr-FR" sz="1800" dirty="0"/>
-              <a:t> </a:t>
-            </a:r>
-            <a:r>
-              <a:rPr lang="en-GB" altLang="fr-FR" sz="1800" dirty="0" err="1"/>
-              <a:t>élément</a:t>
-            </a:r>
-            <a:r>
-              <a:rPr lang="en-GB" altLang="fr-FR" sz="1800" dirty="0"/>
-              <a:t> </a:t>
-            </a:r>
-            <a:r>
-              <a:rPr lang="en-GB" altLang="fr-FR" sz="1800" dirty="0" err="1"/>
-              <a:t>n'existe</a:t>
-            </a:r>
-            <a:r>
-              <a:rPr lang="en-GB" altLang="fr-FR" sz="1800" dirty="0"/>
-              <a:t> pas. </a:t>
-            </a:r>
-          </a:p>
-          <a:p>
-            <a:pPr eaLnBrk="1" hangingPunct="1">
-              <a:lnSpc>
-                <a:spcPct val="90000"/>
-              </a:lnSpc>
-            </a:pPr>
-            <a:r>
-              <a:rPr lang="en-GB" altLang="fr-FR" sz="1800" b="1" dirty="0"/>
-              <a:t>remove(x)</a:t>
-            </a:r>
-            <a:r>
-              <a:rPr lang="en-GB" altLang="fr-FR" sz="1800" dirty="0"/>
-              <a:t> </a:t>
-            </a:r>
-          </a:p>
-          <a:p>
-            <a:pPr lvl="1" eaLnBrk="1" hangingPunct="1">
-              <a:lnSpc>
-                <a:spcPct val="90000"/>
-              </a:lnSpc>
-            </a:pPr>
-            <a:r>
-              <a:rPr lang="en-GB" altLang="fr-FR" sz="1800" dirty="0" err="1"/>
-              <a:t>Enlève</a:t>
-            </a:r>
-            <a:r>
-              <a:rPr lang="en-GB" altLang="fr-FR" sz="1800" dirty="0"/>
-              <a:t> le premier </a:t>
-            </a:r>
-            <a:r>
-              <a:rPr lang="en-GB" altLang="fr-FR" sz="1800" dirty="0" err="1"/>
-              <a:t>élément</a:t>
-            </a:r>
-            <a:r>
-              <a:rPr lang="en-GB" altLang="fr-FR" sz="1800" dirty="0"/>
-              <a:t> de la </a:t>
-            </a:r>
-            <a:r>
-              <a:rPr lang="en-GB" altLang="fr-FR" sz="1800" dirty="0" err="1"/>
-              <a:t>liste</a:t>
-            </a:r>
-            <a:r>
-              <a:rPr lang="en-GB" altLang="fr-FR" sz="1800" dirty="0"/>
-              <a:t> </a:t>
-            </a:r>
-            <a:r>
-              <a:rPr lang="en-GB" altLang="fr-FR" sz="1800" dirty="0" err="1"/>
-              <a:t>dont</a:t>
-            </a:r>
-            <a:r>
-              <a:rPr lang="en-GB" altLang="fr-FR" sz="1800" dirty="0"/>
-              <a:t> la </a:t>
-            </a:r>
-            <a:r>
-              <a:rPr lang="en-GB" altLang="fr-FR" sz="1800" dirty="0" err="1"/>
-              <a:t>valeur</a:t>
-            </a:r>
-            <a:r>
-              <a:rPr lang="en-GB" altLang="fr-FR" sz="1800" dirty="0"/>
-              <a:t> </a:t>
-            </a:r>
-            <a:r>
-              <a:rPr lang="en-GB" altLang="fr-FR" sz="1800" dirty="0" err="1"/>
-              <a:t>est</a:t>
-            </a:r>
-            <a:r>
-              <a:rPr lang="en-GB" altLang="fr-FR" sz="1800" dirty="0"/>
-              <a:t> x. Il y a </a:t>
-            </a:r>
-            <a:r>
-              <a:rPr lang="en-GB" altLang="fr-FR" sz="1800" dirty="0" err="1"/>
-              <a:t>erreur</a:t>
-            </a:r>
-            <a:r>
-              <a:rPr lang="en-GB" altLang="fr-FR" sz="1800" dirty="0"/>
-              <a:t> </a:t>
-            </a:r>
-            <a:r>
-              <a:rPr lang="en-GB" altLang="fr-FR" sz="1800" dirty="0" err="1"/>
-              <a:t>si</a:t>
-            </a:r>
-            <a:r>
-              <a:rPr lang="en-GB" altLang="fr-FR" sz="1800" dirty="0"/>
-              <a:t> </a:t>
-            </a:r>
-            <a:r>
-              <a:rPr lang="en-GB" altLang="fr-FR" sz="1800" dirty="0" err="1"/>
-              <a:t>cet</a:t>
-            </a:r>
-            <a:r>
-              <a:rPr lang="en-GB" altLang="fr-FR" sz="1800" dirty="0"/>
-              <a:t> </a:t>
-            </a:r>
-            <a:r>
-              <a:rPr lang="en-GB" altLang="fr-FR" sz="1800" dirty="0" err="1"/>
-              <a:t>élément</a:t>
-            </a:r>
-            <a:r>
-              <a:rPr lang="en-GB" altLang="fr-FR" sz="1800" dirty="0"/>
-              <a:t> </a:t>
-            </a:r>
-            <a:r>
-              <a:rPr lang="en-GB" altLang="fr-FR" sz="1800" dirty="0" err="1"/>
-              <a:t>n'existe</a:t>
-            </a:r>
-            <a:r>
-              <a:rPr lang="en-GB" altLang="fr-FR" sz="1800" dirty="0"/>
-              <a:t> pas. </a:t>
+              <a:t>.</a:t>
             </a:r>
           </a:p>
         </p:txBody>
@@ -7597,24 +6850,17 @@
     </p:spTree>
     <p:extLst>
       <p:ext uri="{BB962C8B-B14F-4D97-AF65-F5344CB8AC3E}">
-        <p14:creationId xmlns:p14="http://schemas.microsoft.com/office/powerpoint/2010/main" val="2404675825"/>
+        <p14:creationId xmlns:p14="http://schemas.microsoft.com/office/powerpoint/2010/main" val="3347401491"/>
       </p:ext>
     </p:extLst>
   </p:cSld>
   <p:clrMapOvr>
     <a:masterClrMapping/>
   </p:clrMapOvr>
-  <p:timing>
-    <p:tnLst>
-      <p:par>
-        <p:cTn id="1" dur="indefinite" restart="never" nodeType="tmRoot"/>
-      </p:par>
-    </p:tnLst>
-  </p:timing>
 </p:sld>
 </file>
 
-<file path=ppt/slides/slide21.xml><?xml version="1.0" encoding="utf-8"?>
+<file path=ppt/slides/slide18.xml><?xml version="1.0" encoding="utf-8"?>
 <p:sld xmlns:a="http://schemas.openxmlformats.org/drawingml/2006/main" xmlns:r="http://schemas.openxmlformats.org/officeDocument/2006/relationships" xmlns:p="http://schemas.openxmlformats.org/presentationml/2006/main">
   <p:cSld>
     <p:spTree>
@@ -7647,248 +6893,9 @@
           <a:lstStyle/>
           <a:p>
             <a:r>
-              <a:rPr lang="fr-FR" dirty="0" smtClean="0"/>
-              <a:t>Méthodes de liste</a:t>
-            </a:r>
-            <a:endParaRPr lang="fr-FR" dirty="0"/>
-          </a:p>
-        </p:txBody>
-      </p:sp>
-      <p:sp>
-        <p:nvSpPr>
-          <p:cNvPr id="3" name="Espace réservé du contenu 2"/>
-          <p:cNvSpPr>
-            <a:spLocks noGrp="1"/>
-          </p:cNvSpPr>
-          <p:nvPr>
-            <p:ph idx="1"/>
-          </p:nvPr>
-        </p:nvSpPr>
-        <p:spPr/>
-        <p:txBody>
-          <a:bodyPr/>
-          <a:lstStyle/>
-          <a:p>
-            <a:pPr eaLnBrk="1" hangingPunct="1"/>
-            <a:r>
-              <a:rPr lang="en-GB" altLang="fr-FR" sz="1800" b="1" dirty="0"/>
-              <a:t>sort()</a:t>
-            </a:r>
-            <a:r>
-              <a:rPr lang="en-GB" altLang="fr-FR" sz="1800" dirty="0"/>
-              <a:t> </a:t>
-            </a:r>
-          </a:p>
-          <a:p>
-            <a:pPr lvl="1" eaLnBrk="1" hangingPunct="1"/>
-            <a:r>
-              <a:rPr lang="en-GB" altLang="fr-FR" sz="1800" dirty="0" err="1"/>
-              <a:t>Trie</a:t>
-            </a:r>
-            <a:r>
-              <a:rPr lang="en-GB" altLang="fr-FR" sz="1800" dirty="0"/>
-              <a:t> les </a:t>
-            </a:r>
-            <a:r>
-              <a:rPr lang="en-GB" altLang="fr-FR" sz="1800" dirty="0" err="1"/>
-              <a:t>éléments</a:t>
-            </a:r>
-            <a:r>
-              <a:rPr lang="en-GB" altLang="fr-FR" sz="1800" dirty="0"/>
-              <a:t> à </a:t>
-            </a:r>
-            <a:r>
-              <a:rPr lang="en-GB" altLang="fr-FR" sz="1800" dirty="0" err="1"/>
-              <a:t>l'intérieur</a:t>
-            </a:r>
-            <a:r>
-              <a:rPr lang="en-GB" altLang="fr-FR" sz="1800" dirty="0"/>
-              <a:t> de la </a:t>
-            </a:r>
-            <a:r>
-              <a:rPr lang="en-GB" altLang="fr-FR" sz="1800" dirty="0" err="1"/>
-              <a:t>liste</a:t>
-            </a:r>
-            <a:r>
-              <a:rPr lang="en-GB" altLang="fr-FR" sz="1800" dirty="0"/>
-              <a:t>. </a:t>
-            </a:r>
-          </a:p>
-          <a:p>
-            <a:pPr eaLnBrk="1" hangingPunct="1"/>
-            <a:r>
-              <a:rPr lang="en-GB" altLang="fr-FR" sz="1800" b="1" dirty="0"/>
-              <a:t>reverse()</a:t>
-            </a:r>
-            <a:r>
-              <a:rPr lang="en-GB" altLang="fr-FR" sz="1800" dirty="0"/>
-              <a:t> </a:t>
-            </a:r>
-          </a:p>
-          <a:p>
-            <a:pPr lvl="1" eaLnBrk="1" hangingPunct="1"/>
-            <a:r>
-              <a:rPr lang="en-GB" altLang="fr-FR" sz="1800" dirty="0" err="1"/>
-              <a:t>Renverse</a:t>
-            </a:r>
-            <a:r>
-              <a:rPr lang="en-GB" altLang="fr-FR" sz="1800" dirty="0"/>
-              <a:t> </a:t>
-            </a:r>
-            <a:r>
-              <a:rPr lang="en-GB" altLang="fr-FR" sz="1800" dirty="0" err="1"/>
-              <a:t>l'ordre</a:t>
-            </a:r>
-            <a:r>
-              <a:rPr lang="en-GB" altLang="fr-FR" sz="1800" dirty="0"/>
-              <a:t> des </a:t>
-            </a:r>
-            <a:r>
-              <a:rPr lang="en-GB" altLang="fr-FR" sz="1800" dirty="0" err="1"/>
-              <a:t>éléments</a:t>
-            </a:r>
-            <a:r>
-              <a:rPr lang="en-GB" altLang="fr-FR" sz="1800" dirty="0"/>
-              <a:t> à </a:t>
-            </a:r>
-            <a:r>
-              <a:rPr lang="en-GB" altLang="fr-FR" sz="1800" dirty="0" err="1"/>
-              <a:t>l'intérieur</a:t>
-            </a:r>
-            <a:r>
-              <a:rPr lang="en-GB" altLang="fr-FR" sz="1800" dirty="0"/>
-              <a:t> de la </a:t>
-            </a:r>
-            <a:r>
-              <a:rPr lang="en-GB" altLang="fr-FR" sz="1800" dirty="0" err="1"/>
-              <a:t>liste</a:t>
-            </a:r>
-            <a:r>
-              <a:rPr lang="en-GB" altLang="fr-FR" sz="1800" dirty="0"/>
-              <a:t>. </a:t>
-            </a:r>
-          </a:p>
-          <a:p>
-            <a:pPr eaLnBrk="1" hangingPunct="1"/>
-            <a:r>
-              <a:rPr lang="en-GB" altLang="fr-FR" sz="1800" b="1" dirty="0"/>
-              <a:t>count(x)</a:t>
-            </a:r>
-            <a:r>
-              <a:rPr lang="en-GB" altLang="fr-FR" sz="1800" dirty="0"/>
-              <a:t> </a:t>
-            </a:r>
-          </a:p>
-          <a:p>
-            <a:pPr lvl="1" eaLnBrk="1" hangingPunct="1"/>
-            <a:r>
-              <a:rPr lang="en-GB" altLang="fr-FR" sz="1800" dirty="0" err="1"/>
-              <a:t>Renvoie</a:t>
-            </a:r>
-            <a:r>
-              <a:rPr lang="en-GB" altLang="fr-FR" sz="1800" dirty="0"/>
-              <a:t> le </a:t>
-            </a:r>
-            <a:r>
-              <a:rPr lang="en-GB" altLang="fr-FR" sz="1800" dirty="0" err="1"/>
-              <a:t>nombre</a:t>
-            </a:r>
-            <a:r>
-              <a:rPr lang="en-GB" altLang="fr-FR" sz="1800" dirty="0"/>
-              <a:t> de </a:t>
-            </a:r>
-            <a:r>
-              <a:rPr lang="en-GB" altLang="fr-FR" sz="1800" dirty="0" err="1"/>
-              <a:t>fois</a:t>
-            </a:r>
-            <a:r>
-              <a:rPr lang="en-GB" altLang="fr-FR" sz="1800" dirty="0"/>
-              <a:t> que x </a:t>
-            </a:r>
-            <a:r>
-              <a:rPr lang="en-GB" altLang="fr-FR" sz="1800" dirty="0" err="1"/>
-              <a:t>apparaît</a:t>
-            </a:r>
-            <a:r>
-              <a:rPr lang="en-GB" altLang="fr-FR" sz="1800" dirty="0"/>
-              <a:t> </a:t>
-            </a:r>
-            <a:r>
-              <a:rPr lang="en-GB" altLang="fr-FR" sz="1800" dirty="0" err="1"/>
-              <a:t>dans</a:t>
-            </a:r>
-            <a:r>
-              <a:rPr lang="en-GB" altLang="fr-FR" sz="1800" dirty="0"/>
-              <a:t> la </a:t>
-            </a:r>
-            <a:r>
-              <a:rPr lang="en-GB" altLang="fr-FR" sz="1800" dirty="0" err="1"/>
-              <a:t>liste</a:t>
-            </a:r>
-            <a:r>
-              <a:rPr lang="en-GB" altLang="fr-FR" sz="1800" dirty="0"/>
-              <a:t>.</a:t>
-            </a:r>
-          </a:p>
-        </p:txBody>
-      </p:sp>
-    </p:spTree>
-    <p:extLst>
-      <p:ext uri="{BB962C8B-B14F-4D97-AF65-F5344CB8AC3E}">
-        <p14:creationId xmlns:p14="http://schemas.microsoft.com/office/powerpoint/2010/main" val="3347401491"/>
-      </p:ext>
-    </p:extLst>
-  </p:cSld>
-  <p:clrMapOvr>
-    <a:masterClrMapping/>
-  </p:clrMapOvr>
-  <p:timing>
-    <p:tnLst>
-      <p:par>
-        <p:cTn id="1" dur="indefinite" restart="never" nodeType="tmRoot"/>
-      </p:par>
-    </p:tnLst>
-  </p:timing>
-</p:sld>
-</file>
-
-<file path=ppt/slides/slide22.xml><?xml version="1.0" encoding="utf-8"?>
-<p:sld xmlns:a="http://schemas.openxmlformats.org/drawingml/2006/main" xmlns:r="http://schemas.openxmlformats.org/officeDocument/2006/relationships" xmlns:p="http://schemas.openxmlformats.org/presentationml/2006/main">
-  <p:cSld>
-    <p:spTree>
-      <p:nvGrpSpPr>
-        <p:cNvPr id="1" name=""/>
-        <p:cNvGrpSpPr/>
-        <p:nvPr/>
-      </p:nvGrpSpPr>
-      <p:grpSpPr>
-        <a:xfrm>
-          <a:off x="0" y="0"/>
-          <a:ext cx="0" cy="0"/>
-          <a:chOff x="0" y="0"/>
-          <a:chExt cx="0" cy="0"/>
-        </a:xfrm>
-      </p:grpSpPr>
-      <p:sp>
-        <p:nvSpPr>
-          <p:cNvPr id="2" name="Titre 1"/>
-          <p:cNvSpPr>
-            <a:spLocks noGrp="1"/>
-          </p:cNvSpPr>
-          <p:nvPr>
-            <p:ph type="title"/>
-          </p:nvPr>
-        </p:nvSpPr>
-        <p:spPr/>
-        <p:txBody>
-          <a:bodyPr/>
-          <a:lstStyle/>
-          <a:p>
-            <a:r>
-              <a:rPr lang="fr-FR" dirty="0" smtClean="0"/>
+              <a:rPr lang="fr-FR" dirty="0"/>
               <a:t>Exemples de méthodes de liste</a:t>
             </a:r>
-            <a:endParaRPr lang="fr-FR" dirty="0"/>
           </a:p>
         </p:txBody>
       </p:sp>
@@ -8094,7 +7101,7 @@
               </a:spcAft>
             </a:pPr>
             <a:r>
-              <a:rPr lang="en-GB" altLang="fr-FR" sz="1800" kern="0" smtClean="0"/>
+              <a:rPr lang="en-GB" altLang="fr-FR" sz="1800" kern="0"/>
               <a:t>Un exemple qui utilise toutes les méthodes des listes: </a:t>
             </a:r>
           </a:p>
@@ -8108,7 +7115,7 @@
               </a:spcBef>
             </a:pPr>
             <a:r>
-              <a:rPr lang="en-GB" altLang="fr-FR" sz="1800" kern="0" smtClean="0">
+              <a:rPr lang="en-GB" altLang="fr-FR" sz="1800" kern="0">
                 <a:solidFill>
                   <a:schemeClr val="accent2"/>
                 </a:solidFill>
@@ -8127,7 +7134,7 @@
               </a:spcBef>
             </a:pPr>
             <a:r>
-              <a:rPr lang="en-GB" altLang="fr-FR" sz="1800" kern="0" smtClean="0">
+              <a:rPr lang="en-GB" altLang="fr-FR" sz="1800" kern="0">
                 <a:solidFill>
                   <a:schemeClr val="accent2"/>
                 </a:solidFill>
@@ -8146,7 +7153,7 @@
               </a:spcBef>
             </a:pPr>
             <a:r>
-              <a:rPr lang="en-GB" altLang="fr-FR" sz="1800" kern="0" smtClean="0">
+              <a:rPr lang="en-GB" altLang="fr-FR" sz="1800" kern="0">
                 <a:solidFill>
                   <a:schemeClr val="accent2"/>
                 </a:solidFill>
@@ -8165,7 +7172,7 @@
               </a:spcBef>
             </a:pPr>
             <a:r>
-              <a:rPr lang="en-GB" altLang="fr-FR" sz="1800" kern="0" smtClean="0">
+              <a:rPr lang="en-GB" altLang="fr-FR" sz="1800" kern="0">
                 <a:solidFill>
                   <a:schemeClr val="accent2"/>
                 </a:solidFill>
@@ -8184,7 +7191,7 @@
               </a:spcBef>
             </a:pPr>
             <a:r>
-              <a:rPr lang="en-GB" altLang="fr-FR" sz="1800" kern="0" smtClean="0">
+              <a:rPr lang="en-GB" altLang="fr-FR" sz="1800" kern="0">
                 <a:solidFill>
                   <a:schemeClr val="accent2"/>
                 </a:solidFill>
@@ -8203,7 +7210,7 @@
               </a:spcBef>
             </a:pPr>
             <a:r>
-              <a:rPr lang="en-GB" altLang="fr-FR" sz="1800" kern="0" smtClean="0">
+              <a:rPr lang="en-GB" altLang="fr-FR" sz="1800" kern="0">
                 <a:solidFill>
                   <a:schemeClr val="accent2"/>
                 </a:solidFill>
@@ -8222,7 +7229,7 @@
               </a:spcBef>
             </a:pPr>
             <a:r>
-              <a:rPr lang="en-GB" altLang="fr-FR" sz="1800" kern="0" smtClean="0">
+              <a:rPr lang="en-GB" altLang="fr-FR" sz="1800" kern="0">
                 <a:solidFill>
                   <a:schemeClr val="accent2"/>
                 </a:solidFill>
@@ -8241,7 +7248,7 @@
               </a:spcBef>
             </a:pPr>
             <a:r>
-              <a:rPr lang="en-GB" altLang="fr-FR" sz="1800" kern="0" smtClean="0">
+              <a:rPr lang="en-GB" altLang="fr-FR" sz="1800" kern="0">
                 <a:solidFill>
                   <a:schemeClr val="accent2"/>
                 </a:solidFill>
@@ -8260,7 +7267,7 @@
               </a:spcBef>
             </a:pPr>
             <a:r>
-              <a:rPr lang="en-GB" altLang="fr-FR" sz="1800" kern="0" smtClean="0">
+              <a:rPr lang="en-GB" altLang="fr-FR" sz="1800" kern="0">
                 <a:solidFill>
                   <a:schemeClr val="accent2"/>
                 </a:solidFill>
@@ -8279,7 +7286,7 @@
               </a:spcBef>
             </a:pPr>
             <a:r>
-              <a:rPr lang="en-GB" altLang="fr-FR" sz="1800" kern="0" smtClean="0">
+              <a:rPr lang="en-GB" altLang="fr-FR" sz="1800" kern="0">
                 <a:solidFill>
                   <a:schemeClr val="accent2"/>
                 </a:solidFill>
@@ -8298,7 +7305,7 @@
               </a:spcBef>
             </a:pPr>
             <a:r>
-              <a:rPr lang="en-GB" altLang="fr-FR" sz="1800" kern="0" smtClean="0">
+              <a:rPr lang="en-GB" altLang="fr-FR" sz="1800" kern="0">
                 <a:solidFill>
                   <a:schemeClr val="accent2"/>
                 </a:solidFill>
@@ -8317,7 +7324,7 @@
               </a:spcBef>
             </a:pPr>
             <a:r>
-              <a:rPr lang="en-GB" altLang="fr-FR" sz="1800" kern="0" smtClean="0">
+              <a:rPr lang="en-GB" altLang="fr-FR" sz="1800" kern="0">
                 <a:solidFill>
                   <a:schemeClr val="accent2"/>
                 </a:solidFill>
@@ -8336,7 +7343,7 @@
               </a:spcBef>
             </a:pPr>
             <a:r>
-              <a:rPr lang="en-GB" altLang="fr-FR" sz="1800" kern="0" smtClean="0">
+              <a:rPr lang="en-GB" altLang="fr-FR" sz="1800" kern="0">
                 <a:solidFill>
                   <a:schemeClr val="accent2"/>
                 </a:solidFill>
@@ -8355,7 +7362,7 @@
               </a:spcBef>
             </a:pPr>
             <a:r>
-              <a:rPr lang="en-GB" altLang="fr-FR" sz="1800" kern="0" smtClean="0">
+              <a:rPr lang="en-GB" altLang="fr-FR" sz="1800" kern="0">
                 <a:solidFill>
                   <a:schemeClr val="accent2"/>
                 </a:solidFill>
@@ -8374,7 +7381,7 @@
               </a:spcBef>
             </a:pPr>
             <a:r>
-              <a:rPr lang="en-GB" altLang="fr-FR" sz="1800" kern="0" smtClean="0">
+              <a:rPr lang="en-GB" altLang="fr-FR" sz="1800" kern="0">
                 <a:solidFill>
                   <a:schemeClr val="accent2"/>
                 </a:solidFill>
@@ -8393,7 +7400,7 @@
               </a:spcBef>
             </a:pPr>
             <a:r>
-              <a:rPr lang="en-GB" altLang="fr-FR" sz="1800" kern="0" smtClean="0">
+              <a:rPr lang="en-GB" altLang="fr-FR" sz="1800" kern="0">
                 <a:solidFill>
                   <a:schemeClr val="accent2"/>
                 </a:solidFill>
@@ -8412,7 +7419,7 @@
               </a:spcBef>
             </a:pPr>
             <a:r>
-              <a:rPr lang="en-GB" altLang="fr-FR" sz="1800" kern="0" smtClean="0">
+              <a:rPr lang="en-GB" altLang="fr-FR" sz="1800" kern="0">
                 <a:solidFill>
                   <a:schemeClr val="accent2"/>
                 </a:solidFill>
@@ -8431,7 +7438,7 @@
               </a:spcBef>
             </a:pPr>
             <a:r>
-              <a:rPr lang="en-GB" altLang="fr-FR" sz="1800" kern="0" smtClean="0">
+              <a:rPr lang="en-GB" altLang="fr-FR" sz="1800" kern="0">
                 <a:solidFill>
                   <a:schemeClr val="accent2"/>
                 </a:solidFill>
@@ -8446,7 +7453,7 @@
                 <a:spcPct val="90000"/>
               </a:lnSpc>
             </a:pPr>
-            <a:endParaRPr lang="en-GB" altLang="fr-FR" sz="1800" kern="0" dirty="0" smtClean="0">
+            <a:endParaRPr lang="en-GB" altLang="fr-FR" sz="1800" kern="0" dirty="0">
               <a:solidFill>
                 <a:schemeClr val="accent2"/>
               </a:solidFill>
@@ -8557,7 +7564,7 @@
 </p:sld>
 </file>
 
-<file path=ppt/slides/slide23.xml><?xml version="1.0" encoding="utf-8"?>
+<file path=ppt/slides/slide19.xml><?xml version="1.0" encoding="utf-8"?>
 <p:sld xmlns:a="http://schemas.openxmlformats.org/drawingml/2006/main" xmlns:r="http://schemas.openxmlformats.org/officeDocument/2006/relationships" xmlns:p="http://schemas.openxmlformats.org/presentationml/2006/main">
   <p:cSld>
     <p:spTree>
@@ -8590,10 +7597,9 @@
           <a:lstStyle/>
           <a:p>
             <a:r>
-              <a:rPr lang="fr-FR" dirty="0" smtClean="0"/>
+              <a:rPr lang="fr-FR" dirty="0"/>
               <a:t>Filtre</a:t>
             </a:r>
-            <a:endParaRPr lang="fr-FR" dirty="0"/>
           </a:p>
         </p:txBody>
       </p:sp>
@@ -8649,11 +7655,11 @@
               <a:t> </a:t>
             </a:r>
             <a:r>
-              <a:rPr lang="en-GB" altLang="fr-FR" sz="2000" dirty="0" err="1" smtClean="0"/>
+              <a:rPr lang="en-GB" altLang="fr-FR" sz="2000" dirty="0" err="1"/>
               <a:t>une</a:t>
             </a:r>
             <a:r>
-              <a:rPr lang="en-GB" altLang="fr-FR" sz="2000" dirty="0" smtClean="0"/>
+              <a:rPr lang="en-GB" altLang="fr-FR" sz="2000" dirty="0"/>
               <a:t> reference de </a:t>
             </a:r>
             <a:r>
@@ -8757,13 +7763,13 @@
               <a:t> </a:t>
             </a:r>
             <a:r>
-              <a:rPr lang="en-GB" altLang="fr-FR" sz="2000" dirty="0" err="1" smtClean="0">
+              <a:rPr lang="en-GB" altLang="fr-FR" sz="2000" dirty="0" err="1">
                 <a:latin typeface="Courier New" panose="02070309020205020404" pitchFamily="49" charset="0"/>
               </a:rPr>
               <a:t>vraie</a:t>
             </a:r>
             <a:r>
-              <a:rPr lang="en-GB" altLang="fr-FR" sz="2000" dirty="0" smtClean="0">
+              <a:rPr lang="en-GB" altLang="fr-FR" sz="2000" dirty="0">
                 <a:latin typeface="Courier New" panose="02070309020205020404" pitchFamily="49" charset="0"/>
               </a:rPr>
               <a:t>.</a:t>
@@ -8779,7 +7785,7 @@
               </a:spcAft>
             </a:pPr>
             <a:r>
-              <a:rPr lang="en-GB" altLang="fr-FR" sz="2000" dirty="0" smtClean="0">
+              <a:rPr lang="en-GB" altLang="fr-FR" sz="2000" dirty="0">
                 <a:latin typeface="Courier New" panose="02070309020205020404" pitchFamily="49" charset="0"/>
               </a:rPr>
               <a:t>Par </a:t>
@@ -8927,17 +7933,10 @@
   <p:clrMapOvr>
     <a:masterClrMapping/>
   </p:clrMapOvr>
-  <p:timing>
-    <p:tnLst>
-      <p:par>
-        <p:cTn id="1" dur="indefinite" restart="never" nodeType="tmRoot"/>
-      </p:par>
-    </p:tnLst>
-  </p:timing>
 </p:sld>
 </file>
 
-<file path=ppt/slides/slide24.xml><?xml version="1.0" encoding="utf-8"?>
+<file path=ppt/slides/slide2.xml><?xml version="1.0" encoding="utf-8"?>
 <p:sld xmlns:a="http://schemas.openxmlformats.org/drawingml/2006/main" xmlns:r="http://schemas.openxmlformats.org/officeDocument/2006/relationships" xmlns:p="http://schemas.openxmlformats.org/presentationml/2006/main">
   <p:cSld>
     <p:spTree>
@@ -8970,10 +7969,9 @@
           <a:lstStyle/>
           <a:p>
             <a:r>
-              <a:rPr lang="fr-FR" dirty="0" err="1" smtClean="0"/>
-              <a:t>Map</a:t>
-            </a:r>
-            <a:endParaRPr lang="fr-FR" dirty="0"/>
+              <a:rPr lang="fr-FR" dirty="0"/>
+              <a:t>Fonctions</a:t>
+            </a:r>
           </a:p>
         </p:txBody>
       </p:sp>
@@ -8992,43 +7990,131 @@
           <a:bodyPr/>
           <a:lstStyle/>
           <a:p>
-            <a:r>
-              <a:rPr lang="fr-FR" dirty="0" smtClean="0"/>
-              <a:t>Permet d’appliquer une fonction à une liste</a:t>
-            </a:r>
-          </a:p>
-          <a:p>
-            <a:pPr lvl="1"/>
-            <a:r>
-              <a:rPr lang="en-US" dirty="0" smtClean="0"/>
-              <a:t>l= </a:t>
-            </a:r>
-            <a:r>
-              <a:rPr lang="en-US" dirty="0"/>
-              <a:t>["It's over 9000 !", "All your base are belong to us."]</a:t>
-            </a:r>
-          </a:p>
-          <a:p>
-            <a:pPr lvl="1"/>
-            <a:r>
-              <a:rPr lang="en-US" dirty="0"/>
-              <a:t>print(map(</a:t>
-            </a:r>
-            <a:r>
-              <a:rPr lang="en-US" dirty="0" err="1"/>
-              <a:t>unicode.upper</a:t>
-            </a:r>
-            <a:r>
-              <a:rPr lang="en-US" dirty="0"/>
-              <a:t>, </a:t>
-            </a:r>
-            <a:r>
-              <a:rPr lang="en-US" dirty="0" smtClean="0"/>
-              <a:t>l))</a:t>
-            </a:r>
-            <a:endParaRPr lang="fr-FR" dirty="0" smtClean="0"/>
-          </a:p>
-          <a:p>
+            <a:pPr eaLnBrk="1" hangingPunct="1"/>
+            <a:r>
+              <a:rPr lang="fr-BE" altLang="fr-FR" dirty="0"/>
+              <a:t>Outre les fonctions de bases de Python, il est possible d’en définir de nouvelles grâce à l’instruction « </a:t>
+            </a:r>
+            <a:r>
+              <a:rPr lang="fr-BE" altLang="fr-FR" dirty="0" err="1"/>
+              <a:t>def</a:t>
+            </a:r>
+            <a:r>
+              <a:rPr lang="fr-BE" altLang="fr-FR" dirty="0"/>
+              <a:t> ».</a:t>
+            </a:r>
+          </a:p>
+          <a:p>
+            <a:pPr marL="0" indent="0" eaLnBrk="1" hangingPunct="1">
+              <a:buNone/>
+            </a:pPr>
+            <a:r>
+              <a:rPr lang="fr-BE" altLang="fr-FR" dirty="0"/>
+              <a:t>        </a:t>
+            </a:r>
+            <a:r>
+              <a:rPr lang="fr-BE" altLang="fr-FR" dirty="0" err="1">
+                <a:solidFill>
+                  <a:schemeClr val="accent2"/>
+                </a:solidFill>
+              </a:rPr>
+              <a:t>def</a:t>
+            </a:r>
+            <a:r>
+              <a:rPr lang="fr-BE" altLang="fr-FR" dirty="0">
+                <a:solidFill>
+                  <a:schemeClr val="accent2"/>
+                </a:solidFill>
+              </a:rPr>
+              <a:t> </a:t>
+            </a:r>
+            <a:r>
+              <a:rPr lang="fr-BE" altLang="fr-FR" dirty="0" err="1">
+                <a:solidFill>
+                  <a:schemeClr val="accent2"/>
+                </a:solidFill>
+              </a:rPr>
+              <a:t>nom_fct</a:t>
+            </a:r>
+            <a:r>
+              <a:rPr lang="fr-BE" altLang="fr-FR" dirty="0">
+                <a:solidFill>
+                  <a:schemeClr val="accent2"/>
+                </a:solidFill>
+              </a:rPr>
+              <a:t> (arg1,arg2,…,</a:t>
+            </a:r>
+            <a:r>
+              <a:rPr lang="fr-BE" altLang="fr-FR" dirty="0" err="1">
+                <a:solidFill>
+                  <a:schemeClr val="accent2"/>
+                </a:solidFill>
+              </a:rPr>
+              <a:t>argn</a:t>
+            </a:r>
+            <a:r>
+              <a:rPr lang="fr-BE" altLang="fr-FR" dirty="0">
+                <a:solidFill>
+                  <a:schemeClr val="accent2"/>
+                </a:solidFill>
+              </a:rPr>
+              <a:t>):</a:t>
+            </a:r>
+          </a:p>
+          <a:p>
+            <a:pPr marL="0" indent="0" eaLnBrk="1" hangingPunct="1">
+              <a:buNone/>
+            </a:pPr>
+            <a:r>
+              <a:rPr lang="fr-BE" altLang="fr-FR" dirty="0">
+                <a:solidFill>
+                  <a:schemeClr val="accent2"/>
+                </a:solidFill>
+              </a:rPr>
+              <a:t>                           &lt;instruction&gt;</a:t>
+            </a:r>
+          </a:p>
+          <a:p>
+            <a:pPr marL="0" indent="0" eaLnBrk="1" hangingPunct="1">
+              <a:buNone/>
+            </a:pPr>
+            <a:r>
+              <a:rPr lang="fr-BE" altLang="fr-FR" dirty="0">
+                <a:solidFill>
+                  <a:schemeClr val="accent2"/>
+                </a:solidFill>
+              </a:rPr>
+              <a:t>                            return &lt;valeur&gt;</a:t>
+            </a:r>
+          </a:p>
+          <a:p>
+            <a:pPr eaLnBrk="1" hangingPunct="1"/>
+            <a:r>
+              <a:rPr lang="fr-BE" altLang="fr-FR" dirty="0"/>
+              <a:t>La surcharge est </a:t>
+            </a:r>
+            <a:r>
+              <a:rPr lang="fr-BE" altLang="fr-FR"/>
+              <a:t>autorisée en Python 3</a:t>
+            </a:r>
+            <a:endParaRPr lang="fr-BE" altLang="fr-FR" dirty="0">
+              <a:solidFill>
+                <a:schemeClr val="accent2"/>
+              </a:solidFill>
+            </a:endParaRPr>
+          </a:p>
+          <a:p>
+            <a:pPr eaLnBrk="1" hangingPunct="1"/>
+            <a:endParaRPr lang="fr-BE" altLang="fr-FR" dirty="0">
+              <a:solidFill>
+                <a:schemeClr val="accent2"/>
+              </a:solidFill>
+            </a:endParaRPr>
+          </a:p>
+          <a:p>
+            <a:pPr marL="0" indent="0">
+              <a:buNone/>
+            </a:pPr>
             <a:endParaRPr lang="fr-FR" dirty="0"/>
           </a:p>
         </p:txBody>
@@ -9036,24 +8122,17 @@
     </p:spTree>
     <p:extLst>
       <p:ext uri="{BB962C8B-B14F-4D97-AF65-F5344CB8AC3E}">
-        <p14:creationId xmlns:p14="http://schemas.microsoft.com/office/powerpoint/2010/main" val="2349794119"/>
+        <p14:creationId xmlns:p14="http://schemas.microsoft.com/office/powerpoint/2010/main" val="362897832"/>
       </p:ext>
     </p:extLst>
   </p:cSld>
   <p:clrMapOvr>
     <a:masterClrMapping/>
   </p:clrMapOvr>
-  <p:timing>
-    <p:tnLst>
-      <p:par>
-        <p:cTn id="1" dur="indefinite" restart="never" nodeType="tmRoot"/>
-      </p:par>
-    </p:tnLst>
-  </p:timing>
 </p:sld>
 </file>
 
-<file path=ppt/slides/slide25.xml><?xml version="1.0" encoding="utf-8"?>
+<file path=ppt/slides/slide20.xml><?xml version="1.0" encoding="utf-8"?>
 <p:sld xmlns:a="http://schemas.openxmlformats.org/drawingml/2006/main" xmlns:r="http://schemas.openxmlformats.org/officeDocument/2006/relationships" xmlns:p="http://schemas.openxmlformats.org/presentationml/2006/main">
   <p:cSld>
     <p:spTree>
@@ -9086,8 +8165,8 @@
           <a:lstStyle/>
           <a:p>
             <a:r>
-              <a:rPr lang="fr-FR" dirty="0" smtClean="0"/>
-              <a:t>Les listes en intention</a:t>
+              <a:rPr lang="fr-FR" dirty="0" err="1"/>
+              <a:t>Map</a:t>
             </a:r>
             <a:endParaRPr lang="fr-FR" dirty="0"/>
           </a:p>
@@ -9109,13 +8188,109 @@
           <a:lstStyle/>
           <a:p>
             <a:r>
-              <a:rPr lang="fr-FR" dirty="0" smtClean="0"/>
+              <a:rPr lang="fr-FR" dirty="0"/>
+              <a:t>Permet d’appliquer une fonction à une liste</a:t>
+            </a:r>
+          </a:p>
+          <a:p>
+            <a:pPr lvl="1"/>
+            <a:r>
+              <a:rPr lang="en-US" dirty="0"/>
+              <a:t>l= ["It's over 9000 !", "All your base are belong to us."]</a:t>
+            </a:r>
+          </a:p>
+          <a:p>
+            <a:pPr lvl="1"/>
+            <a:r>
+              <a:rPr lang="en-US" dirty="0"/>
+              <a:t>print(map(</a:t>
+            </a:r>
+            <a:r>
+              <a:rPr lang="en-US" dirty="0" err="1"/>
+              <a:t>unicode.upper</a:t>
+            </a:r>
+            <a:r>
+              <a:rPr lang="en-US" dirty="0"/>
+              <a:t>, l))</a:t>
+            </a:r>
+            <a:endParaRPr lang="fr-FR" dirty="0"/>
+          </a:p>
+          <a:p>
+            <a:endParaRPr lang="fr-FR" dirty="0"/>
+          </a:p>
+        </p:txBody>
+      </p:sp>
+    </p:spTree>
+    <p:extLst>
+      <p:ext uri="{BB962C8B-B14F-4D97-AF65-F5344CB8AC3E}">
+        <p14:creationId xmlns:p14="http://schemas.microsoft.com/office/powerpoint/2010/main" val="2349794119"/>
+      </p:ext>
+    </p:extLst>
+  </p:cSld>
+  <p:clrMapOvr>
+    <a:masterClrMapping/>
+  </p:clrMapOvr>
+</p:sld>
+</file>
+
+<file path=ppt/slides/slide21.xml><?xml version="1.0" encoding="utf-8"?>
+<p:sld xmlns:a="http://schemas.openxmlformats.org/drawingml/2006/main" xmlns:r="http://schemas.openxmlformats.org/officeDocument/2006/relationships" xmlns:p="http://schemas.openxmlformats.org/presentationml/2006/main">
+  <p:cSld>
+    <p:spTree>
+      <p:nvGrpSpPr>
+        <p:cNvPr id="1" name=""/>
+        <p:cNvGrpSpPr/>
+        <p:nvPr/>
+      </p:nvGrpSpPr>
+      <p:grpSpPr>
+        <a:xfrm>
+          <a:off x="0" y="0"/>
+          <a:ext cx="0" cy="0"/>
+          <a:chOff x="0" y="0"/>
+          <a:chExt cx="0" cy="0"/>
+        </a:xfrm>
+      </p:grpSpPr>
+      <p:sp>
+        <p:nvSpPr>
+          <p:cNvPr id="2" name="Titre 1"/>
+          <p:cNvSpPr>
+            <a:spLocks noGrp="1"/>
+          </p:cNvSpPr>
+          <p:nvPr>
+            <p:ph type="title"/>
+          </p:nvPr>
+        </p:nvSpPr>
+        <p:spPr/>
+        <p:txBody>
+          <a:bodyPr/>
+          <a:lstStyle/>
+          <a:p>
+            <a:r>
+              <a:rPr lang="fr-FR" dirty="0"/>
+              <a:t>Les listes en intention</a:t>
+            </a:r>
+          </a:p>
+        </p:txBody>
+      </p:sp>
+      <p:sp>
+        <p:nvSpPr>
+          <p:cNvPr id="3" name="Espace réservé du contenu 2"/>
+          <p:cNvSpPr>
+            <a:spLocks noGrp="1"/>
+          </p:cNvSpPr>
+          <p:nvPr>
+            <p:ph idx="1"/>
+          </p:nvPr>
+        </p:nvSpPr>
+        <p:spPr/>
+        <p:txBody>
+          <a:bodyPr/>
+          <a:lstStyle/>
+          <a:p>
+            <a:r>
+              <a:rPr lang="fr-FR" dirty="0"/>
               <a:t>Une boucle classique </a:t>
             </a:r>
-          </a:p>
-          <a:p>
-            <a:pPr lvl="2"/>
-            <a:endParaRPr lang="fr-FR" dirty="0" smtClean="0"/>
           </a:p>
           <a:p>
             <a:pPr lvl="2"/>
@@ -9123,11 +8298,15 @@
           </a:p>
           <a:p>
             <a:pPr lvl="2"/>
-            <a:endParaRPr lang="fr-FR" dirty="0" smtClean="0"/>
-          </a:p>
-          <a:p>
-            <a:r>
-              <a:rPr lang="fr-FR" dirty="0" smtClean="0"/>
+            <a:endParaRPr lang="fr-FR" dirty="0"/>
+          </a:p>
+          <a:p>
+            <a:pPr lvl="2"/>
+            <a:endParaRPr lang="fr-FR" dirty="0"/>
+          </a:p>
+          <a:p>
+            <a:r>
+              <a:rPr lang="fr-FR" dirty="0"/>
               <a:t>Peut se réécrire en liste en intention</a:t>
             </a:r>
           </a:p>
@@ -9135,37 +8314,37 @@
             <a:endParaRPr lang="fr-FR" dirty="0"/>
           </a:p>
           <a:p>
-            <a:endParaRPr lang="fr-FR" dirty="0" smtClean="0"/>
+            <a:endParaRPr lang="fr-FR" dirty="0"/>
           </a:p>
           <a:p>
             <a:pPr lvl="1"/>
             <a:r>
-              <a:rPr lang="fr-FR" dirty="0" smtClean="0"/>
+              <a:rPr lang="fr-FR" dirty="0"/>
               <a:t>Combinable avec </a:t>
             </a:r>
             <a:r>
-              <a:rPr lang="fr-FR" dirty="0" err="1" smtClean="0"/>
+              <a:rPr lang="fr-FR" dirty="0" err="1"/>
               <a:t>filter</a:t>
             </a:r>
-            <a:endParaRPr lang="fr-FR" dirty="0" smtClean="0"/>
-          </a:p>
-          <a:p>
-            <a:r>
-              <a:rPr lang="fr-FR" dirty="0" smtClean="0"/>
+            <a:endParaRPr lang="fr-FR" dirty="0"/>
+          </a:p>
+          <a:p>
+            <a:r>
+              <a:rPr lang="fr-FR" dirty="0"/>
               <a:t>Permet d’effectuer une opération directement sur une liste</a:t>
             </a:r>
           </a:p>
           <a:p>
             <a:pPr lvl="1"/>
             <a:r>
-              <a:rPr lang="fr-FR" dirty="0" smtClean="0"/>
+              <a:rPr lang="fr-FR" dirty="0"/>
               <a:t>Utilisation d’un </a:t>
             </a:r>
             <a:r>
-              <a:rPr lang="fr-FR" dirty="0" err="1" smtClean="0"/>
+              <a:rPr lang="fr-FR" dirty="0" err="1"/>
               <a:t>map</a:t>
             </a:r>
-            <a:endParaRPr lang="fr-FR" dirty="0" smtClean="0"/>
+            <a:endParaRPr lang="fr-FR" dirty="0"/>
           </a:p>
         </p:txBody>
       </p:sp>
@@ -9227,17 +8406,10 @@
   <p:clrMapOvr>
     <a:masterClrMapping/>
   </p:clrMapOvr>
-  <p:timing>
-    <p:tnLst>
-      <p:par>
-        <p:cTn id="1" dur="indefinite" restart="never" nodeType="tmRoot"/>
-      </p:par>
-    </p:tnLst>
-  </p:timing>
 </p:sld>
 </file>
 
-<file path=ppt/slides/slide26.xml><?xml version="1.0" encoding="utf-8"?>
+<file path=ppt/slides/slide22.xml><?xml version="1.0" encoding="utf-8"?>
 <p:sld xmlns:a="http://schemas.openxmlformats.org/drawingml/2006/main" xmlns:r="http://schemas.openxmlformats.org/officeDocument/2006/relationships" xmlns:p="http://schemas.openxmlformats.org/presentationml/2006/main">
   <p:cSld>
     <p:spTree>
@@ -9270,10 +8442,9 @@
           <a:lstStyle/>
           <a:p>
             <a:r>
-              <a:rPr lang="fr-FR" dirty="0" smtClean="0"/>
+              <a:rPr lang="fr-FR" dirty="0"/>
               <a:t>Liste en intention et filtre</a:t>
             </a:r>
-            <a:endParaRPr lang="fr-FR" dirty="0"/>
           </a:p>
         </p:txBody>
       </p:sp>
@@ -9293,33 +8464,25 @@
           <a:lstStyle/>
           <a:p>
             <a:r>
-              <a:rPr lang="en-US" dirty="0" smtClean="0"/>
-              <a:t>[function(item</a:t>
-            </a:r>
-            <a:r>
               <a:rPr lang="en-US" dirty="0"/>
-              <a:t>) for item in list if condition(item</a:t>
-            </a:r>
-            <a:r>
-              <a:rPr lang="en-US" dirty="0" smtClean="0"/>
-              <a:t>)]</a:t>
-            </a:r>
-          </a:p>
-          <a:p>
-            <a:r>
-              <a:rPr lang="en-US" dirty="0" err="1" smtClean="0"/>
+              <a:t>[function(item) for item in list if condition(item)]</a:t>
+            </a:r>
+          </a:p>
+          <a:p>
+            <a:r>
+              <a:rPr lang="en-US" dirty="0" err="1"/>
               <a:t>Remplace</a:t>
             </a:r>
             <a:r>
-              <a:rPr lang="en-US" dirty="0" smtClean="0"/>
+              <a:rPr lang="en-US" dirty="0"/>
               <a:t> un </a:t>
             </a:r>
             <a:r>
-              <a:rPr lang="en-US" dirty="0" err="1" smtClean="0"/>
+              <a:rPr lang="en-US" dirty="0" err="1"/>
               <a:t>filtre</a:t>
             </a:r>
             <a:r>
-              <a:rPr lang="en-US" dirty="0" smtClean="0"/>
+              <a:rPr lang="en-US" dirty="0"/>
               <a:t> et un map</a:t>
             </a:r>
           </a:p>
@@ -9343,17 +8506,10 @@
   <p:clrMapOvr>
     <a:masterClrMapping/>
   </p:clrMapOvr>
-  <p:timing>
-    <p:tnLst>
-      <p:par>
-        <p:cTn id="1" dur="indefinite" restart="never" nodeType="tmRoot"/>
-      </p:par>
-    </p:tnLst>
-  </p:timing>
 </p:sld>
 </file>
 
-<file path=ppt/slides/slide27.xml><?xml version="1.0" encoding="utf-8"?>
+<file path=ppt/slides/slide23.xml><?xml version="1.0" encoding="utf-8"?>
 <p:sld xmlns:a="http://schemas.openxmlformats.org/drawingml/2006/main" xmlns:r="http://schemas.openxmlformats.org/officeDocument/2006/relationships" xmlns:p="http://schemas.openxmlformats.org/presentationml/2006/main">
   <p:cSld>
     <p:spTree>
@@ -11559,14 +10715,14 @@
           <a:p>
             <a:pPr eaLnBrk="1" hangingPunct="1"/>
             <a:r>
-              <a:rPr lang="en-US" altLang="fr-FR" dirty="0" smtClean="0"/>
+              <a:rPr lang="en-US" altLang="fr-FR" dirty="0"/>
               <a:t>Les types </a:t>
             </a:r>
             <a:r>
-              <a:rPr lang="en-US" altLang="fr-FR" dirty="0" err="1" smtClean="0"/>
+              <a:rPr lang="en-US" altLang="fr-FR" dirty="0" err="1"/>
               <a:t>valeurs</a:t>
             </a:r>
-            <a:endParaRPr lang="en-US" altLang="fr-FR" dirty="0" smtClean="0"/>
+            <a:endParaRPr lang="en-US" altLang="fr-FR" dirty="0"/>
           </a:p>
         </p:txBody>
       </p:sp>
@@ -11733,17 +10889,10 @@
   <p:clrMapOvr>
     <a:masterClrMapping/>
   </p:clrMapOvr>
-  <p:timing>
-    <p:tnLst>
-      <p:par>
-        <p:cTn id="1" dur="indefinite" restart="never" nodeType="tmRoot"/>
-      </p:par>
-    </p:tnLst>
-  </p:timing>
 </p:sld>
 </file>
 
-<file path=ppt/slides/slide28.xml><?xml version="1.0" encoding="utf-8"?>
+<file path=ppt/slides/slide24.xml><?xml version="1.0" encoding="utf-8"?>
 <p:sld xmlns:a="http://schemas.openxmlformats.org/drawingml/2006/main" xmlns:r="http://schemas.openxmlformats.org/officeDocument/2006/relationships" xmlns:p="http://schemas.openxmlformats.org/presentationml/2006/main">
   <p:cSld>
     <p:spTree>
@@ -15043,14 +14192,14 @@
           <a:p>
             <a:pPr eaLnBrk="1" hangingPunct="1"/>
             <a:r>
-              <a:rPr lang="en-US" altLang="fr-FR" dirty="0" smtClean="0"/>
+              <a:rPr lang="en-US" altLang="fr-FR" dirty="0"/>
               <a:t>Les types </a:t>
             </a:r>
             <a:r>
-              <a:rPr lang="en-US" altLang="fr-FR" dirty="0" err="1" smtClean="0"/>
+              <a:rPr lang="en-US" altLang="fr-FR" dirty="0" err="1"/>
               <a:t>références</a:t>
             </a:r>
-            <a:endParaRPr lang="en-US" altLang="fr-FR" dirty="0" smtClean="0"/>
+            <a:endParaRPr lang="en-US" altLang="fr-FR" dirty="0"/>
           </a:p>
         </p:txBody>
       </p:sp>
@@ -15064,17 +14213,10 @@
   <p:clrMapOvr>
     <a:masterClrMapping/>
   </p:clrMapOvr>
-  <p:timing>
-    <p:tnLst>
-      <p:par>
-        <p:cTn id="1" dur="indefinite" restart="never" nodeType="tmRoot"/>
-      </p:par>
-    </p:tnLst>
-  </p:timing>
 </p:sld>
 </file>
 
-<file path=ppt/slides/slide29.xml><?xml version="1.0" encoding="utf-8"?>
+<file path=ppt/slides/slide25.xml><?xml version="1.0" encoding="utf-8"?>
 <p:sld xmlns:a="http://schemas.openxmlformats.org/drawingml/2006/main" xmlns:r="http://schemas.openxmlformats.org/officeDocument/2006/relationships" xmlns:p="http://schemas.openxmlformats.org/presentationml/2006/main">
   <p:cSld>
     <p:spTree>
@@ -15107,7 +14249,7 @@
           <a:lstStyle/>
           <a:p>
             <a:r>
-              <a:rPr lang="fr-FR" dirty="0" err="1" smtClean="0"/>
+              <a:rPr lang="fr-FR" dirty="0" err="1"/>
               <a:t>Tuples</a:t>
             </a:r>
             <a:endParaRPr lang="fr-FR" dirty="0"/>
@@ -15130,13 +14272,13 @@
           <a:lstStyle/>
           <a:p>
             <a:r>
-              <a:rPr lang="fr-FR" dirty="0" smtClean="0"/>
+              <a:rPr lang="fr-FR" dirty="0"/>
               <a:t>Est une collection de valeurs non modifiable</a:t>
             </a:r>
           </a:p>
           <a:p>
             <a:r>
-              <a:rPr lang="en-GB" altLang="fr-FR" dirty="0" smtClean="0"/>
+              <a:rPr lang="en-GB" altLang="fr-FR" dirty="0"/>
               <a:t>Des </a:t>
             </a:r>
             <a:r>
@@ -15161,140 +14303,124 @@
             </a:r>
             <a:r>
               <a:rPr lang="en-GB" altLang="fr-FR" dirty="0"/>
-              <a:t> par des </a:t>
-            </a:r>
-            <a:r>
-              <a:rPr lang="en-GB" altLang="fr-FR" dirty="0" smtClean="0"/>
-              <a:t>virgules</a:t>
+              <a:t> par des virgules</a:t>
             </a:r>
           </a:p>
           <a:p>
             <a:pPr lvl="1"/>
             <a:r>
-              <a:rPr lang="en-GB" altLang="fr-FR" dirty="0" smtClean="0"/>
-              <a:t>&gt;&gt;&gt;</a:t>
-            </a:r>
-            <a:r>
               <a:rPr lang="en-GB" altLang="fr-FR" dirty="0"/>
-              <a:t>tuple=(0,1.4,’world</a:t>
-            </a:r>
-            <a:r>
-              <a:rPr lang="en-GB" altLang="fr-FR" dirty="0" smtClean="0"/>
-              <a:t>’)</a:t>
-            </a:r>
-          </a:p>
-          <a:p>
-            <a:r>
-              <a:rPr lang="en-GB" altLang="fr-FR" dirty="0" err="1" smtClean="0"/>
+              <a:t>&gt;&gt;&gt;tuple=(0,1.4,’world’)</a:t>
+            </a:r>
+          </a:p>
+          <a:p>
+            <a:r>
+              <a:rPr lang="en-GB" altLang="fr-FR" dirty="0" err="1"/>
               <a:t>Très</a:t>
             </a:r>
             <a:r>
-              <a:rPr lang="en-GB" altLang="fr-FR" dirty="0" smtClean="0"/>
+              <a:rPr lang="en-GB" altLang="fr-FR" dirty="0"/>
               <a:t> utile pour les retours de </a:t>
             </a:r>
             <a:r>
-              <a:rPr lang="en-GB" altLang="fr-FR" dirty="0" err="1" smtClean="0"/>
+              <a:rPr lang="en-GB" altLang="fr-FR" dirty="0" err="1"/>
               <a:t>fonctions</a:t>
             </a:r>
-            <a:endParaRPr lang="en-GB" altLang="fr-FR" dirty="0" smtClean="0"/>
+            <a:endParaRPr lang="en-GB" altLang="fr-FR" dirty="0"/>
           </a:p>
           <a:p>
             <a:pPr lvl="1"/>
             <a:r>
-              <a:rPr lang="en-GB" altLang="fr-FR" dirty="0" err="1" smtClean="0"/>
+              <a:rPr lang="en-GB" altLang="fr-FR" dirty="0" err="1"/>
               <a:t>Egalement</a:t>
             </a:r>
             <a:r>
-              <a:rPr lang="en-GB" altLang="fr-FR" dirty="0" smtClean="0"/>
+              <a:rPr lang="en-GB" altLang="fr-FR" dirty="0"/>
               <a:t> pour les </a:t>
             </a:r>
             <a:r>
-              <a:rPr lang="en-GB" altLang="fr-FR" dirty="0" err="1" smtClean="0"/>
+              <a:rPr lang="en-GB" altLang="fr-FR" dirty="0" err="1"/>
               <a:t>appels</a:t>
             </a:r>
             <a:r>
-              <a:rPr lang="en-GB" altLang="fr-FR" dirty="0" smtClean="0"/>
+              <a:rPr lang="en-GB" altLang="fr-FR" dirty="0"/>
               <a:t> pour assurer de la non modification des </a:t>
             </a:r>
             <a:r>
-              <a:rPr lang="en-GB" altLang="fr-FR" dirty="0" err="1" smtClean="0"/>
+              <a:rPr lang="en-GB" altLang="fr-FR" dirty="0" err="1"/>
               <a:t>valeurs</a:t>
             </a:r>
-            <a:endParaRPr lang="en-GB" altLang="fr-FR" dirty="0" smtClean="0"/>
-          </a:p>
-          <a:p>
-            <a:r>
-              <a:rPr lang="en-GB" altLang="fr-FR" dirty="0" err="1" smtClean="0"/>
+            <a:endParaRPr lang="en-GB" altLang="fr-FR" dirty="0"/>
+          </a:p>
+          <a:p>
+            <a:r>
+              <a:rPr lang="en-GB" altLang="fr-FR" dirty="0" err="1"/>
               <a:t>Rapide</a:t>
             </a:r>
-            <a:endParaRPr lang="en-GB" altLang="fr-FR" dirty="0" smtClean="0"/>
+            <a:endParaRPr lang="en-GB" altLang="fr-FR" dirty="0"/>
           </a:p>
           <a:p>
             <a:r>
               <a:rPr lang="en-GB" altLang="fr-FR" dirty="0"/>
-              <a:t>t</a:t>
-            </a:r>
-            <a:r>
-              <a:rPr lang="en-GB" altLang="fr-FR" dirty="0" smtClean="0"/>
-              <a:t>uple()</a:t>
+              <a:t>tuple()</a:t>
             </a:r>
           </a:p>
           <a:p>
             <a:pPr lvl="1"/>
             <a:r>
-              <a:rPr lang="en-GB" altLang="fr-FR" dirty="0" err="1" smtClean="0"/>
+              <a:rPr lang="en-GB" altLang="fr-FR" dirty="0" err="1"/>
               <a:t>Convertit</a:t>
             </a:r>
             <a:r>
-              <a:rPr lang="en-GB" altLang="fr-FR" dirty="0" smtClean="0"/>
+              <a:rPr lang="en-GB" altLang="fr-FR" dirty="0"/>
               <a:t> </a:t>
             </a:r>
             <a:r>
-              <a:rPr lang="en-GB" altLang="fr-FR" dirty="0" err="1" smtClean="0"/>
+              <a:rPr lang="en-GB" altLang="fr-FR" dirty="0" err="1"/>
               <a:t>une</a:t>
             </a:r>
             <a:r>
-              <a:rPr lang="en-GB" altLang="fr-FR" dirty="0" smtClean="0"/>
+              <a:rPr lang="en-GB" altLang="fr-FR" dirty="0"/>
               <a:t> </a:t>
             </a:r>
             <a:r>
-              <a:rPr lang="en-GB" altLang="fr-FR" dirty="0" err="1" smtClean="0"/>
+              <a:rPr lang="en-GB" altLang="fr-FR" dirty="0" err="1"/>
               <a:t>liste</a:t>
             </a:r>
             <a:r>
-              <a:rPr lang="en-GB" altLang="fr-FR" dirty="0" smtClean="0"/>
+              <a:rPr lang="en-GB" altLang="fr-FR" dirty="0"/>
               <a:t> </a:t>
             </a:r>
             <a:r>
-              <a:rPr lang="en-GB" altLang="fr-FR" dirty="0" err="1" smtClean="0"/>
+              <a:rPr lang="en-GB" altLang="fr-FR" dirty="0" err="1"/>
               <a:t>en</a:t>
             </a:r>
             <a:r>
-              <a:rPr lang="en-GB" altLang="fr-FR" dirty="0" smtClean="0"/>
+              <a:rPr lang="en-GB" altLang="fr-FR" dirty="0"/>
               <a:t> tuple </a:t>
             </a:r>
             <a:r>
-              <a:rPr lang="en-GB" altLang="fr-FR" dirty="0" err="1" smtClean="0"/>
+              <a:rPr lang="en-GB" altLang="fr-FR" dirty="0" err="1"/>
               <a:t>en</a:t>
             </a:r>
             <a:r>
-              <a:rPr lang="en-GB" altLang="fr-FR" dirty="0" smtClean="0"/>
+              <a:rPr lang="en-GB" altLang="fr-FR" dirty="0"/>
               <a:t> la </a:t>
             </a:r>
             <a:r>
-              <a:rPr lang="en-GB" altLang="fr-FR" dirty="0" err="1" smtClean="0"/>
+              <a:rPr lang="en-GB" altLang="fr-FR" dirty="0" err="1"/>
               <a:t>clonant</a:t>
             </a:r>
             <a:r>
-              <a:rPr lang="en-GB" altLang="fr-FR" dirty="0" smtClean="0"/>
+              <a:rPr lang="en-GB" altLang="fr-FR" dirty="0"/>
               <a:t> </a:t>
             </a:r>
             <a:r>
-              <a:rPr lang="en-GB" altLang="fr-FR" dirty="0" err="1" smtClean="0"/>
+              <a:rPr lang="en-GB" altLang="fr-FR" dirty="0" err="1"/>
               <a:t>ou</a:t>
             </a:r>
             <a:r>
-              <a:rPr lang="en-GB" altLang="fr-FR" dirty="0" smtClean="0"/>
+              <a:rPr lang="en-GB" altLang="fr-FR" dirty="0"/>
               <a:t> clone le tuple</a:t>
             </a:r>
           </a:p>
@@ -15316,17 +14442,10 @@
   <p:clrMapOvr>
     <a:masterClrMapping/>
   </p:clrMapOvr>
-  <p:timing>
-    <p:tnLst>
-      <p:par>
-        <p:cTn id="1" dur="indefinite" restart="never" nodeType="tmRoot"/>
-      </p:par>
-    </p:tnLst>
-  </p:timing>
 </p:sld>
 </file>
 
-<file path=ppt/slides/slide3.xml><?xml version="1.0" encoding="utf-8"?>
+<file path=ppt/slides/slide26.xml><?xml version="1.0" encoding="utf-8"?>
 <p:sld xmlns:a="http://schemas.openxmlformats.org/drawingml/2006/main" xmlns:r="http://schemas.openxmlformats.org/officeDocument/2006/relationships" xmlns:p="http://schemas.openxmlformats.org/presentationml/2006/main">
   <p:cSld>
     <p:spTree>
@@ -15359,130 +14478,11 @@
           <a:lstStyle/>
           <a:p>
             <a:r>
-              <a:rPr lang="fr-FR" dirty="0" smtClean="0"/>
-              <a:t>Appel d’une fonction</a:t>
-            </a:r>
-            <a:endParaRPr lang="fr-FR" dirty="0"/>
-          </a:p>
-        </p:txBody>
-      </p:sp>
-      <p:sp>
-        <p:nvSpPr>
-          <p:cNvPr id="3" name="Espace réservé du contenu 2"/>
-          <p:cNvSpPr>
-            <a:spLocks noGrp="1"/>
-          </p:cNvSpPr>
-          <p:nvPr>
-            <p:ph idx="1"/>
-          </p:nvPr>
-        </p:nvSpPr>
-        <p:spPr/>
-        <p:txBody>
-          <a:bodyPr/>
-          <a:lstStyle/>
-          <a:p>
-            <a:r>
-              <a:rPr lang="fr-BE" altLang="fr-FR" dirty="0"/>
-              <a:t>La forme générale pour passer des arguments est </a:t>
-            </a:r>
-            <a:r>
-              <a:rPr lang="fr-BE" altLang="fr-FR" dirty="0" err="1"/>
-              <a:t>nom_fct</a:t>
-            </a:r>
-            <a:r>
-              <a:rPr lang="fr-BE" altLang="fr-FR" dirty="0"/>
-              <a:t>(arg1,arg2,…,</a:t>
-            </a:r>
-            <a:r>
-              <a:rPr lang="fr-BE" altLang="fr-FR" dirty="0" err="1"/>
-              <a:t>argn</a:t>
-            </a:r>
-            <a:r>
-              <a:rPr lang="fr-BE" altLang="fr-FR" dirty="0" smtClean="0"/>
-              <a:t>)</a:t>
-            </a:r>
-          </a:p>
-          <a:p>
-            <a:r>
-              <a:rPr lang="fr-BE" altLang="fr-FR" dirty="0"/>
-              <a:t>Les fonctions peuvent être appelées en utilisant des arguments mots-clés de la forme « </a:t>
-            </a:r>
-            <a:r>
-              <a:rPr lang="fr-BE" altLang="fr-FR" dirty="0" err="1" smtClean="0"/>
-              <a:t>parametre</a:t>
-            </a:r>
-            <a:r>
-              <a:rPr lang="fr-BE" altLang="fr-FR" dirty="0" smtClean="0"/>
-              <a:t>=valeur</a:t>
-            </a:r>
-            <a:r>
-              <a:rPr lang="fr-BE" altLang="fr-FR" dirty="0"/>
-              <a:t> »</a:t>
-            </a:r>
-          </a:p>
-          <a:p>
-            <a:endParaRPr lang="fr-FR" dirty="0"/>
-          </a:p>
-        </p:txBody>
-      </p:sp>
-    </p:spTree>
-    <p:extLst>
-      <p:ext uri="{BB962C8B-B14F-4D97-AF65-F5344CB8AC3E}">
-        <p14:creationId xmlns:p14="http://schemas.microsoft.com/office/powerpoint/2010/main" val="2957315189"/>
-      </p:ext>
-    </p:extLst>
-  </p:cSld>
-  <p:clrMapOvr>
-    <a:masterClrMapping/>
-  </p:clrMapOvr>
-  <p:timing>
-    <p:tnLst>
-      <p:par>
-        <p:cTn id="1" dur="indefinite" restart="never" nodeType="tmRoot"/>
-      </p:par>
-    </p:tnLst>
-  </p:timing>
-</p:sld>
-</file>
-
-<file path=ppt/slides/slide30.xml><?xml version="1.0" encoding="utf-8"?>
-<p:sld xmlns:a="http://schemas.openxmlformats.org/drawingml/2006/main" xmlns:r="http://schemas.openxmlformats.org/officeDocument/2006/relationships" xmlns:p="http://schemas.openxmlformats.org/presentationml/2006/main">
-  <p:cSld>
-    <p:spTree>
-      <p:nvGrpSpPr>
-        <p:cNvPr id="1" name=""/>
-        <p:cNvGrpSpPr/>
-        <p:nvPr/>
-      </p:nvGrpSpPr>
-      <p:grpSpPr>
-        <a:xfrm>
-          <a:off x="0" y="0"/>
-          <a:ext cx="0" cy="0"/>
-          <a:chOff x="0" y="0"/>
-          <a:chExt cx="0" cy="0"/>
-        </a:xfrm>
-      </p:grpSpPr>
-      <p:sp>
-        <p:nvSpPr>
-          <p:cNvPr id="2" name="Titre 1"/>
-          <p:cNvSpPr>
-            <a:spLocks noGrp="1"/>
-          </p:cNvSpPr>
-          <p:nvPr>
-            <p:ph type="title"/>
-          </p:nvPr>
-        </p:nvSpPr>
-        <p:spPr/>
-        <p:txBody>
-          <a:bodyPr/>
-          <a:lstStyle/>
-          <a:p>
-            <a:r>
-              <a:rPr lang="fr-FR" dirty="0" smtClean="0"/>
+              <a:rPr lang="fr-FR" dirty="0"/>
               <a:t>Opération sur les </a:t>
             </a:r>
             <a:r>
-              <a:rPr lang="fr-FR" dirty="0" err="1" smtClean="0"/>
+              <a:rPr lang="fr-FR" dirty="0" err="1"/>
               <a:t>tuples</a:t>
             </a:r>
             <a:endParaRPr lang="fr-FR" dirty="0"/>
@@ -15644,7 +14644,7 @@
 </p:sld>
 </file>
 
-<file path=ppt/slides/slide31.xml><?xml version="1.0" encoding="utf-8"?>
+<file path=ppt/slides/slide27.xml><?xml version="1.0" encoding="utf-8"?>
 <p:sld xmlns:a="http://schemas.openxmlformats.org/drawingml/2006/main" xmlns:r="http://schemas.openxmlformats.org/officeDocument/2006/relationships" xmlns:p="http://schemas.openxmlformats.org/presentationml/2006/main">
   <p:cSld>
     <p:spTree>
@@ -15677,10 +14677,9 @@
           <a:lstStyle/>
           <a:p>
             <a:r>
-              <a:rPr lang="fr-FR" dirty="0" smtClean="0"/>
+              <a:rPr lang="fr-FR" dirty="0"/>
               <a:t>zip</a:t>
             </a:r>
-            <a:endParaRPr lang="fr-FR" dirty="0"/>
           </a:p>
         </p:txBody>
       </p:sp>
@@ -15700,14 +14699,14 @@
           <a:lstStyle/>
           <a:p>
             <a:r>
-              <a:rPr lang="fr-FR" dirty="0" smtClean="0"/>
+              <a:rPr lang="fr-FR" dirty="0"/>
               <a:t>Permet de lier 2 listes en une liste de </a:t>
             </a:r>
             <a:r>
-              <a:rPr lang="fr-FR" dirty="0" err="1" smtClean="0"/>
+              <a:rPr lang="fr-FR" dirty="0" err="1"/>
               <a:t>tuples</a:t>
             </a:r>
-            <a:endParaRPr lang="fr-FR" dirty="0" smtClean="0"/>
+            <a:endParaRPr lang="fr-FR" dirty="0"/>
           </a:p>
           <a:p>
             <a:pPr lvl="1"/>
@@ -15719,27 +14718,19 @@
           <a:p>
             <a:pPr lvl="1"/>
             <a:r>
-              <a:rPr lang="es-ES" dirty="0" smtClean="0"/>
-              <a:t>y </a:t>
-            </a:r>
-            <a:r>
               <a:rPr lang="es-ES" dirty="0"/>
-              <a:t>= [4, 5, 6]</a:t>
+              <a:t>y = [4, 5, 6]</a:t>
             </a:r>
           </a:p>
           <a:p>
             <a:pPr lvl="1"/>
             <a:r>
-              <a:rPr lang="es-ES" dirty="0" err="1" smtClean="0"/>
+              <a:rPr lang="es-ES" dirty="0" err="1"/>
               <a:t>zipped</a:t>
             </a:r>
             <a:r>
-              <a:rPr lang="es-ES" dirty="0" smtClean="0"/>
-              <a:t> </a:t>
-            </a:r>
-            <a:r>
               <a:rPr lang="es-ES" dirty="0"/>
-              <a:t>= </a:t>
+              <a:t> = </a:t>
             </a:r>
             <a:r>
               <a:rPr lang="es-ES" dirty="0" err="1"/>
@@ -15753,148 +14744,121 @@
           <a:p>
             <a:pPr lvl="1"/>
             <a:r>
-              <a:rPr lang="es-ES" dirty="0" smtClean="0"/>
-              <a:t># [(</a:t>
-            </a:r>
-            <a:r>
               <a:rPr lang="es-ES" dirty="0"/>
-              <a:t>1, 4), (2, 5), (3, 6</a:t>
-            </a:r>
-            <a:r>
-              <a:rPr lang="es-ES" dirty="0" smtClean="0"/>
-              <a:t>)]</a:t>
-            </a:r>
-          </a:p>
-          <a:p>
-            <a:r>
-              <a:rPr lang="es-ES" dirty="0" err="1" smtClean="0"/>
+              <a:t># [(1, 4), (2, 5), (3, 6)]</a:t>
+            </a:r>
+          </a:p>
+          <a:p>
+            <a:r>
+              <a:rPr lang="es-ES" dirty="0" err="1"/>
               <a:t>Utilise</a:t>
             </a:r>
             <a:r>
-              <a:rPr lang="es-ES" dirty="0" smtClean="0"/>
+              <a:rPr lang="es-ES" dirty="0"/>
               <a:t> </a:t>
             </a:r>
             <a:r>
-              <a:rPr lang="es-ES" dirty="0" err="1" smtClean="0"/>
+              <a:rPr lang="es-ES" dirty="0" err="1"/>
               <a:t>pour</a:t>
             </a:r>
             <a:r>
-              <a:rPr lang="es-ES" dirty="0" smtClean="0"/>
+              <a:rPr lang="es-ES" dirty="0"/>
               <a:t> </a:t>
             </a:r>
             <a:r>
-              <a:rPr lang="es-ES" dirty="0" err="1" smtClean="0"/>
+              <a:rPr lang="es-ES" dirty="0" err="1"/>
               <a:t>retourner</a:t>
             </a:r>
             <a:r>
-              <a:rPr lang="es-ES" dirty="0" smtClean="0"/>
+              <a:rPr lang="es-ES" dirty="0"/>
               <a:t> des </a:t>
             </a:r>
             <a:r>
-              <a:rPr lang="es-ES" dirty="0" err="1" smtClean="0"/>
+              <a:rPr lang="es-ES" dirty="0" err="1"/>
               <a:t>tuples</a:t>
             </a:r>
             <a:r>
-              <a:rPr lang="es-ES" dirty="0" smtClean="0"/>
+              <a:rPr lang="es-ES" dirty="0"/>
               <a:t> </a:t>
             </a:r>
             <a:r>
-              <a:rPr lang="es-ES" dirty="0" err="1" smtClean="0"/>
+              <a:rPr lang="es-ES" dirty="0" err="1"/>
               <a:t>clés</a:t>
             </a:r>
             <a:r>
-              <a:rPr lang="es-ES" dirty="0" smtClean="0"/>
+              <a:rPr lang="es-ES" dirty="0"/>
               <a:t> </a:t>
             </a:r>
             <a:r>
-              <a:rPr lang="es-ES" dirty="0" err="1" smtClean="0"/>
+              <a:rPr lang="es-ES" dirty="0" err="1"/>
               <a:t>valeurs</a:t>
             </a:r>
-            <a:endParaRPr lang="es-ES" dirty="0" smtClean="0"/>
+            <a:endParaRPr lang="es-ES" dirty="0"/>
           </a:p>
           <a:p>
             <a:pPr lvl="1"/>
             <a:r>
-              <a:rPr lang="es-ES" dirty="0" err="1" smtClean="0"/>
+              <a:rPr lang="es-ES" dirty="0" err="1"/>
               <a:t>keys</a:t>
             </a:r>
             <a:r>
-              <a:rPr lang="es-ES" dirty="0" smtClean="0"/>
-              <a:t> </a:t>
-            </a:r>
-            <a:r>
               <a:rPr lang="es-ES" dirty="0"/>
-              <a:t>= </a:t>
-            </a:r>
-            <a:r>
-              <a:rPr lang="es-ES" dirty="0" smtClean="0"/>
-              <a:t>[“París”, “London”, “</a:t>
-            </a:r>
-            <a:r>
-              <a:rPr lang="es-ES" dirty="0" err="1" smtClean="0"/>
+              <a:t> = [“París”, “London”, “</a:t>
+            </a:r>
+            <a:r>
+              <a:rPr lang="es-ES" dirty="0" err="1"/>
               <a:t>Berlin</a:t>
             </a:r>
             <a:r>
-              <a:rPr lang="es-ES" dirty="0" smtClean="0"/>
+              <a:rPr lang="es-ES" dirty="0"/>
               <a:t>”]</a:t>
             </a:r>
-            <a:endParaRPr lang="es-ES" dirty="0"/>
           </a:p>
           <a:p>
             <a:pPr lvl="1"/>
             <a:r>
-              <a:rPr lang="es-ES" dirty="0" err="1" smtClean="0"/>
+              <a:rPr lang="es-ES" dirty="0" err="1"/>
               <a:t>values</a:t>
             </a:r>
             <a:r>
-              <a:rPr lang="es-ES" dirty="0" smtClean="0"/>
-              <a:t> </a:t>
-            </a:r>
-            <a:r>
               <a:rPr lang="es-ES" dirty="0"/>
-              <a:t>= </a:t>
-            </a:r>
-            <a:r>
-              <a:rPr lang="es-ES" dirty="0" smtClean="0"/>
-              <a:t>[19, 15, 22]</a:t>
-            </a:r>
-            <a:endParaRPr lang="es-ES" dirty="0"/>
+              <a:t> = [19, 15, 22]</a:t>
+            </a:r>
           </a:p>
           <a:p>
             <a:pPr lvl="1"/>
             <a:r>
-              <a:rPr lang="es-ES" dirty="0" err="1" smtClean="0"/>
+              <a:rPr lang="es-ES" dirty="0" err="1"/>
               <a:t>temperatures</a:t>
             </a:r>
             <a:r>
-              <a:rPr lang="es-ES" dirty="0" smtClean="0"/>
+              <a:rPr lang="es-ES" dirty="0"/>
               <a:t> = </a:t>
             </a:r>
             <a:r>
-              <a:rPr lang="es-ES" dirty="0" err="1" smtClean="0"/>
+              <a:rPr lang="es-ES" dirty="0" err="1"/>
               <a:t>zip</a:t>
             </a:r>
             <a:r>
-              <a:rPr lang="es-ES" dirty="0" smtClean="0"/>
+              <a:rPr lang="es-ES" dirty="0"/>
               <a:t>(</a:t>
             </a:r>
             <a:r>
-              <a:rPr lang="es-ES" dirty="0" err="1" smtClean="0"/>
+              <a:rPr lang="es-ES" dirty="0" err="1"/>
               <a:t>keys</a:t>
             </a:r>
             <a:r>
-              <a:rPr lang="es-ES" dirty="0" smtClean="0"/>
+              <a:rPr lang="es-ES" dirty="0"/>
               <a:t>, </a:t>
             </a:r>
             <a:r>
-              <a:rPr lang="es-ES" dirty="0" err="1" smtClean="0"/>
+              <a:rPr lang="es-ES" dirty="0" err="1"/>
               <a:t>values</a:t>
             </a:r>
             <a:r>
-              <a:rPr lang="es-ES" dirty="0" smtClean="0"/>
+              <a:rPr lang="es-ES" dirty="0"/>
               <a:t>)</a:t>
             </a:r>
-            <a:endParaRPr lang="es-ES" dirty="0"/>
           </a:p>
           <a:p>
             <a:pPr lvl="1"/>
@@ -15912,13 +14876,113 @@
   <p:clrMapOvr>
     <a:masterClrMapping/>
   </p:clrMapOvr>
-  <p:timing>
-    <p:tnLst>
-      <p:par>
-        <p:cTn id="1" dur="indefinite" restart="never" nodeType="tmRoot"/>
-      </p:par>
-    </p:tnLst>
-  </p:timing>
+</p:sld>
+</file>
+
+<file path=ppt/slides/slide3.xml><?xml version="1.0" encoding="utf-8"?>
+<p:sld xmlns:a="http://schemas.openxmlformats.org/drawingml/2006/main" xmlns:r="http://schemas.openxmlformats.org/officeDocument/2006/relationships" xmlns:p="http://schemas.openxmlformats.org/presentationml/2006/main">
+  <p:cSld>
+    <p:spTree>
+      <p:nvGrpSpPr>
+        <p:cNvPr id="1" name=""/>
+        <p:cNvGrpSpPr/>
+        <p:nvPr/>
+      </p:nvGrpSpPr>
+      <p:grpSpPr>
+        <a:xfrm>
+          <a:off x="0" y="0"/>
+          <a:ext cx="0" cy="0"/>
+          <a:chOff x="0" y="0"/>
+          <a:chExt cx="0" cy="0"/>
+        </a:xfrm>
+      </p:grpSpPr>
+      <p:sp>
+        <p:nvSpPr>
+          <p:cNvPr id="2" name="Titre 1"/>
+          <p:cNvSpPr>
+            <a:spLocks noGrp="1"/>
+          </p:cNvSpPr>
+          <p:nvPr>
+            <p:ph type="title"/>
+          </p:nvPr>
+        </p:nvSpPr>
+        <p:spPr/>
+        <p:txBody>
+          <a:bodyPr/>
+          <a:lstStyle/>
+          <a:p>
+            <a:r>
+              <a:rPr lang="fr-FR" dirty="0"/>
+              <a:t>Appel d’une fonction</a:t>
+            </a:r>
+          </a:p>
+        </p:txBody>
+      </p:sp>
+      <p:sp>
+        <p:nvSpPr>
+          <p:cNvPr id="3" name="Espace réservé du contenu 2"/>
+          <p:cNvSpPr>
+            <a:spLocks noGrp="1"/>
+          </p:cNvSpPr>
+          <p:nvPr>
+            <p:ph idx="1"/>
+          </p:nvPr>
+        </p:nvSpPr>
+        <p:spPr/>
+        <p:txBody>
+          <a:bodyPr/>
+          <a:lstStyle/>
+          <a:p>
+            <a:r>
+              <a:rPr lang="fr-BE" altLang="fr-FR" dirty="0"/>
+              <a:t>La forme générale pour passer des arguments est </a:t>
+            </a:r>
+            <a:r>
+              <a:rPr lang="fr-BE" altLang="fr-FR" dirty="0" err="1"/>
+              <a:t>nom_fct</a:t>
+            </a:r>
+            <a:r>
+              <a:rPr lang="fr-BE" altLang="fr-FR" dirty="0"/>
+              <a:t>(arg1,arg2,…,</a:t>
+            </a:r>
+            <a:r>
+              <a:rPr lang="fr-BE" altLang="fr-FR" dirty="0" err="1"/>
+              <a:t>argn</a:t>
+            </a:r>
+            <a:r>
+              <a:rPr lang="fr-BE" altLang="fr-FR" dirty="0"/>
+              <a:t>)</a:t>
+            </a:r>
+          </a:p>
+          <a:p>
+            <a:r>
+              <a:rPr lang="fr-BE" altLang="fr-FR" dirty="0"/>
+              <a:t>Les fonctions peuvent être appelées en utilisant des arguments mots-clés de la forme « </a:t>
+            </a:r>
+            <a:r>
+              <a:rPr lang="fr-BE" altLang="fr-FR" dirty="0" err="1"/>
+              <a:t>parametre</a:t>
+            </a:r>
+            <a:r>
+              <a:rPr lang="fr-BE" altLang="fr-FR" dirty="0"/>
+              <a:t>=valeur »</a:t>
+            </a:r>
+          </a:p>
+          <a:p>
+            <a:endParaRPr lang="fr-FR" dirty="0"/>
+          </a:p>
+        </p:txBody>
+      </p:sp>
+    </p:spTree>
+    <p:extLst>
+      <p:ext uri="{BB962C8B-B14F-4D97-AF65-F5344CB8AC3E}">
+        <p14:creationId xmlns:p14="http://schemas.microsoft.com/office/powerpoint/2010/main" val="2957315189"/>
+      </p:ext>
+    </p:extLst>
+  </p:cSld>
+  <p:clrMapOvr>
+    <a:masterClrMapping/>
+  </p:clrMapOvr>
 </p:sld>
 </file>
 
@@ -15955,10 +15019,9 @@
           <a:lstStyle/>
           <a:p>
             <a:r>
-              <a:rPr lang="fr-FR" dirty="0" smtClean="0"/>
-              <a:t>Annotations de paramètres</a:t>
-            </a:r>
-            <a:endParaRPr lang="fr-FR" dirty="0"/>
+              <a:rPr lang="fr-FR" dirty="0"/>
+              <a:t>Remarques sur les fonctions</a:t>
+            </a:r>
           </a:p>
         </p:txBody>
       </p:sp>
@@ -15978,223 +15041,14 @@
           <a:lstStyle/>
           <a:p>
             <a:r>
-              <a:rPr lang="fr-FR" dirty="0" smtClean="0"/>
-              <a:t>Nouveau en Python 3.6</a:t>
-            </a:r>
-          </a:p>
-          <a:p>
-            <a:r>
-              <a:rPr lang="fr-FR" dirty="0" smtClean="0"/>
-              <a:t>Possibilité de typer les paramètres</a:t>
-            </a:r>
-          </a:p>
-          <a:p>
-            <a:pPr lvl="1"/>
-            <a:r>
-              <a:rPr lang="fr-FR" dirty="0" err="1"/>
-              <a:t>d</a:t>
-            </a:r>
-            <a:r>
-              <a:rPr lang="fr-FR" dirty="0" err="1" smtClean="0"/>
-              <a:t>ef</a:t>
-            </a:r>
-            <a:r>
-              <a:rPr lang="fr-FR" dirty="0" smtClean="0"/>
-              <a:t> </a:t>
-            </a:r>
-            <a:r>
-              <a:rPr lang="fr-FR" dirty="0" err="1" smtClean="0"/>
-              <a:t>my_function</a:t>
-            </a:r>
-            <a:r>
-              <a:rPr lang="fr-FR" dirty="0" smtClean="0"/>
-              <a:t>(</a:t>
-            </a:r>
-            <a:r>
-              <a:rPr lang="fr-FR" dirty="0" err="1" smtClean="0"/>
-              <a:t>param</a:t>
-            </a:r>
-            <a:r>
-              <a:rPr lang="fr-FR" dirty="0" smtClean="0"/>
-              <a:t> : </a:t>
-            </a:r>
-            <a:r>
-              <a:rPr lang="fr-FR" dirty="0" err="1" smtClean="0"/>
-              <a:t>int</a:t>
-            </a:r>
-            <a:r>
-              <a:rPr lang="fr-FR" dirty="0" smtClean="0"/>
-              <a:t>) -&gt; </a:t>
-            </a:r>
-            <a:r>
-              <a:rPr lang="fr-FR" dirty="0" err="1" smtClean="0"/>
-              <a:t>int</a:t>
-            </a:r>
-            <a:endParaRPr lang="fr-FR" dirty="0" smtClean="0"/>
-          </a:p>
-          <a:p>
-            <a:pPr lvl="1"/>
-            <a:r>
-              <a:rPr lang="fr-FR" dirty="0" smtClean="0"/>
-              <a:t>Il ne s’agit pas d’un typage fort</a:t>
-            </a:r>
-          </a:p>
-          <a:p>
-            <a:pPr lvl="1"/>
-            <a:r>
-              <a:rPr lang="fr-FR" dirty="0" smtClean="0"/>
-              <a:t>C’est juste une annotation</a:t>
-            </a:r>
-          </a:p>
-          <a:p>
-            <a:pPr lvl="1"/>
-            <a:r>
-              <a:rPr lang="fr-FR" dirty="0" smtClean="0"/>
-              <a:t>Peut s’utiliser avec une valeur par défaut</a:t>
-            </a:r>
-          </a:p>
-          <a:p>
-            <a:pPr lvl="1"/>
-            <a:r>
-              <a:rPr lang="fr-FR" dirty="0" err="1"/>
-              <a:t>def</a:t>
-            </a:r>
-            <a:r>
               <a:rPr lang="fr-FR" dirty="0"/>
-              <a:t> </a:t>
-            </a:r>
-            <a:r>
-              <a:rPr lang="fr-FR" dirty="0" err="1"/>
-              <a:t>my_function</a:t>
-            </a:r>
+              <a:t>Les fonctions sont des types comme les autres</a:t>
+            </a:r>
+          </a:p>
+          <a:p>
             <a:r>
               <a:rPr lang="fr-FR" dirty="0"/>
-              <a:t>(</a:t>
-            </a:r>
-            <a:r>
-              <a:rPr lang="fr-FR" dirty="0" err="1"/>
-              <a:t>param</a:t>
-            </a:r>
-            <a:r>
-              <a:rPr lang="fr-FR" dirty="0"/>
-              <a:t> : </a:t>
-            </a:r>
-            <a:r>
-              <a:rPr lang="fr-FR" dirty="0" err="1" smtClean="0"/>
-              <a:t>int</a:t>
-            </a:r>
-            <a:r>
-              <a:rPr lang="fr-FR" dirty="0" smtClean="0"/>
-              <a:t> = 0) </a:t>
-            </a:r>
-            <a:r>
-              <a:rPr lang="fr-FR" dirty="0"/>
-              <a:t>-&gt; </a:t>
-            </a:r>
-            <a:r>
-              <a:rPr lang="fr-FR" dirty="0" err="1"/>
-              <a:t>int</a:t>
-            </a:r>
-            <a:endParaRPr lang="fr-FR" dirty="0"/>
-          </a:p>
-          <a:p>
-            <a:pPr lvl="1"/>
-            <a:endParaRPr lang="fr-FR" dirty="0"/>
-          </a:p>
-        </p:txBody>
-      </p:sp>
-    </p:spTree>
-    <p:extLst>
-      <p:ext uri="{BB962C8B-B14F-4D97-AF65-F5344CB8AC3E}">
-        <p14:creationId xmlns:p14="http://schemas.microsoft.com/office/powerpoint/2010/main" val="1014775883"/>
-      </p:ext>
-    </p:extLst>
-  </p:cSld>
-  <p:clrMapOvr>
-    <a:masterClrMapping/>
-  </p:clrMapOvr>
-  <p:timing>
-    <p:tnLst>
-      <p:par>
-        <p:cTn id="1" dur="indefinite" restart="never" nodeType="tmRoot"/>
-      </p:par>
-    </p:tnLst>
-  </p:timing>
-</p:sld>
-</file>
-
-<file path=ppt/slides/slide5.xml><?xml version="1.0" encoding="utf-8"?>
-<p:sld xmlns:a="http://schemas.openxmlformats.org/drawingml/2006/main" xmlns:r="http://schemas.openxmlformats.org/officeDocument/2006/relationships" xmlns:p="http://schemas.openxmlformats.org/presentationml/2006/main">
-  <p:cSld>
-    <p:spTree>
-      <p:nvGrpSpPr>
-        <p:cNvPr id="1" name=""/>
-        <p:cNvGrpSpPr/>
-        <p:nvPr/>
-      </p:nvGrpSpPr>
-      <p:grpSpPr>
-        <a:xfrm>
-          <a:off x="0" y="0"/>
-          <a:ext cx="0" cy="0"/>
-          <a:chOff x="0" y="0"/>
-          <a:chExt cx="0" cy="0"/>
-        </a:xfrm>
-      </p:grpSpPr>
-      <p:sp>
-        <p:nvSpPr>
-          <p:cNvPr id="2" name="Titre 1"/>
-          <p:cNvSpPr>
-            <a:spLocks noGrp="1"/>
-          </p:cNvSpPr>
-          <p:nvPr>
-            <p:ph type="title"/>
-          </p:nvPr>
-        </p:nvSpPr>
-        <p:spPr/>
-        <p:txBody>
-          <a:bodyPr/>
-          <a:lstStyle/>
-          <a:p>
-            <a:r>
-              <a:rPr lang="fr-FR" dirty="0" smtClean="0"/>
-              <a:t>Remarques sur les fonctions</a:t>
-            </a:r>
-            <a:endParaRPr lang="fr-FR" dirty="0"/>
-          </a:p>
-        </p:txBody>
-      </p:sp>
-      <p:sp>
-        <p:nvSpPr>
-          <p:cNvPr id="3" name="Espace réservé du contenu 2"/>
-          <p:cNvSpPr>
-            <a:spLocks noGrp="1"/>
-          </p:cNvSpPr>
-          <p:nvPr>
-            <p:ph idx="1"/>
-          </p:nvPr>
-        </p:nvSpPr>
-        <p:spPr/>
-        <p:txBody>
-          <a:bodyPr/>
-          <a:lstStyle/>
-          <a:p>
-            <a:r>
-              <a:rPr lang="fr-FR" dirty="0" smtClean="0"/>
-              <a:t>Les fonctions sont des types comme les autres</a:t>
-            </a:r>
-          </a:p>
-          <a:p>
-            <a:r>
-              <a:rPr lang="fr-FR" dirty="0"/>
-              <a:t>Les fonctions sont manipulables comme </a:t>
-            </a:r>
-            <a:r>
-              <a:rPr lang="fr-FR" dirty="0" smtClean="0"/>
-              <a:t>tous les </a:t>
-            </a:r>
-            <a:r>
-              <a:rPr lang="fr-FR" dirty="0"/>
-              <a:t>autres types</a:t>
+              <a:t>Les fonctions sont manipulables comme tous les autres types</a:t>
             </a:r>
           </a:p>
         </p:txBody>
@@ -16233,17 +15087,10 @@
   <p:clrMapOvr>
     <a:masterClrMapping/>
   </p:clrMapOvr>
-  <p:timing>
-    <p:tnLst>
-      <p:par>
-        <p:cTn id="1" dur="indefinite" restart="never" nodeType="tmRoot"/>
-      </p:par>
-    </p:tnLst>
-  </p:timing>
 </p:sld>
 </file>
 
-<file path=ppt/slides/slide6.xml><?xml version="1.0" encoding="utf-8"?>
+<file path=ppt/slides/slide5.xml><?xml version="1.0" encoding="utf-8"?>
 <p:sld xmlns:a="http://schemas.openxmlformats.org/drawingml/2006/main" xmlns:r="http://schemas.openxmlformats.org/officeDocument/2006/relationships" xmlns:p="http://schemas.openxmlformats.org/presentationml/2006/main">
   <p:cSld>
     <p:spTree>
@@ -16276,10 +15123,9 @@
           <a:lstStyle/>
           <a:p>
             <a:r>
-              <a:rPr lang="fr-FR" dirty="0" smtClean="0"/>
+              <a:rPr lang="fr-FR" dirty="0"/>
               <a:t>Callback</a:t>
             </a:r>
-            <a:endParaRPr lang="fr-FR" dirty="0"/>
           </a:p>
         </p:txBody>
       </p:sp>
@@ -16300,23 +15146,7 @@
           <a:p>
             <a:r>
               <a:rPr lang="fr-FR" dirty="0"/>
-              <a:t>Les fonctions peuvent </a:t>
-            </a:r>
-            <a:r>
-              <a:rPr lang="fr-FR" dirty="0" smtClean="0"/>
-              <a:t>être passée </a:t>
-            </a:r>
-            <a:r>
-              <a:rPr lang="fr-FR" dirty="0"/>
-              <a:t>en </a:t>
-            </a:r>
-            <a:r>
-              <a:rPr lang="fr-FR" dirty="0" smtClean="0"/>
-              <a:t>paramètre d'une </a:t>
-            </a:r>
-            <a:r>
-              <a:rPr lang="fr-FR" dirty="0"/>
-              <a:t>fonction → fonction de rappel (callback)</a:t>
+              <a:t>Les fonctions peuvent être passée en paramètre d'une fonction → fonction de rappel (callback)</a:t>
             </a:r>
           </a:p>
         </p:txBody>
@@ -16355,13 +15185,193 @@
   <p:clrMapOvr>
     <a:masterClrMapping/>
   </p:clrMapOvr>
-  <p:timing>
-    <p:tnLst>
-      <p:par>
-        <p:cTn id="1" dur="indefinite" restart="never" nodeType="tmRoot"/>
-      </p:par>
-    </p:tnLst>
-  </p:timing>
+</p:sld>
+</file>
+
+<file path=ppt/slides/slide6.xml><?xml version="1.0" encoding="utf-8"?>
+<p:sld xmlns:a="http://schemas.openxmlformats.org/drawingml/2006/main" xmlns:r="http://schemas.openxmlformats.org/officeDocument/2006/relationships" xmlns:p="http://schemas.openxmlformats.org/presentationml/2006/main">
+  <p:cSld>
+    <p:spTree>
+      <p:nvGrpSpPr>
+        <p:cNvPr id="1" name=""/>
+        <p:cNvGrpSpPr/>
+        <p:nvPr/>
+      </p:nvGrpSpPr>
+      <p:grpSpPr>
+        <a:xfrm>
+          <a:off x="0" y="0"/>
+          <a:ext cx="0" cy="0"/>
+          <a:chOff x="0" y="0"/>
+          <a:chExt cx="0" cy="0"/>
+        </a:xfrm>
+      </p:grpSpPr>
+      <p:sp>
+        <p:nvSpPr>
+          <p:cNvPr id="2" name="Titre 1"/>
+          <p:cNvSpPr>
+            <a:spLocks noGrp="1"/>
+          </p:cNvSpPr>
+          <p:nvPr>
+            <p:ph type="title"/>
+          </p:nvPr>
+        </p:nvSpPr>
+        <p:spPr/>
+        <p:txBody>
+          <a:bodyPr/>
+          <a:lstStyle/>
+          <a:p>
+            <a:r>
+              <a:rPr lang="fr-FR" dirty="0"/>
+              <a:t>Fonctions lambda</a:t>
+            </a:r>
+          </a:p>
+        </p:txBody>
+      </p:sp>
+      <p:sp>
+        <p:nvSpPr>
+          <p:cNvPr id="3" name="Espace réservé du contenu 2"/>
+          <p:cNvSpPr>
+            <a:spLocks noGrp="1"/>
+          </p:cNvSpPr>
+          <p:nvPr>
+            <p:ph idx="1"/>
+          </p:nvPr>
+        </p:nvSpPr>
+        <p:spPr/>
+        <p:txBody>
+          <a:bodyPr/>
+          <a:lstStyle/>
+          <a:p>
+            <a:r>
+              <a:rPr lang="fr-FR" dirty="0"/>
+              <a:t>Il s’agit d’une écriture simplifiée d’une fonction</a:t>
+            </a:r>
+          </a:p>
+          <a:p>
+            <a:pPr lvl="1"/>
+            <a:r>
+              <a:rPr lang="fr-FR" dirty="0"/>
+              <a:t>Très utile pour les fonctions arithmétiques</a:t>
+            </a:r>
+          </a:p>
+          <a:p>
+            <a:pPr lvl="1"/>
+            <a:r>
+              <a:rPr lang="fr-FR" dirty="0"/>
+              <a:t>Permet </a:t>
+            </a:r>
+            <a:r>
+              <a:rPr lang="fr-FR"/>
+              <a:t>de stocker </a:t>
+            </a:r>
+            <a:r>
+              <a:rPr lang="fr-FR" dirty="0"/>
+              <a:t>dans une variable une fonction</a:t>
+            </a:r>
+          </a:p>
+          <a:p>
+            <a:pPr eaLnBrk="1" hangingPunct="1"/>
+            <a:r>
+              <a:rPr lang="fr-BE" altLang="fr-FR" dirty="0"/>
+              <a:t>Avec le mot-clé « lambda », de petites fonctions anonymes peuvent être crées</a:t>
+            </a:r>
+          </a:p>
+          <a:p>
+            <a:pPr lvl="1" eaLnBrk="1" hangingPunct="1"/>
+            <a:r>
+              <a:rPr lang="fr-BE" altLang="fr-FR" dirty="0"/>
+              <a:t>Elles sont limitées syntaxiquement à une expression unique.</a:t>
+            </a:r>
+          </a:p>
+          <a:p>
+            <a:pPr lvl="1" eaLnBrk="1" hangingPunct="1"/>
+            <a:r>
+              <a:rPr lang="fr-BE" altLang="fr-FR" dirty="0"/>
+              <a:t>Ex : </a:t>
+            </a:r>
+            <a:r>
+              <a:rPr lang="fr-BE" altLang="fr-FR" dirty="0">
+                <a:solidFill>
+                  <a:schemeClr val="accent2"/>
+                </a:solidFill>
+              </a:rPr>
+              <a:t>f=lambda </a:t>
+            </a:r>
+            <a:r>
+              <a:rPr lang="fr-BE" altLang="fr-FR" dirty="0" err="1">
+                <a:solidFill>
+                  <a:schemeClr val="accent2"/>
+                </a:solidFill>
+              </a:rPr>
+              <a:t>x,y,z</a:t>
+            </a:r>
+            <a:r>
+              <a:rPr lang="fr-BE" altLang="fr-FR" dirty="0">
+                <a:solidFill>
+                  <a:schemeClr val="accent2"/>
+                </a:solidFill>
+              </a:rPr>
+              <a:t>: </a:t>
+            </a:r>
+            <a:r>
+              <a:rPr lang="fr-BE" altLang="fr-FR" dirty="0" err="1">
+                <a:solidFill>
+                  <a:schemeClr val="accent2"/>
+                </a:solidFill>
+              </a:rPr>
+              <a:t>x+y+z</a:t>
+            </a:r>
+            <a:endParaRPr lang="fr-BE" altLang="fr-FR" dirty="0">
+              <a:solidFill>
+                <a:schemeClr val="accent2"/>
+              </a:solidFill>
+            </a:endParaRPr>
+          </a:p>
+          <a:p>
+            <a:pPr lvl="1" eaLnBrk="1" hangingPunct="1"/>
+            <a:r>
+              <a:rPr lang="fr-BE" altLang="fr-FR" dirty="0">
+                <a:solidFill>
+                  <a:schemeClr val="accent2"/>
+                </a:solidFill>
+              </a:rPr>
+              <a:t>       f(2,3,4)</a:t>
+            </a:r>
+          </a:p>
+          <a:p>
+            <a:pPr lvl="1" eaLnBrk="1" hangingPunct="1"/>
+            <a:r>
+              <a:rPr lang="fr-BE" altLang="fr-FR" dirty="0"/>
+              <a:t>       ce qui donne : </a:t>
+            </a:r>
+            <a:r>
+              <a:rPr lang="fr-BE" altLang="fr-FR" dirty="0">
+                <a:solidFill>
+                  <a:schemeClr val="accent2"/>
+                </a:solidFill>
+              </a:rPr>
+              <a:t>9</a:t>
+            </a:r>
+            <a:r>
+              <a:rPr lang="fr-BE" altLang="fr-FR" dirty="0"/>
+              <a:t> </a:t>
+            </a:r>
+          </a:p>
+          <a:p>
+            <a:endParaRPr lang="fr-FR" dirty="0"/>
+          </a:p>
+        </p:txBody>
+      </p:sp>
+    </p:spTree>
+    <p:extLst>
+      <p:ext uri="{BB962C8B-B14F-4D97-AF65-F5344CB8AC3E}">
+        <p14:creationId xmlns:p14="http://schemas.microsoft.com/office/powerpoint/2010/main" val="2376647483"/>
+      </p:ext>
+    </p:extLst>
+  </p:cSld>
+  <p:clrMapOvr>
+    <a:masterClrMapping/>
+  </p:clrMapOvr>
 </p:sld>
 </file>
 
@@ -16398,10 +15408,9 @@
           <a:lstStyle/>
           <a:p>
             <a:r>
-              <a:rPr lang="fr-FR" dirty="0" smtClean="0"/>
-              <a:t>Fonctions lambda</a:t>
-            </a:r>
-            <a:endParaRPr lang="fr-FR" dirty="0"/>
+              <a:rPr lang="fr-FR" dirty="0"/>
+              <a:t>Module</a:t>
+            </a:r>
           </a:p>
         </p:txBody>
       </p:sp>
@@ -16420,127 +15429,419 @@
           <a:bodyPr/>
           <a:lstStyle/>
           <a:p>
-            <a:r>
-              <a:rPr lang="fr-FR" dirty="0" smtClean="0"/>
-              <a:t>Il s’agit d’une écriture simplifiée d’une fonction</a:t>
-            </a:r>
-          </a:p>
-          <a:p>
-            <a:pPr lvl="1"/>
-            <a:r>
-              <a:rPr lang="fr-FR" dirty="0" smtClean="0"/>
-              <a:t>Très utile pour les fonctions arithmétiques</a:t>
-            </a:r>
-          </a:p>
-          <a:p>
-            <a:pPr lvl="1"/>
-            <a:r>
-              <a:rPr lang="fr-FR" dirty="0" smtClean="0"/>
-              <a:t>Permet </a:t>
-            </a:r>
-            <a:r>
-              <a:rPr lang="fr-FR" smtClean="0"/>
-              <a:t>de stocker </a:t>
-            </a:r>
-            <a:r>
-              <a:rPr lang="fr-FR" dirty="0" smtClean="0"/>
-              <a:t>dans une variable une fonction</a:t>
-            </a:r>
-          </a:p>
-          <a:p>
-            <a:pPr eaLnBrk="1" hangingPunct="1"/>
-            <a:r>
-              <a:rPr lang="fr-BE" altLang="fr-FR" dirty="0"/>
-              <a:t>Avec le mot-clé « lambda », de petites fonctions anonymes peuvent être </a:t>
-            </a:r>
-            <a:r>
-              <a:rPr lang="fr-BE" altLang="fr-FR" dirty="0" smtClean="0"/>
-              <a:t>crées</a:t>
-            </a:r>
-          </a:p>
-          <a:p>
-            <a:pPr lvl="1" eaLnBrk="1" hangingPunct="1"/>
-            <a:r>
-              <a:rPr lang="fr-BE" altLang="fr-FR" dirty="0" smtClean="0"/>
-              <a:t>Elles </a:t>
-            </a:r>
-            <a:r>
-              <a:rPr lang="fr-BE" altLang="fr-FR" dirty="0"/>
-              <a:t>sont limitées syntaxiquement à une expression unique.</a:t>
-            </a:r>
-          </a:p>
-          <a:p>
-            <a:pPr lvl="1" eaLnBrk="1" hangingPunct="1"/>
-            <a:r>
-              <a:rPr lang="fr-BE" altLang="fr-FR" dirty="0"/>
-              <a:t>Ex : </a:t>
-            </a:r>
-            <a:r>
-              <a:rPr lang="fr-BE" altLang="fr-FR" dirty="0">
-                <a:solidFill>
-                  <a:schemeClr val="accent2"/>
-                </a:solidFill>
-              </a:rPr>
-              <a:t>f=lambda </a:t>
-            </a:r>
-            <a:r>
-              <a:rPr lang="fr-BE" altLang="fr-FR" dirty="0" err="1">
-                <a:solidFill>
-                  <a:schemeClr val="accent2"/>
-                </a:solidFill>
-              </a:rPr>
-              <a:t>x,y,z</a:t>
-            </a:r>
-            <a:r>
-              <a:rPr lang="fr-BE" altLang="fr-FR" dirty="0">
-                <a:solidFill>
-                  <a:schemeClr val="accent2"/>
-                </a:solidFill>
-              </a:rPr>
-              <a:t>: </a:t>
-            </a:r>
-            <a:r>
-              <a:rPr lang="fr-BE" altLang="fr-FR" dirty="0" err="1">
-                <a:solidFill>
-                  <a:schemeClr val="accent2"/>
-                </a:solidFill>
-              </a:rPr>
-              <a:t>x+y+z</a:t>
-            </a:r>
-            <a:endParaRPr lang="fr-BE" altLang="fr-FR" dirty="0">
-              <a:solidFill>
-                <a:schemeClr val="accent2"/>
-              </a:solidFill>
-            </a:endParaRPr>
-          </a:p>
-          <a:p>
-            <a:pPr lvl="1" eaLnBrk="1" hangingPunct="1"/>
-            <a:r>
-              <a:rPr lang="fr-BE" altLang="fr-FR" dirty="0">
-                <a:solidFill>
-                  <a:schemeClr val="accent2"/>
-                </a:solidFill>
-              </a:rPr>
-              <a:t>       f(2,3,4)</a:t>
-            </a:r>
-          </a:p>
-          <a:p>
-            <a:pPr lvl="1" eaLnBrk="1" hangingPunct="1"/>
-            <a:r>
-              <a:rPr lang="fr-BE" altLang="fr-FR" dirty="0"/>
-              <a:t>       ce qui donne : </a:t>
-            </a:r>
-            <a:r>
-              <a:rPr lang="fr-BE" altLang="fr-FR" dirty="0">
-                <a:solidFill>
-                  <a:schemeClr val="accent2"/>
-                </a:solidFill>
-              </a:rPr>
-              <a:t>9</a:t>
-            </a:r>
-            <a:r>
-              <a:rPr lang="fr-BE" altLang="fr-FR" dirty="0"/>
+            <a:pPr eaLnBrk="1" hangingPunct="1">
+              <a:lnSpc>
+                <a:spcPct val="90000"/>
+              </a:lnSpc>
+            </a:pPr>
+            <a:r>
+              <a:rPr lang="en-GB" altLang="fr-FR" b="1" dirty="0"/>
+              <a:t>Un module</a:t>
+            </a:r>
+            <a:r>
+              <a:rPr lang="en-GB" altLang="fr-FR" dirty="0"/>
               <a:t> </a:t>
+            </a:r>
+            <a:r>
+              <a:rPr lang="en-GB" altLang="fr-FR" dirty="0" err="1"/>
+              <a:t>est</a:t>
+            </a:r>
+            <a:r>
+              <a:rPr lang="en-GB" altLang="fr-FR" dirty="0"/>
+              <a:t> un </a:t>
+            </a:r>
+            <a:r>
+              <a:rPr lang="en-GB" altLang="fr-FR" dirty="0" err="1"/>
+              <a:t>fichier</a:t>
+            </a:r>
+            <a:r>
+              <a:rPr lang="en-GB" altLang="fr-FR" dirty="0"/>
+              <a:t> </a:t>
+            </a:r>
+            <a:r>
+              <a:rPr lang="en-GB" altLang="fr-FR" dirty="0" err="1"/>
+              <a:t>contenant</a:t>
+            </a:r>
+            <a:r>
+              <a:rPr lang="en-GB" altLang="fr-FR" dirty="0"/>
+              <a:t> des </a:t>
+            </a:r>
+            <a:r>
+              <a:rPr lang="en-GB" altLang="fr-FR" dirty="0" err="1"/>
+              <a:t>définitions</a:t>
+            </a:r>
+            <a:r>
+              <a:rPr lang="en-GB" altLang="fr-FR" dirty="0"/>
+              <a:t> et des instructions Python. Le nom du </a:t>
+            </a:r>
+            <a:r>
+              <a:rPr lang="en-GB" altLang="fr-FR" dirty="0" err="1"/>
+              <a:t>fichier</a:t>
+            </a:r>
+            <a:r>
+              <a:rPr lang="en-GB" altLang="fr-FR" dirty="0"/>
+              <a:t> </a:t>
+            </a:r>
+            <a:r>
+              <a:rPr lang="en-GB" altLang="fr-FR" dirty="0" err="1"/>
+              <a:t>est</a:t>
+            </a:r>
+            <a:r>
+              <a:rPr lang="en-GB" altLang="fr-FR" dirty="0"/>
+              <a:t> le </a:t>
+            </a:r>
+            <a:r>
+              <a:rPr lang="en-GB" altLang="fr-FR" b="1" dirty="0"/>
+              <a:t>nom du module</a:t>
+            </a:r>
+            <a:r>
+              <a:rPr lang="en-GB" altLang="fr-FR" dirty="0"/>
+              <a:t> </a:t>
+            </a:r>
+            <a:r>
+              <a:rPr lang="en-GB" altLang="fr-FR" dirty="0" err="1"/>
+              <a:t>auquel</a:t>
+            </a:r>
+            <a:r>
+              <a:rPr lang="en-GB" altLang="fr-FR" dirty="0"/>
+              <a:t> </a:t>
+            </a:r>
+            <a:r>
+              <a:rPr lang="en-GB" altLang="fr-FR" dirty="0" err="1"/>
+              <a:t>est</a:t>
+            </a:r>
+            <a:r>
+              <a:rPr lang="en-GB" altLang="fr-FR" dirty="0"/>
+              <a:t> </a:t>
+            </a:r>
+            <a:r>
+              <a:rPr lang="en-GB" altLang="fr-FR" dirty="0" err="1"/>
+              <a:t>ajouté</a:t>
+            </a:r>
+            <a:r>
+              <a:rPr lang="en-GB" altLang="fr-FR" dirty="0"/>
+              <a:t> le </a:t>
+            </a:r>
+            <a:r>
+              <a:rPr lang="en-GB" altLang="fr-FR" dirty="0" err="1"/>
+              <a:t>suffixe</a:t>
+            </a:r>
+            <a:r>
+              <a:rPr lang="en-GB" altLang="fr-FR" dirty="0"/>
+              <a:t> .</a:t>
+            </a:r>
+            <a:r>
+              <a:rPr lang="en-GB" altLang="fr-FR" dirty="0" err="1"/>
+              <a:t>py</a:t>
+            </a:r>
+            <a:r>
+              <a:rPr lang="en-GB" altLang="fr-FR" dirty="0"/>
+              <a:t>.</a:t>
+            </a:r>
+          </a:p>
+          <a:p>
+            <a:pPr lvl="1" eaLnBrk="1" hangingPunct="1">
+              <a:lnSpc>
+                <a:spcPct val="90000"/>
+              </a:lnSpc>
+            </a:pPr>
+            <a:r>
+              <a:rPr lang="en-GB" altLang="fr-FR" dirty="0" err="1"/>
+              <a:t>permet</a:t>
+            </a:r>
+            <a:r>
+              <a:rPr lang="en-GB" altLang="fr-FR" dirty="0"/>
+              <a:t> de </a:t>
+            </a:r>
+            <a:r>
+              <a:rPr lang="en-GB" altLang="fr-FR" dirty="0" err="1"/>
+              <a:t>relancer</a:t>
+            </a:r>
+            <a:r>
+              <a:rPr lang="en-GB" altLang="fr-FR" dirty="0"/>
+              <a:t> un </a:t>
+            </a:r>
+            <a:r>
+              <a:rPr lang="en-GB" altLang="fr-FR" dirty="0" err="1"/>
+              <a:t>même</a:t>
+            </a:r>
+            <a:r>
+              <a:rPr lang="en-GB" altLang="fr-FR" dirty="0"/>
+              <a:t> programme sans tout   	               </a:t>
+            </a:r>
+            <a:r>
+              <a:rPr lang="en-GB" altLang="fr-FR" dirty="0" err="1"/>
+              <a:t>réécrire</a:t>
+            </a:r>
+            <a:endParaRPr lang="en-GB" altLang="fr-FR" dirty="0"/>
+          </a:p>
+          <a:p>
+            <a:pPr lvl="1" eaLnBrk="1" hangingPunct="1">
+              <a:lnSpc>
+                <a:spcPct val="90000"/>
+              </a:lnSpc>
+            </a:pPr>
+            <a:r>
+              <a:rPr lang="en-GB" altLang="fr-FR" dirty="0" err="1"/>
+              <a:t>d’utiliser</a:t>
+            </a:r>
+            <a:r>
+              <a:rPr lang="en-GB" altLang="fr-FR" dirty="0"/>
+              <a:t> </a:t>
+            </a:r>
+            <a:r>
+              <a:rPr lang="en-GB" altLang="fr-FR" dirty="0" err="1"/>
+              <a:t>dans</a:t>
+            </a:r>
+            <a:r>
+              <a:rPr lang="en-GB" altLang="fr-FR" dirty="0"/>
+              <a:t> </a:t>
+            </a:r>
+            <a:r>
+              <a:rPr lang="en-GB" altLang="fr-FR" dirty="0" err="1"/>
+              <a:t>plusieurs</a:t>
+            </a:r>
+            <a:r>
+              <a:rPr lang="en-GB" altLang="fr-FR" dirty="0"/>
+              <a:t> programmes </a:t>
+            </a:r>
+            <a:r>
+              <a:rPr lang="en-GB" altLang="fr-FR" dirty="0" err="1"/>
+              <a:t>une</a:t>
+            </a:r>
+            <a:r>
+              <a:rPr lang="en-GB" altLang="fr-FR" dirty="0"/>
+              <a:t> </a:t>
+            </a:r>
+            <a:r>
+              <a:rPr lang="en-GB" altLang="fr-FR" dirty="0" err="1"/>
+              <a:t>même</a:t>
+            </a:r>
+            <a:r>
+              <a:rPr lang="en-GB" altLang="fr-FR" dirty="0"/>
+              <a:t> </a:t>
+            </a:r>
+            <a:r>
+              <a:rPr lang="en-GB" altLang="fr-FR" dirty="0" err="1"/>
+              <a:t>fonction</a:t>
+            </a:r>
+            <a:r>
+              <a:rPr lang="en-GB" altLang="fr-FR" dirty="0"/>
+              <a:t>               </a:t>
+            </a:r>
+          </a:p>
+          <a:p>
+            <a:pPr eaLnBrk="1" hangingPunct="1">
+              <a:lnSpc>
+                <a:spcPct val="90000"/>
+              </a:lnSpc>
+              <a:spcBef>
+                <a:spcPts val="500"/>
+              </a:spcBef>
+              <a:spcAft>
+                <a:spcPts val="500"/>
+              </a:spcAft>
+            </a:pPr>
+            <a:r>
+              <a:rPr lang="en-GB" altLang="fr-FR" dirty="0" err="1"/>
+              <a:t>Chaque</a:t>
+            </a:r>
+            <a:r>
+              <a:rPr lang="en-GB" altLang="fr-FR" dirty="0"/>
+              <a:t> module a </a:t>
+            </a:r>
+            <a:r>
+              <a:rPr lang="en-GB" altLang="fr-FR" dirty="0" err="1"/>
+              <a:t>sa</a:t>
+            </a:r>
+            <a:r>
+              <a:rPr lang="en-GB" altLang="fr-FR" dirty="0"/>
+              <a:t> </a:t>
+            </a:r>
+            <a:r>
+              <a:rPr lang="en-GB" altLang="fr-FR" b="1" dirty="0" err="1"/>
+              <a:t>propre</a:t>
+            </a:r>
+            <a:r>
+              <a:rPr lang="en-GB" altLang="fr-FR" b="1" dirty="0"/>
+              <a:t> table de </a:t>
+            </a:r>
+            <a:r>
+              <a:rPr lang="en-GB" altLang="fr-FR" b="1" dirty="0" err="1"/>
+              <a:t>symboles</a:t>
+            </a:r>
+            <a:r>
+              <a:rPr lang="en-GB" altLang="fr-FR" b="1" dirty="0"/>
+              <a:t> </a:t>
+            </a:r>
+            <a:r>
+              <a:rPr lang="en-GB" altLang="fr-FR" b="1" dirty="0" err="1"/>
+              <a:t>privée</a:t>
+            </a:r>
+            <a:r>
+              <a:rPr lang="en-GB" altLang="fr-FR" dirty="0"/>
+              <a:t>, qui </a:t>
+            </a:r>
+            <a:r>
+              <a:rPr lang="en-GB" altLang="fr-FR" dirty="0" err="1"/>
+              <a:t>est</a:t>
+            </a:r>
+            <a:r>
+              <a:rPr lang="en-GB" altLang="fr-FR" dirty="0"/>
+              <a:t> </a:t>
+            </a:r>
+            <a:r>
+              <a:rPr lang="en-GB" altLang="fr-FR" dirty="0" err="1"/>
+              <a:t>utilisée</a:t>
+            </a:r>
+            <a:r>
+              <a:rPr lang="en-GB" altLang="fr-FR" dirty="0"/>
+              <a:t> </a:t>
+            </a:r>
+            <a:r>
+              <a:rPr lang="en-GB" altLang="fr-FR" dirty="0" err="1"/>
+              <a:t>comme</a:t>
+            </a:r>
+            <a:r>
+              <a:rPr lang="en-GB" altLang="fr-FR" dirty="0"/>
+              <a:t> table de </a:t>
+            </a:r>
+            <a:r>
+              <a:rPr lang="en-GB" altLang="fr-FR" dirty="0" err="1"/>
+              <a:t>symbole</a:t>
+            </a:r>
+            <a:r>
+              <a:rPr lang="en-GB" altLang="fr-FR" dirty="0"/>
+              <a:t> </a:t>
+            </a:r>
+            <a:r>
+              <a:rPr lang="en-GB" altLang="fr-FR" dirty="0" err="1"/>
+              <a:t>globale</a:t>
+            </a:r>
+            <a:r>
+              <a:rPr lang="en-GB" altLang="fr-FR" dirty="0"/>
+              <a:t> par </a:t>
+            </a:r>
+            <a:r>
+              <a:rPr lang="en-GB" altLang="fr-FR" dirty="0" err="1"/>
+              <a:t>toutes</a:t>
+            </a:r>
+            <a:r>
+              <a:rPr lang="en-GB" altLang="fr-FR" dirty="0"/>
+              <a:t> les </a:t>
+            </a:r>
+            <a:r>
+              <a:rPr lang="en-GB" altLang="fr-FR" dirty="0" err="1"/>
+              <a:t>fonctions</a:t>
+            </a:r>
+            <a:r>
+              <a:rPr lang="en-GB" altLang="fr-FR" dirty="0"/>
+              <a:t> </a:t>
+            </a:r>
+            <a:r>
+              <a:rPr lang="en-GB" altLang="fr-FR" dirty="0" err="1"/>
+              <a:t>définies</a:t>
+            </a:r>
+            <a:r>
+              <a:rPr lang="en-GB" altLang="fr-FR" dirty="0"/>
+              <a:t> </a:t>
+            </a:r>
+            <a:r>
+              <a:rPr lang="en-GB" altLang="fr-FR" dirty="0" err="1"/>
+              <a:t>dans</a:t>
+            </a:r>
+            <a:r>
+              <a:rPr lang="en-GB" altLang="fr-FR" dirty="0"/>
+              <a:t> le module</a:t>
+            </a:r>
+          </a:p>
+          <a:p>
+            <a:pPr lvl="1" eaLnBrk="1" hangingPunct="1">
+              <a:lnSpc>
+                <a:spcPct val="90000"/>
+              </a:lnSpc>
+              <a:spcBef>
+                <a:spcPts val="500"/>
+              </a:spcBef>
+              <a:spcAft>
+                <a:spcPts val="500"/>
+              </a:spcAft>
+            </a:pPr>
+            <a:r>
+              <a:rPr lang="en-GB" altLang="fr-FR" dirty="0" err="1"/>
+              <a:t>l'auteur</a:t>
+            </a:r>
+            <a:r>
+              <a:rPr lang="en-GB" altLang="fr-FR" dirty="0"/>
+              <a:t> d'un module </a:t>
+            </a:r>
+            <a:r>
+              <a:rPr lang="en-GB" altLang="fr-FR" dirty="0" err="1"/>
+              <a:t>peut</a:t>
+            </a:r>
+            <a:r>
+              <a:rPr lang="en-GB" altLang="fr-FR" dirty="0"/>
+              <a:t> utiliser des variables </a:t>
+            </a:r>
+            <a:r>
+              <a:rPr lang="en-GB" altLang="fr-FR" b="1" dirty="0" err="1"/>
+              <a:t>globales</a:t>
+            </a:r>
+            <a:r>
+              <a:rPr lang="en-GB" altLang="fr-FR" dirty="0"/>
+              <a:t> </a:t>
+            </a:r>
+            <a:r>
+              <a:rPr lang="en-GB" altLang="fr-FR" dirty="0" err="1"/>
+              <a:t>dans</a:t>
+            </a:r>
+            <a:r>
+              <a:rPr lang="en-GB" altLang="fr-FR" dirty="0"/>
+              <a:t> le module sans </a:t>
+            </a:r>
+            <a:r>
+              <a:rPr lang="en-GB" altLang="fr-FR" dirty="0" err="1"/>
+              <a:t>s'inquiéter</a:t>
+            </a:r>
+            <a:r>
+              <a:rPr lang="en-GB" altLang="fr-FR" dirty="0"/>
+              <a:t> des </a:t>
+            </a:r>
+            <a:r>
+              <a:rPr lang="en-GB" altLang="fr-FR" dirty="0" err="1"/>
+              <a:t>désaccords</a:t>
+            </a:r>
+            <a:r>
+              <a:rPr lang="en-GB" altLang="fr-FR" dirty="0"/>
+              <a:t> </a:t>
+            </a:r>
+            <a:r>
+              <a:rPr lang="en-GB" altLang="fr-FR" dirty="0" err="1"/>
+              <a:t>accidentels</a:t>
+            </a:r>
+            <a:r>
+              <a:rPr lang="en-GB" altLang="fr-FR" dirty="0"/>
+              <a:t> avec les variables </a:t>
+            </a:r>
+            <a:r>
+              <a:rPr lang="en-GB" altLang="fr-FR" dirty="0" err="1"/>
+              <a:t>globales</a:t>
+            </a:r>
+            <a:r>
+              <a:rPr lang="en-GB" altLang="fr-FR" dirty="0"/>
+              <a:t> d'un</a:t>
+            </a:r>
+            <a:r>
+              <a:rPr lang="en-GB" altLang="fr-FR" b="1" dirty="0"/>
+              <a:t> </a:t>
+            </a:r>
+            <a:r>
+              <a:rPr lang="en-GB" altLang="fr-FR" b="1" dirty="0" err="1"/>
+              <a:t>utilisateur</a:t>
+            </a:r>
+            <a:r>
+              <a:rPr lang="en-GB" altLang="fr-FR" dirty="0"/>
+              <a:t>. </a:t>
             </a:r>
           </a:p>
           <a:p>
@@ -16551,20 +15852,13 @@
     </p:spTree>
     <p:extLst>
       <p:ext uri="{BB962C8B-B14F-4D97-AF65-F5344CB8AC3E}">
-        <p14:creationId xmlns:p14="http://schemas.microsoft.com/office/powerpoint/2010/main" val="2376647483"/>
+        <p14:creationId xmlns:p14="http://schemas.microsoft.com/office/powerpoint/2010/main" val="880912954"/>
       </p:ext>
     </p:extLst>
   </p:cSld>
   <p:clrMapOvr>
     <a:masterClrMapping/>
   </p:clrMapOvr>
-  <p:timing>
-    <p:tnLst>
-      <p:par>
-        <p:cTn id="1" dur="indefinite" restart="never" nodeType="tmRoot"/>
-      </p:par>
-    </p:tnLst>
-  </p:timing>
 </p:sld>
 </file>
 
@@ -16601,10 +15895,9 @@
           <a:lstStyle/>
           <a:p>
             <a:r>
-              <a:rPr lang="fr-FR" dirty="0" smtClean="0"/>
-              <a:t>Module</a:t>
-            </a:r>
-            <a:endParaRPr lang="fr-FR" dirty="0"/>
+              <a:rPr lang="fr-FR" dirty="0"/>
+              <a:t>import</a:t>
+            </a:r>
           </a:p>
         </p:txBody>
       </p:sp>
@@ -16623,14 +15916,13 @@
           <a:bodyPr/>
           <a:lstStyle/>
           <a:p>
-            <a:pPr eaLnBrk="1" hangingPunct="1">
-              <a:lnSpc>
-                <a:spcPct val="90000"/>
-              </a:lnSpc>
-            </a:pPr>
+            <a:r>
+              <a:rPr lang="en-GB" altLang="fr-FR" b="1" dirty="0" err="1"/>
+              <a:t>L'instruction</a:t>
+            </a:r>
             <a:r>
               <a:rPr lang="en-GB" altLang="fr-FR" b="1" dirty="0"/>
-              <a:t>Un module</a:t>
+              <a:t> "import &lt;module&gt;"</a:t>
             </a:r>
             <a:r>
               <a:rPr lang="en-GB" altLang="fr-FR" dirty="0"/>
@@ -16638,15 +15930,15 @@
             </a:r>
             <a:r>
               <a:rPr lang="en-GB" altLang="fr-FR" dirty="0" err="1"/>
-              <a:t>est</a:t>
+              <a:t>importe</a:t>
             </a:r>
             <a:r>
               <a:rPr lang="en-GB" altLang="fr-FR" dirty="0"/>
-              <a:t> un </a:t>
+              <a:t> tout le module &lt;module&gt;, </a:t>
             </a:r>
             <a:r>
               <a:rPr lang="en-GB" altLang="fr-FR" dirty="0" err="1"/>
-              <a:t>fichier</a:t>
+              <a:t>en</a:t>
             </a:r>
             <a:r>
               <a:rPr lang="en-GB" altLang="fr-FR" dirty="0"/>
@@ -16654,23 +15946,21 @@
             </a:r>
             <a:r>
               <a:rPr lang="en-GB" altLang="fr-FR" dirty="0" err="1"/>
-              <a:t>contenant</a:t>
+              <a:t>exécutant</a:t>
             </a:r>
             <a:r>
               <a:rPr lang="en-GB" altLang="fr-FR" dirty="0"/>
-              <a:t> des </a:t>
+              <a:t> le total du module</a:t>
+            </a:r>
+          </a:p>
+          <a:p>
+            <a:r>
+              <a:rPr lang="en-GB" altLang="fr-FR" dirty="0"/>
+              <a:t>Le module </a:t>
             </a:r>
             <a:r>
               <a:rPr lang="en-GB" altLang="fr-FR" dirty="0" err="1"/>
-              <a:t>définitions</a:t>
-            </a:r>
-            <a:r>
-              <a:rPr lang="en-GB" altLang="fr-FR" dirty="0"/>
-              <a:t> et des instructions Python. Le nom du </a:t>
-            </a:r>
-            <a:r>
-              <a:rPr lang="en-GB" altLang="fr-FR" dirty="0" err="1"/>
-              <a:t>fichier</a:t>
+              <a:t>est</a:t>
             </a:r>
             <a:r>
               <a:rPr lang="en-GB" altLang="fr-FR" dirty="0"/>
@@ -16678,15 +15968,7 @@
             </a:r>
             <a:r>
               <a:rPr lang="en-GB" altLang="fr-FR" dirty="0" err="1"/>
-              <a:t>est</a:t>
-            </a:r>
-            <a:r>
-              <a:rPr lang="en-GB" altLang="fr-FR" dirty="0"/>
-              <a:t> le </a:t>
-            </a:r>
-            <a:r>
-              <a:rPr lang="en-GB" altLang="fr-FR" b="1" dirty="0"/>
-              <a:t>nom du module</a:t>
+              <a:t>exécuté</a:t>
             </a:r>
             <a:r>
               <a:rPr lang="en-GB" altLang="fr-FR" dirty="0"/>
@@ -16694,7 +15976,23 @@
             </a:r>
             <a:r>
               <a:rPr lang="en-GB" altLang="fr-FR" dirty="0" err="1"/>
-              <a:t>auquel</a:t>
+              <a:t>en</a:t>
+            </a:r>
+            <a:r>
+              <a:rPr lang="en-GB" altLang="fr-FR" dirty="0"/>
+              <a:t> premier </a:t>
+            </a:r>
+            <a:r>
+              <a:rPr lang="en-GB" altLang="fr-FR" dirty="0" err="1"/>
+              <a:t>avant</a:t>
+            </a:r>
+            <a:r>
+              <a:rPr lang="en-GB" altLang="fr-FR" dirty="0"/>
+              <a:t> de </a:t>
+            </a:r>
+            <a:r>
+              <a:rPr lang="en-GB" altLang="fr-FR" dirty="0" err="1"/>
+              <a:t>pouvoir</a:t>
             </a:r>
             <a:r>
               <a:rPr lang="en-GB" altLang="fr-FR" dirty="0"/>
@@ -16702,368 +16000,64 @@
             </a:r>
             <a:r>
               <a:rPr lang="en-GB" altLang="fr-FR" dirty="0" err="1"/>
-              <a:t>est</a:t>
+              <a:t>travailler</a:t>
             </a:r>
             <a:r>
               <a:rPr lang="en-GB" altLang="fr-FR" dirty="0"/>
-              <a:t> </a:t>
+              <a:t> sur les </a:t>
             </a:r>
             <a:r>
               <a:rPr lang="en-GB" altLang="fr-FR" dirty="0" err="1"/>
-              <a:t>ajouté</a:t>
-            </a:r>
+              <a:t>objets</a:t>
+            </a:r>
+            <a:endParaRPr lang="en-GB" altLang="fr-FR" dirty="0"/>
+          </a:p>
+          <a:p>
             <a:r>
               <a:rPr lang="en-GB" altLang="fr-FR" dirty="0"/>
-              <a:t> le </a:t>
+              <a:t>Pour utiliser </a:t>
             </a:r>
             <a:r>
               <a:rPr lang="en-GB" altLang="fr-FR" dirty="0" err="1"/>
-              <a:t>suffixe</a:t>
+              <a:t>ensuite</a:t>
             </a:r>
             <a:r>
               <a:rPr lang="en-GB" altLang="fr-FR" dirty="0"/>
-              <a:t> .</a:t>
+              <a:t> le module, nous </a:t>
             </a:r>
             <a:r>
               <a:rPr lang="en-GB" altLang="fr-FR" dirty="0" err="1"/>
-              <a:t>py</a:t>
+              <a:t>écrirons</a:t>
             </a:r>
             <a:r>
               <a:rPr lang="en-GB" altLang="fr-FR" dirty="0"/>
-              <a:t>.</a:t>
-            </a:r>
-          </a:p>
-          <a:p>
-            <a:pPr lvl="1" eaLnBrk="1" hangingPunct="1">
-              <a:lnSpc>
-                <a:spcPct val="90000"/>
-              </a:lnSpc>
-            </a:pPr>
-            <a:r>
-              <a:rPr lang="en-GB" altLang="fr-FR" dirty="0" err="1"/>
-              <a:t>p</a:t>
-            </a:r>
-            <a:r>
-              <a:rPr lang="en-GB" altLang="fr-FR" dirty="0" err="1" smtClean="0"/>
-              <a:t>ermet</a:t>
-            </a:r>
-            <a:r>
-              <a:rPr lang="en-GB" altLang="fr-FR" dirty="0" smtClean="0"/>
-              <a:t> </a:t>
-            </a:r>
-            <a:r>
-              <a:rPr lang="en-GB" altLang="fr-FR" dirty="0"/>
-              <a:t>de </a:t>
-            </a:r>
-            <a:r>
-              <a:rPr lang="en-GB" altLang="fr-FR" dirty="0" err="1"/>
-              <a:t>relancer</a:t>
-            </a:r>
-            <a:r>
-              <a:rPr lang="en-GB" altLang="fr-FR" dirty="0"/>
-              <a:t> un </a:t>
-            </a:r>
-            <a:r>
-              <a:rPr lang="en-GB" altLang="fr-FR" dirty="0" err="1"/>
-              <a:t>même</a:t>
-            </a:r>
-            <a:r>
-              <a:rPr lang="en-GB" altLang="fr-FR" dirty="0"/>
-              <a:t> programme sans tout  </a:t>
-            </a:r>
-            <a:r>
-              <a:rPr lang="en-GB" altLang="fr-FR" dirty="0" smtClean="0"/>
-              <a:t> </a:t>
-            </a:r>
-            <a:r>
-              <a:rPr lang="en-GB" altLang="fr-FR" dirty="0"/>
-              <a:t>	               </a:t>
-            </a:r>
-            <a:r>
-              <a:rPr lang="en-GB" altLang="fr-FR" dirty="0" err="1" smtClean="0"/>
-              <a:t>réécrire</a:t>
-            </a:r>
-            <a:endParaRPr lang="en-GB" altLang="fr-FR" dirty="0" smtClean="0"/>
-          </a:p>
-          <a:p>
-            <a:pPr lvl="1" eaLnBrk="1" hangingPunct="1">
-              <a:lnSpc>
-                <a:spcPct val="90000"/>
-              </a:lnSpc>
-            </a:pPr>
-            <a:r>
-              <a:rPr lang="en-GB" altLang="fr-FR" dirty="0" err="1" smtClean="0"/>
-              <a:t>d’utiliser</a:t>
-            </a:r>
-            <a:r>
-              <a:rPr lang="en-GB" altLang="fr-FR" dirty="0" smtClean="0"/>
-              <a:t> </a:t>
-            </a:r>
-            <a:r>
-              <a:rPr lang="en-GB" altLang="fr-FR" dirty="0" err="1"/>
-              <a:t>dans</a:t>
-            </a:r>
-            <a:r>
-              <a:rPr lang="en-GB" altLang="fr-FR" dirty="0"/>
-              <a:t> </a:t>
-            </a:r>
-            <a:r>
-              <a:rPr lang="en-GB" altLang="fr-FR" dirty="0" err="1"/>
-              <a:t>plusieurs</a:t>
-            </a:r>
-            <a:r>
-              <a:rPr lang="en-GB" altLang="fr-FR" dirty="0"/>
-              <a:t> programmes </a:t>
-            </a:r>
-            <a:r>
-              <a:rPr lang="en-GB" altLang="fr-FR" dirty="0" err="1"/>
-              <a:t>une</a:t>
-            </a:r>
-            <a:r>
-              <a:rPr lang="en-GB" altLang="fr-FR" dirty="0"/>
-              <a:t> </a:t>
-            </a:r>
-            <a:r>
-              <a:rPr lang="en-GB" altLang="fr-FR" dirty="0" err="1" smtClean="0"/>
-              <a:t>même</a:t>
-            </a:r>
-            <a:r>
-              <a:rPr lang="en-GB" altLang="fr-FR" dirty="0" smtClean="0"/>
-              <a:t> </a:t>
-            </a:r>
-            <a:r>
-              <a:rPr lang="en-GB" altLang="fr-FR" dirty="0" err="1" smtClean="0"/>
-              <a:t>fonction</a:t>
-            </a:r>
-            <a:r>
-              <a:rPr lang="en-GB" altLang="fr-FR" dirty="0" smtClean="0"/>
-              <a:t>               </a:t>
-            </a:r>
-            <a:endParaRPr lang="en-GB" altLang="fr-FR" dirty="0"/>
-          </a:p>
-          <a:p>
-            <a:pPr eaLnBrk="1" hangingPunct="1">
-              <a:lnSpc>
-                <a:spcPct val="90000"/>
-              </a:lnSpc>
-              <a:spcBef>
-                <a:spcPts val="500"/>
-              </a:spcBef>
-              <a:spcAft>
-                <a:spcPts val="500"/>
-              </a:spcAft>
-            </a:pPr>
-            <a:r>
-              <a:rPr lang="en-GB" altLang="fr-FR" dirty="0" err="1"/>
-              <a:t>Chaque</a:t>
-            </a:r>
-            <a:r>
-              <a:rPr lang="en-GB" altLang="fr-FR" dirty="0"/>
-              <a:t> module a </a:t>
-            </a:r>
-            <a:r>
-              <a:rPr lang="en-GB" altLang="fr-FR" dirty="0" err="1"/>
-              <a:t>sa</a:t>
-            </a:r>
-            <a:r>
-              <a:rPr lang="en-GB" altLang="fr-FR" dirty="0"/>
-              <a:t> </a:t>
-            </a:r>
-            <a:r>
-              <a:rPr lang="en-GB" altLang="fr-FR" b="1" dirty="0" err="1"/>
-              <a:t>propre</a:t>
-            </a:r>
-            <a:r>
-              <a:rPr lang="en-GB" altLang="fr-FR" b="1" dirty="0"/>
-              <a:t> table de </a:t>
-            </a:r>
-            <a:r>
-              <a:rPr lang="en-GB" altLang="fr-FR" b="1" dirty="0" err="1"/>
-              <a:t>symboles</a:t>
-            </a:r>
-            <a:r>
-              <a:rPr lang="en-GB" altLang="fr-FR" b="1" dirty="0"/>
-              <a:t> </a:t>
-            </a:r>
-            <a:r>
-              <a:rPr lang="en-GB" altLang="fr-FR" b="1" dirty="0" err="1"/>
-              <a:t>privée</a:t>
-            </a:r>
-            <a:r>
-              <a:rPr lang="en-GB" altLang="fr-FR" dirty="0"/>
-              <a:t>, qui </a:t>
-            </a:r>
-            <a:r>
-              <a:rPr lang="en-GB" altLang="fr-FR" dirty="0" err="1"/>
-              <a:t>est</a:t>
-            </a:r>
-            <a:r>
-              <a:rPr lang="en-GB" altLang="fr-FR" dirty="0"/>
-              <a:t> </a:t>
-            </a:r>
-            <a:r>
-              <a:rPr lang="en-GB" altLang="fr-FR" dirty="0" err="1"/>
-              <a:t>utilisée</a:t>
-            </a:r>
-            <a:r>
-              <a:rPr lang="en-GB" altLang="fr-FR" dirty="0"/>
-              <a:t> </a:t>
-            </a:r>
-            <a:r>
-              <a:rPr lang="en-GB" altLang="fr-FR" dirty="0" err="1"/>
-              <a:t>comme</a:t>
-            </a:r>
-            <a:r>
-              <a:rPr lang="en-GB" altLang="fr-FR" dirty="0"/>
-              <a:t> table de </a:t>
-            </a:r>
-            <a:r>
-              <a:rPr lang="en-GB" altLang="fr-FR" dirty="0" err="1"/>
-              <a:t>symbole</a:t>
-            </a:r>
-            <a:r>
-              <a:rPr lang="en-GB" altLang="fr-FR" dirty="0"/>
-              <a:t> </a:t>
-            </a:r>
-            <a:r>
-              <a:rPr lang="en-GB" altLang="fr-FR" dirty="0" err="1"/>
-              <a:t>globale</a:t>
-            </a:r>
-            <a:r>
-              <a:rPr lang="en-GB" altLang="fr-FR" dirty="0"/>
-              <a:t> par </a:t>
-            </a:r>
-            <a:r>
-              <a:rPr lang="en-GB" altLang="fr-FR" dirty="0" err="1"/>
-              <a:t>toutes</a:t>
-            </a:r>
-            <a:r>
-              <a:rPr lang="en-GB" altLang="fr-FR" dirty="0"/>
-              <a:t> les </a:t>
-            </a:r>
-            <a:r>
-              <a:rPr lang="en-GB" altLang="fr-FR" dirty="0" err="1"/>
-              <a:t>fonctions</a:t>
-            </a:r>
-            <a:r>
-              <a:rPr lang="en-GB" altLang="fr-FR" dirty="0"/>
-              <a:t> </a:t>
-            </a:r>
-            <a:r>
-              <a:rPr lang="en-GB" altLang="fr-FR" dirty="0" err="1"/>
-              <a:t>définies</a:t>
-            </a:r>
-            <a:r>
-              <a:rPr lang="en-GB" altLang="fr-FR" dirty="0"/>
-              <a:t> </a:t>
-            </a:r>
-            <a:r>
-              <a:rPr lang="en-GB" altLang="fr-FR" dirty="0" err="1"/>
-              <a:t>dans</a:t>
-            </a:r>
-            <a:r>
-              <a:rPr lang="en-GB" altLang="fr-FR" dirty="0"/>
-              <a:t> le </a:t>
-            </a:r>
-            <a:r>
-              <a:rPr lang="en-GB" altLang="fr-FR" dirty="0" smtClean="0"/>
-              <a:t>module</a:t>
-            </a:r>
-          </a:p>
-          <a:p>
-            <a:pPr lvl="1" eaLnBrk="1" hangingPunct="1">
-              <a:lnSpc>
-                <a:spcPct val="90000"/>
-              </a:lnSpc>
-              <a:spcBef>
-                <a:spcPts val="500"/>
-              </a:spcBef>
-              <a:spcAft>
-                <a:spcPts val="500"/>
-              </a:spcAft>
-            </a:pPr>
-            <a:r>
-              <a:rPr lang="en-GB" altLang="fr-FR" dirty="0" err="1" smtClean="0"/>
-              <a:t>l'auteur</a:t>
-            </a:r>
-            <a:r>
-              <a:rPr lang="en-GB" altLang="fr-FR" dirty="0" smtClean="0"/>
-              <a:t> </a:t>
-            </a:r>
-            <a:r>
-              <a:rPr lang="en-GB" altLang="fr-FR" dirty="0"/>
-              <a:t>d'un module </a:t>
-            </a:r>
-            <a:r>
-              <a:rPr lang="en-GB" altLang="fr-FR" dirty="0" err="1"/>
-              <a:t>peut</a:t>
-            </a:r>
-            <a:r>
-              <a:rPr lang="en-GB" altLang="fr-FR" dirty="0"/>
-              <a:t> utiliser des variables </a:t>
-            </a:r>
-            <a:r>
-              <a:rPr lang="en-GB" altLang="fr-FR" b="1" dirty="0" err="1"/>
-              <a:t>globales</a:t>
-            </a:r>
-            <a:r>
-              <a:rPr lang="en-GB" altLang="fr-FR" dirty="0"/>
-              <a:t> </a:t>
-            </a:r>
-            <a:r>
-              <a:rPr lang="en-GB" altLang="fr-FR" dirty="0" err="1"/>
-              <a:t>dans</a:t>
-            </a:r>
-            <a:r>
-              <a:rPr lang="en-GB" altLang="fr-FR" dirty="0"/>
-              <a:t> le module sans </a:t>
-            </a:r>
-            <a:r>
-              <a:rPr lang="en-GB" altLang="fr-FR" dirty="0" err="1"/>
-              <a:t>s'inquiéter</a:t>
-            </a:r>
-            <a:r>
-              <a:rPr lang="en-GB" altLang="fr-FR" dirty="0"/>
-              <a:t> des </a:t>
-            </a:r>
-            <a:r>
-              <a:rPr lang="en-GB" altLang="fr-FR" dirty="0" err="1"/>
-              <a:t>désaccords</a:t>
-            </a:r>
-            <a:r>
-              <a:rPr lang="en-GB" altLang="fr-FR" dirty="0"/>
-              <a:t> </a:t>
-            </a:r>
-            <a:r>
-              <a:rPr lang="en-GB" altLang="fr-FR" dirty="0" err="1"/>
-              <a:t>accidentels</a:t>
-            </a:r>
-            <a:r>
-              <a:rPr lang="en-GB" altLang="fr-FR" dirty="0"/>
-              <a:t> avec les variables </a:t>
-            </a:r>
-            <a:r>
-              <a:rPr lang="en-GB" altLang="fr-FR" dirty="0" err="1"/>
-              <a:t>globales</a:t>
-            </a:r>
-            <a:r>
-              <a:rPr lang="en-GB" altLang="fr-FR" dirty="0"/>
-              <a:t> d'un</a:t>
-            </a:r>
-            <a:r>
-              <a:rPr lang="en-GB" altLang="fr-FR" b="1" dirty="0"/>
-              <a:t> </a:t>
-            </a:r>
-            <a:r>
-              <a:rPr lang="en-GB" altLang="fr-FR" b="1" dirty="0" err="1"/>
-              <a:t>utilisateur</a:t>
-            </a:r>
-            <a:r>
-              <a:rPr lang="en-GB" altLang="fr-FR" dirty="0"/>
-              <a:t>. </a:t>
-            </a:r>
-          </a:p>
-          <a:p>
+              <a:t> “&lt;module&gt;.nom”.</a:t>
+            </a:r>
+          </a:p>
+          <a:p>
+            <a:r>
+              <a:rPr lang="en-GB" dirty="0" err="1"/>
+              <a:t>Exemple</a:t>
+            </a:r>
+            <a:endParaRPr lang="en-GB" dirty="0"/>
+          </a:p>
+          <a:p>
+            <a:pPr lvl="1"/>
+            <a:r>
+              <a:rPr lang="en-GB" dirty="0"/>
+              <a:t>import math</a:t>
+            </a:r>
+          </a:p>
+          <a:p>
+            <a:pPr lvl="1"/>
+            <a:r>
+              <a:rPr lang="en-GB" dirty="0" err="1"/>
+              <a:t>math.sqrt</a:t>
+            </a:r>
+            <a:r>
+              <a:rPr lang="en-GB" dirty="0"/>
+              <a:t>(2)</a:t>
+            </a:r>
             <a:endParaRPr lang="fr-FR" dirty="0"/>
           </a:p>
         </p:txBody>
@@ -17071,20 +16065,13 @@
     </p:spTree>
     <p:extLst>
       <p:ext uri="{BB962C8B-B14F-4D97-AF65-F5344CB8AC3E}">
-        <p14:creationId xmlns:p14="http://schemas.microsoft.com/office/powerpoint/2010/main" val="880912954"/>
+        <p14:creationId xmlns:p14="http://schemas.microsoft.com/office/powerpoint/2010/main" val="1585572066"/>
       </p:ext>
     </p:extLst>
   </p:cSld>
   <p:clrMapOvr>
     <a:masterClrMapping/>
   </p:clrMapOvr>
-  <p:timing>
-    <p:tnLst>
-      <p:par>
-        <p:cTn id="1" dur="indefinite" restart="never" nodeType="tmRoot"/>
-      </p:par>
-    </p:tnLst>
-  </p:timing>
 </p:sld>
 </file>
 
@@ -17121,10 +16108,9 @@
           <a:lstStyle/>
           <a:p>
             <a:r>
-              <a:rPr lang="fr-FR" dirty="0" smtClean="0"/>
-              <a:t>import</a:t>
-            </a:r>
-            <a:endParaRPr lang="fr-FR" dirty="0"/>
+              <a:rPr lang="fr-FR" dirty="0"/>
+              <a:t>as</a:t>
+            </a:r>
           </a:p>
         </p:txBody>
       </p:sp>
@@ -17144,192 +16130,62 @@
           <a:lstStyle/>
           <a:p>
             <a:r>
-              <a:rPr lang="en-GB" altLang="fr-FR" b="1" dirty="0" err="1"/>
-              <a:t>L'instruction</a:t>
-            </a:r>
-            <a:r>
-              <a:rPr lang="en-GB" altLang="fr-FR" b="1" dirty="0"/>
-              <a:t> "import &lt;module&gt;"</a:t>
-            </a:r>
-            <a:r>
-              <a:rPr lang="en-GB" altLang="fr-FR" dirty="0"/>
-              <a:t> </a:t>
-            </a:r>
-            <a:r>
-              <a:rPr lang="en-GB" altLang="fr-FR" dirty="0" err="1"/>
-              <a:t>importe</a:t>
-            </a:r>
-            <a:r>
-              <a:rPr lang="en-GB" altLang="fr-FR" dirty="0"/>
-              <a:t> tout le module &lt;module&gt;, </a:t>
-            </a:r>
-            <a:r>
-              <a:rPr lang="en-GB" altLang="fr-FR" dirty="0" err="1"/>
-              <a:t>en</a:t>
-            </a:r>
-            <a:r>
-              <a:rPr lang="en-GB" altLang="fr-FR" dirty="0"/>
-              <a:t> </a:t>
-            </a:r>
-            <a:r>
-              <a:rPr lang="en-GB" altLang="fr-FR" dirty="0" err="1"/>
-              <a:t>exécutant</a:t>
-            </a:r>
-            <a:r>
-              <a:rPr lang="en-GB" altLang="fr-FR" dirty="0"/>
-              <a:t> le total du </a:t>
-            </a:r>
-            <a:r>
-              <a:rPr lang="en-GB" altLang="fr-FR" dirty="0" smtClean="0"/>
-              <a:t>module</a:t>
-            </a:r>
-          </a:p>
-          <a:p>
-            <a:r>
-              <a:rPr lang="en-GB" altLang="fr-FR" dirty="0" smtClean="0"/>
-              <a:t>Le </a:t>
-            </a:r>
-            <a:r>
-              <a:rPr lang="en-GB" altLang="fr-FR" dirty="0"/>
-              <a:t>module </a:t>
-            </a:r>
-            <a:r>
-              <a:rPr lang="en-GB" altLang="fr-FR" dirty="0" err="1"/>
-              <a:t>est</a:t>
-            </a:r>
-            <a:r>
-              <a:rPr lang="en-GB" altLang="fr-FR" dirty="0"/>
-              <a:t> </a:t>
-            </a:r>
-            <a:r>
-              <a:rPr lang="en-GB" altLang="fr-FR" dirty="0" err="1"/>
-              <a:t>exécuté</a:t>
-            </a:r>
-            <a:r>
-              <a:rPr lang="en-GB" altLang="fr-FR" dirty="0"/>
-              <a:t> </a:t>
-            </a:r>
-            <a:r>
-              <a:rPr lang="en-GB" altLang="fr-FR" dirty="0" err="1"/>
-              <a:t>en</a:t>
-            </a:r>
-            <a:r>
-              <a:rPr lang="en-GB" altLang="fr-FR" dirty="0"/>
-              <a:t> premier </a:t>
-            </a:r>
-            <a:r>
-              <a:rPr lang="en-GB" altLang="fr-FR" dirty="0" err="1"/>
-              <a:t>avant</a:t>
-            </a:r>
-            <a:r>
-              <a:rPr lang="en-GB" altLang="fr-FR" dirty="0"/>
-              <a:t> de </a:t>
-            </a:r>
-            <a:r>
-              <a:rPr lang="en-GB" altLang="fr-FR" dirty="0" err="1"/>
-              <a:t>pouvoir</a:t>
-            </a:r>
-            <a:r>
-              <a:rPr lang="en-GB" altLang="fr-FR" dirty="0"/>
-              <a:t> </a:t>
-            </a:r>
-            <a:r>
-              <a:rPr lang="en-GB" altLang="fr-FR" dirty="0" err="1"/>
-              <a:t>travailler</a:t>
-            </a:r>
-            <a:r>
-              <a:rPr lang="en-GB" altLang="fr-FR" dirty="0"/>
-              <a:t> sur les </a:t>
-            </a:r>
-            <a:r>
-              <a:rPr lang="en-GB" altLang="fr-FR" dirty="0" err="1" smtClean="0"/>
-              <a:t>objets</a:t>
-            </a:r>
-            <a:endParaRPr lang="en-GB" altLang="fr-FR" dirty="0" smtClean="0"/>
-          </a:p>
-          <a:p>
-            <a:r>
-              <a:rPr lang="en-GB" altLang="fr-FR" dirty="0" smtClean="0"/>
-              <a:t>Pour </a:t>
-            </a:r>
-            <a:r>
-              <a:rPr lang="en-GB" altLang="fr-FR" dirty="0"/>
-              <a:t>utiliser </a:t>
-            </a:r>
-            <a:r>
-              <a:rPr lang="en-GB" altLang="fr-FR" dirty="0" err="1"/>
-              <a:t>ensuite</a:t>
-            </a:r>
-            <a:r>
-              <a:rPr lang="en-GB" altLang="fr-FR" dirty="0"/>
-              <a:t> le module, nous </a:t>
-            </a:r>
-            <a:r>
-              <a:rPr lang="en-GB" altLang="fr-FR" dirty="0" err="1"/>
-              <a:t>écrirons</a:t>
-            </a:r>
-            <a:r>
-              <a:rPr lang="en-GB" altLang="fr-FR" dirty="0"/>
-              <a:t> “&lt;module&gt;.nom</a:t>
-            </a:r>
-            <a:r>
-              <a:rPr lang="en-GB" altLang="fr-FR" dirty="0" smtClean="0"/>
-              <a:t>”.</a:t>
-            </a:r>
-          </a:p>
-          <a:p>
-            <a:r>
-              <a:rPr lang="en-GB" dirty="0" err="1" smtClean="0"/>
-              <a:t>Exemple</a:t>
-            </a:r>
-            <a:endParaRPr lang="en-GB" dirty="0" smtClean="0"/>
-          </a:p>
-          <a:p>
-            <a:pPr lvl="1"/>
-            <a:r>
-              <a:rPr lang="en-GB" dirty="0"/>
-              <a:t>i</a:t>
-            </a:r>
-            <a:r>
-              <a:rPr lang="en-GB" dirty="0" smtClean="0"/>
-              <a:t>mport math</a:t>
-            </a:r>
-          </a:p>
-          <a:p>
-            <a:pPr lvl="1"/>
-            <a:r>
-              <a:rPr lang="en-GB" dirty="0" err="1"/>
-              <a:t>m</a:t>
-            </a:r>
-            <a:r>
-              <a:rPr lang="en-GB" dirty="0" err="1" smtClean="0"/>
-              <a:t>ath.sqrt</a:t>
-            </a:r>
-            <a:r>
-              <a:rPr lang="en-GB" dirty="0" smtClean="0"/>
-              <a:t>(2)</a:t>
-            </a:r>
-            <a:endParaRPr lang="fr-FR" dirty="0"/>
+              <a:rPr lang="fr-FR" dirty="0"/>
+              <a:t>On différentie le module physique (math) par son </a:t>
+            </a:r>
+            <a:r>
+              <a:rPr lang="fr-FR" dirty="0" err="1"/>
+              <a:t>namespace</a:t>
+            </a:r>
+            <a:r>
+              <a:rPr lang="fr-FR" dirty="0"/>
+              <a:t> (</a:t>
+            </a:r>
+            <a:r>
+              <a:rPr lang="fr-FR" dirty="0" err="1"/>
+              <a:t>mathematique</a:t>
+            </a:r>
+            <a:r>
+              <a:rPr lang="fr-FR" dirty="0"/>
+              <a:t>) qui contient les variables et fonctions</a:t>
+            </a:r>
           </a:p>
         </p:txBody>
       </p:sp>
+      <p:pic>
+        <p:nvPicPr>
+          <p:cNvPr id="4" name="Image 3"/>
+          <p:cNvPicPr>
+            <a:picLocks noChangeAspect="1"/>
+          </p:cNvPicPr>
+          <p:nvPr/>
+        </p:nvPicPr>
+        <p:blipFill>
+          <a:blip r:embed="rId2"/>
+          <a:stretch>
+            <a:fillRect/>
+          </a:stretch>
+        </p:blipFill>
+        <p:spPr>
+          <a:xfrm>
+            <a:off x="2483768" y="3861048"/>
+            <a:ext cx="3174038" cy="426144"/>
+          </a:xfrm>
+          <a:prstGeom prst="rect">
+            <a:avLst/>
+          </a:prstGeom>
+        </p:spPr>
+      </p:pic>
     </p:spTree>
     <p:extLst>
       <p:ext uri="{BB962C8B-B14F-4D97-AF65-F5344CB8AC3E}">
-        <p14:creationId xmlns:p14="http://schemas.microsoft.com/office/powerpoint/2010/main" val="1585572066"/>
+        <p14:creationId xmlns:p14="http://schemas.microsoft.com/office/powerpoint/2010/main" val="845808488"/>
       </p:ext>
     </p:extLst>
   </p:cSld>
   <p:clrMapOvr>
     <a:masterClrMapping/>
   </p:clrMapOvr>
-  <p:timing>
-    <p:tnLst>
-      <p:par>
-        <p:cTn id="1" dur="indefinite" restart="never" nodeType="tmRoot"/>
-      </p:par>
-    </p:tnLst>
-  </p:timing>
 </p:sld>
 </file>
 

--- a/ppt/PythonMath02-Python.pptx
+++ b/ppt/PythonMath02-Python.pptx
@@ -5,10 +5,10 @@
     <p:sldMasterId id="2147483653" r:id="rId1"/>
   </p:sldMasterIdLst>
   <p:notesMasterIdLst>
-    <p:notesMasterId r:id="rId29"/>
+    <p:notesMasterId r:id="rId27"/>
   </p:notesMasterIdLst>
   <p:handoutMasterIdLst>
-    <p:handoutMasterId r:id="rId30"/>
+    <p:handoutMasterId r:id="rId28"/>
   </p:handoutMasterIdLst>
   <p:sldIdLst>
     <p:sldId id="264" r:id="rId2"/>
@@ -31,13 +31,11 @@
     <p:sldId id="296" r:id="rId19"/>
     <p:sldId id="297" r:id="rId20"/>
     <p:sldId id="298" r:id="rId21"/>
-    <p:sldId id="299" r:id="rId22"/>
-    <p:sldId id="300" r:id="rId23"/>
-    <p:sldId id="301" r:id="rId24"/>
-    <p:sldId id="302" r:id="rId25"/>
-    <p:sldId id="304" r:id="rId26"/>
-    <p:sldId id="305" r:id="rId27"/>
-    <p:sldId id="309" r:id="rId28"/>
+    <p:sldId id="301" r:id="rId22"/>
+    <p:sldId id="302" r:id="rId23"/>
+    <p:sldId id="304" r:id="rId24"/>
+    <p:sldId id="305" r:id="rId25"/>
+    <p:sldId id="309" r:id="rId26"/>
   </p:sldIdLst>
   <p:sldSz cx="9144000" cy="6858000" type="screen4x3"/>
   <p:notesSz cx="6648450" cy="9782175"/>
@@ -8252,282 +8250,6 @@
       </p:grpSpPr>
       <p:sp>
         <p:nvSpPr>
-          <p:cNvPr id="2" name="Titre 1"/>
-          <p:cNvSpPr>
-            <a:spLocks noGrp="1"/>
-          </p:cNvSpPr>
-          <p:nvPr>
-            <p:ph type="title"/>
-          </p:nvPr>
-        </p:nvSpPr>
-        <p:spPr/>
-        <p:txBody>
-          <a:bodyPr/>
-          <a:lstStyle/>
-          <a:p>
-            <a:r>
-              <a:rPr lang="fr-FR" dirty="0"/>
-              <a:t>Les listes en intention</a:t>
-            </a:r>
-          </a:p>
-        </p:txBody>
-      </p:sp>
-      <p:sp>
-        <p:nvSpPr>
-          <p:cNvPr id="3" name="Espace réservé du contenu 2"/>
-          <p:cNvSpPr>
-            <a:spLocks noGrp="1"/>
-          </p:cNvSpPr>
-          <p:nvPr>
-            <p:ph idx="1"/>
-          </p:nvPr>
-        </p:nvSpPr>
-        <p:spPr/>
-        <p:txBody>
-          <a:bodyPr/>
-          <a:lstStyle/>
-          <a:p>
-            <a:r>
-              <a:rPr lang="fr-FR" dirty="0"/>
-              <a:t>Une boucle classique </a:t>
-            </a:r>
-          </a:p>
-          <a:p>
-            <a:pPr lvl="2"/>
-            <a:endParaRPr lang="fr-FR" dirty="0"/>
-          </a:p>
-          <a:p>
-            <a:pPr lvl="2"/>
-            <a:endParaRPr lang="fr-FR" dirty="0"/>
-          </a:p>
-          <a:p>
-            <a:pPr lvl="2"/>
-            <a:endParaRPr lang="fr-FR" dirty="0"/>
-          </a:p>
-          <a:p>
-            <a:r>
-              <a:rPr lang="fr-FR" dirty="0"/>
-              <a:t>Peut se réécrire en liste en intention</a:t>
-            </a:r>
-          </a:p>
-          <a:p>
-            <a:endParaRPr lang="fr-FR" dirty="0"/>
-          </a:p>
-          <a:p>
-            <a:endParaRPr lang="fr-FR" dirty="0"/>
-          </a:p>
-          <a:p>
-            <a:pPr lvl="1"/>
-            <a:r>
-              <a:rPr lang="fr-FR" dirty="0"/>
-              <a:t>Combinable avec </a:t>
-            </a:r>
-            <a:r>
-              <a:rPr lang="fr-FR" dirty="0" err="1"/>
-              <a:t>filter</a:t>
-            </a:r>
-            <a:endParaRPr lang="fr-FR" dirty="0"/>
-          </a:p>
-          <a:p>
-            <a:r>
-              <a:rPr lang="fr-FR" dirty="0"/>
-              <a:t>Permet d’effectuer une opération directement sur une liste</a:t>
-            </a:r>
-          </a:p>
-          <a:p>
-            <a:pPr lvl="1"/>
-            <a:r>
-              <a:rPr lang="fr-FR" dirty="0"/>
-              <a:t>Utilisation d’un </a:t>
-            </a:r>
-            <a:r>
-              <a:rPr lang="fr-FR" dirty="0" err="1"/>
-              <a:t>map</a:t>
-            </a:r>
-            <a:endParaRPr lang="fr-FR" dirty="0"/>
-          </a:p>
-        </p:txBody>
-      </p:sp>
-      <p:pic>
-        <p:nvPicPr>
-          <p:cNvPr id="4" name="Image 3"/>
-          <p:cNvPicPr>
-            <a:picLocks noChangeAspect="1"/>
-          </p:cNvPicPr>
-          <p:nvPr/>
-        </p:nvPicPr>
-        <p:blipFill>
-          <a:blip r:embed="rId2"/>
-          <a:stretch>
-            <a:fillRect/>
-          </a:stretch>
-        </p:blipFill>
-        <p:spPr>
-          <a:xfrm>
-            <a:off x="3059832" y="2060848"/>
-            <a:ext cx="2256530" cy="895722"/>
-          </a:xfrm>
-          <a:prstGeom prst="rect">
-            <a:avLst/>
-          </a:prstGeom>
-        </p:spPr>
-      </p:pic>
-      <p:pic>
-        <p:nvPicPr>
-          <p:cNvPr id="5" name="Image 4"/>
-          <p:cNvPicPr>
-            <a:picLocks noChangeAspect="1"/>
-          </p:cNvPicPr>
-          <p:nvPr/>
-        </p:nvPicPr>
-        <p:blipFill>
-          <a:blip r:embed="rId3"/>
-          <a:stretch>
-            <a:fillRect/>
-          </a:stretch>
-        </p:blipFill>
-        <p:spPr>
-          <a:xfrm>
-            <a:off x="2641100" y="3604642"/>
-            <a:ext cx="3842873" cy="989831"/>
-          </a:xfrm>
-          <a:prstGeom prst="rect">
-            <a:avLst/>
-          </a:prstGeom>
-        </p:spPr>
-      </p:pic>
-    </p:spTree>
-    <p:extLst>
-      <p:ext uri="{BB962C8B-B14F-4D97-AF65-F5344CB8AC3E}">
-        <p14:creationId xmlns:p14="http://schemas.microsoft.com/office/powerpoint/2010/main" val="3118144486"/>
-      </p:ext>
-    </p:extLst>
-  </p:cSld>
-  <p:clrMapOvr>
-    <a:masterClrMapping/>
-  </p:clrMapOvr>
-</p:sld>
-</file>
-
-<file path=ppt/slides/slide22.xml><?xml version="1.0" encoding="utf-8"?>
-<p:sld xmlns:a="http://schemas.openxmlformats.org/drawingml/2006/main" xmlns:r="http://schemas.openxmlformats.org/officeDocument/2006/relationships" xmlns:p="http://schemas.openxmlformats.org/presentationml/2006/main">
-  <p:cSld>
-    <p:spTree>
-      <p:nvGrpSpPr>
-        <p:cNvPr id="1" name=""/>
-        <p:cNvGrpSpPr/>
-        <p:nvPr/>
-      </p:nvGrpSpPr>
-      <p:grpSpPr>
-        <a:xfrm>
-          <a:off x="0" y="0"/>
-          <a:ext cx="0" cy="0"/>
-          <a:chOff x="0" y="0"/>
-          <a:chExt cx="0" cy="0"/>
-        </a:xfrm>
-      </p:grpSpPr>
-      <p:sp>
-        <p:nvSpPr>
-          <p:cNvPr id="2" name="Titre 1"/>
-          <p:cNvSpPr>
-            <a:spLocks noGrp="1"/>
-          </p:cNvSpPr>
-          <p:nvPr>
-            <p:ph type="title"/>
-          </p:nvPr>
-        </p:nvSpPr>
-        <p:spPr/>
-        <p:txBody>
-          <a:bodyPr/>
-          <a:lstStyle/>
-          <a:p>
-            <a:r>
-              <a:rPr lang="fr-FR" dirty="0"/>
-              <a:t>Liste en intention et filtre</a:t>
-            </a:r>
-          </a:p>
-        </p:txBody>
-      </p:sp>
-      <p:sp>
-        <p:nvSpPr>
-          <p:cNvPr id="3" name="Espace réservé du contenu 2"/>
-          <p:cNvSpPr>
-            <a:spLocks noGrp="1"/>
-          </p:cNvSpPr>
-          <p:nvPr>
-            <p:ph idx="1"/>
-          </p:nvPr>
-        </p:nvSpPr>
-        <p:spPr/>
-        <p:txBody>
-          <a:bodyPr/>
-          <a:lstStyle/>
-          <a:p>
-            <a:r>
-              <a:rPr lang="en-US" dirty="0"/>
-              <a:t>[function(item) for item in list if condition(item)]</a:t>
-            </a:r>
-          </a:p>
-          <a:p>
-            <a:r>
-              <a:rPr lang="en-US" dirty="0" err="1"/>
-              <a:t>Remplace</a:t>
-            </a:r>
-            <a:r>
-              <a:rPr lang="en-US" dirty="0"/>
-              <a:t> un </a:t>
-            </a:r>
-            <a:r>
-              <a:rPr lang="en-US" dirty="0" err="1"/>
-              <a:t>filtre</a:t>
-            </a:r>
-            <a:r>
-              <a:rPr lang="en-US" dirty="0"/>
-              <a:t> et un map</a:t>
-            </a:r>
-          </a:p>
-          <a:p>
-            <a:pPr lvl="1"/>
-            <a:r>
-              <a:rPr lang="en-US" dirty="0"/>
-              <a:t>[x for x in a if x &gt; 5]</a:t>
-            </a:r>
-            <a:endParaRPr lang="fr-FR" dirty="0"/>
-          </a:p>
-        </p:txBody>
-      </p:sp>
-    </p:spTree>
-    <p:extLst>
-      <p:ext uri="{BB962C8B-B14F-4D97-AF65-F5344CB8AC3E}">
-        <p14:creationId xmlns:p14="http://schemas.microsoft.com/office/powerpoint/2010/main" val="2390928047"/>
-      </p:ext>
-    </p:extLst>
-  </p:cSld>
-  <p:clrMapOvr>
-    <a:masterClrMapping/>
-  </p:clrMapOvr>
-</p:sld>
-</file>
-
-<file path=ppt/slides/slide23.xml><?xml version="1.0" encoding="utf-8"?>
-<p:sld xmlns:a="http://schemas.openxmlformats.org/drawingml/2006/main" xmlns:r="http://schemas.openxmlformats.org/officeDocument/2006/relationships" xmlns:p="http://schemas.openxmlformats.org/presentationml/2006/main">
-  <p:cSld>
-    <p:spTree>
-      <p:nvGrpSpPr>
-        <p:cNvPr id="1" name=""/>
-        <p:cNvGrpSpPr/>
-        <p:nvPr/>
-      </p:nvGrpSpPr>
-      <p:grpSpPr>
-        <a:xfrm>
-          <a:off x="0" y="0"/>
-          <a:ext cx="0" cy="0"/>
-          <a:chOff x="0" y="0"/>
-          <a:chExt cx="0" cy="0"/>
-        </a:xfrm>
-      </p:grpSpPr>
-      <p:sp>
-        <p:nvSpPr>
           <p:cNvPr id="13314" name="Text Box 5"/>
           <p:cNvSpPr txBox="1">
             <a:spLocks noChangeArrowheads="1"/>
@@ -10892,7 +10614,7 @@
 </p:sld>
 </file>
 
-<file path=ppt/slides/slide24.xml><?xml version="1.0" encoding="utf-8"?>
+<file path=ppt/slides/slide22.xml><?xml version="1.0" encoding="utf-8"?>
 <p:sld xmlns:a="http://schemas.openxmlformats.org/drawingml/2006/main" xmlns:r="http://schemas.openxmlformats.org/officeDocument/2006/relationships" xmlns:p="http://schemas.openxmlformats.org/presentationml/2006/main">
   <p:cSld>
     <p:spTree>
@@ -14216,7 +13938,7 @@
 </p:sld>
 </file>
 
-<file path=ppt/slides/slide25.xml><?xml version="1.0" encoding="utf-8"?>
+<file path=ppt/slides/slide23.xml><?xml version="1.0" encoding="utf-8"?>
 <p:sld xmlns:a="http://schemas.openxmlformats.org/drawingml/2006/main" xmlns:r="http://schemas.openxmlformats.org/officeDocument/2006/relationships" xmlns:p="http://schemas.openxmlformats.org/presentationml/2006/main">
   <p:cSld>
     <p:spTree>
@@ -14445,7 +14167,7 @@
 </p:sld>
 </file>
 
-<file path=ppt/slides/slide26.xml><?xml version="1.0" encoding="utf-8"?>
+<file path=ppt/slides/slide24.xml><?xml version="1.0" encoding="utf-8"?>
 <p:sld xmlns:a="http://schemas.openxmlformats.org/drawingml/2006/main" xmlns:r="http://schemas.openxmlformats.org/officeDocument/2006/relationships" xmlns:p="http://schemas.openxmlformats.org/presentationml/2006/main">
   <p:cSld>
     <p:spTree>
@@ -14644,7 +14366,7 @@
 </p:sld>
 </file>
 
-<file path=ppt/slides/slide27.xml><?xml version="1.0" encoding="utf-8"?>
+<file path=ppt/slides/slide25.xml><?xml version="1.0" encoding="utf-8"?>
 <p:sld xmlns:a="http://schemas.openxmlformats.org/drawingml/2006/main" xmlns:r="http://schemas.openxmlformats.org/officeDocument/2006/relationships" xmlns:p="http://schemas.openxmlformats.org/presentationml/2006/main">
   <p:cSld>
     <p:spTree>
